--- a/doc/DAQ_v3_DR1.pptx
+++ b/doc/DAQ_v3_DR1.pptx
@@ -5,31 +5,22 @@
     <p:sldMasterId id="2147483648" r:id="rId1"/>
   </p:sldMasterIdLst>
   <p:notesMasterIdLst>
-    <p:notesMasterId r:id="rId21"/>
+    <p:notesMasterId r:id="rId12"/>
   </p:notesMasterIdLst>
   <p:handoutMasterIdLst>
-    <p:handoutMasterId r:id="rId22"/>
+    <p:handoutMasterId r:id="rId13"/>
   </p:handoutMasterIdLst>
   <p:sldIdLst>
     <p:sldId id="256" r:id="rId2"/>
     <p:sldId id="257" r:id="rId3"/>
     <p:sldId id="261" r:id="rId4"/>
-    <p:sldId id="262" r:id="rId5"/>
-    <p:sldId id="264" r:id="rId6"/>
-    <p:sldId id="265" r:id="rId7"/>
-    <p:sldId id="263" r:id="rId8"/>
-    <p:sldId id="266" r:id="rId9"/>
-    <p:sldId id="267" r:id="rId10"/>
-    <p:sldId id="268" r:id="rId11"/>
-    <p:sldId id="269" r:id="rId12"/>
-    <p:sldId id="270" r:id="rId13"/>
-    <p:sldId id="271" r:id="rId14"/>
-    <p:sldId id="272" r:id="rId15"/>
-    <p:sldId id="274" r:id="rId16"/>
-    <p:sldId id="275" r:id="rId17"/>
-    <p:sldId id="276" r:id="rId18"/>
-    <p:sldId id="273" r:id="rId19"/>
-    <p:sldId id="260" r:id="rId20"/>
+    <p:sldId id="268" r:id="rId5"/>
+    <p:sldId id="262" r:id="rId6"/>
+    <p:sldId id="269" r:id="rId7"/>
+    <p:sldId id="270" r:id="rId8"/>
+    <p:sldId id="271" r:id="rId9"/>
+    <p:sldId id="272" r:id="rId10"/>
+    <p:sldId id="260" r:id="rId11"/>
   </p:sldIdLst>
   <p:sldSz cx="9144000" cy="6858000" type="screen4x3"/>
   <p:notesSz cx="6858000" cy="9144000"/>
@@ -790,591 +781,6 @@
           <a:p>
             <a:r>
               <a:rPr lang="en-CA" dirty="0"/>
-              <a:t>Content Slide</a:t>
-            </a:r>
-            <a:endParaRPr lang="fr-CA" dirty="0"/>
-          </a:p>
-        </p:txBody>
-      </p:sp>
-    </p:spTree>
-    <p:extLst>
-      <p:ext uri="{BB962C8B-B14F-4D97-AF65-F5344CB8AC3E}">
-        <p14:creationId xmlns:p14="http://schemas.microsoft.com/office/powerpoint/2010/main" val="2913866448"/>
-      </p:ext>
-    </p:extLst>
-  </p:cSld>
-  <p:clrMapOvr>
-    <a:masterClrMapping/>
-  </p:clrMapOvr>
-</p:notes>
-</file>
-
-<file path=ppt/notesSlides/notesSlide11.xml><?xml version="1.0" encoding="utf-8"?>
-<p:notes xmlns:a="http://schemas.openxmlformats.org/drawingml/2006/main" xmlns:r="http://schemas.openxmlformats.org/officeDocument/2006/relationships" xmlns:p="http://schemas.openxmlformats.org/presentationml/2006/main">
-  <p:cSld>
-    <p:spTree>
-      <p:nvGrpSpPr>
-        <p:cNvPr id="1" name=""/>
-        <p:cNvGrpSpPr/>
-        <p:nvPr/>
-      </p:nvGrpSpPr>
-      <p:grpSpPr>
-        <a:xfrm>
-          <a:off x="0" y="0"/>
-          <a:ext cx="0" cy="0"/>
-          <a:chOff x="0" y="0"/>
-          <a:chExt cx="0" cy="0"/>
-        </a:xfrm>
-      </p:grpSpPr>
-      <p:sp>
-        <p:nvSpPr>
-          <p:cNvPr id="2" name="Slide Image Placeholder 1"/>
-          <p:cNvSpPr>
-            <a:spLocks noGrp="1" noRot="1" noChangeAspect="1"/>
-          </p:cNvSpPr>
-          <p:nvPr>
-            <p:ph type="sldImg"/>
-          </p:nvPr>
-        </p:nvSpPr>
-        <p:spPr/>
-      </p:sp>
-      <p:sp>
-        <p:nvSpPr>
-          <p:cNvPr id="3" name="Notes Placeholder 2"/>
-          <p:cNvSpPr>
-            <a:spLocks noGrp="1"/>
-          </p:cNvSpPr>
-          <p:nvPr>
-            <p:ph type="body" idx="1"/>
-          </p:nvPr>
-        </p:nvSpPr>
-        <p:spPr/>
-        <p:txBody>
-          <a:bodyPr/>
-          <a:lstStyle/>
-          <a:p>
-            <a:r>
-              <a:rPr lang="en-CA" dirty="0"/>
-              <a:t>Content Slide</a:t>
-            </a:r>
-            <a:endParaRPr lang="fr-CA" dirty="0"/>
-          </a:p>
-        </p:txBody>
-      </p:sp>
-    </p:spTree>
-    <p:extLst>
-      <p:ext uri="{BB962C8B-B14F-4D97-AF65-F5344CB8AC3E}">
-        <p14:creationId xmlns:p14="http://schemas.microsoft.com/office/powerpoint/2010/main" val="2296266066"/>
-      </p:ext>
-    </p:extLst>
-  </p:cSld>
-  <p:clrMapOvr>
-    <a:masterClrMapping/>
-  </p:clrMapOvr>
-</p:notes>
-</file>
-
-<file path=ppt/notesSlides/notesSlide12.xml><?xml version="1.0" encoding="utf-8"?>
-<p:notes xmlns:a="http://schemas.openxmlformats.org/drawingml/2006/main" xmlns:r="http://schemas.openxmlformats.org/officeDocument/2006/relationships" xmlns:p="http://schemas.openxmlformats.org/presentationml/2006/main">
-  <p:cSld>
-    <p:spTree>
-      <p:nvGrpSpPr>
-        <p:cNvPr id="1" name=""/>
-        <p:cNvGrpSpPr/>
-        <p:nvPr/>
-      </p:nvGrpSpPr>
-      <p:grpSpPr>
-        <a:xfrm>
-          <a:off x="0" y="0"/>
-          <a:ext cx="0" cy="0"/>
-          <a:chOff x="0" y="0"/>
-          <a:chExt cx="0" cy="0"/>
-        </a:xfrm>
-      </p:grpSpPr>
-      <p:sp>
-        <p:nvSpPr>
-          <p:cNvPr id="2" name="Slide Image Placeholder 1"/>
-          <p:cNvSpPr>
-            <a:spLocks noGrp="1" noRot="1" noChangeAspect="1"/>
-          </p:cNvSpPr>
-          <p:nvPr>
-            <p:ph type="sldImg"/>
-          </p:nvPr>
-        </p:nvSpPr>
-        <p:spPr/>
-      </p:sp>
-      <p:sp>
-        <p:nvSpPr>
-          <p:cNvPr id="3" name="Notes Placeholder 2"/>
-          <p:cNvSpPr>
-            <a:spLocks noGrp="1"/>
-          </p:cNvSpPr>
-          <p:nvPr>
-            <p:ph type="body" idx="1"/>
-          </p:nvPr>
-        </p:nvSpPr>
-        <p:spPr/>
-        <p:txBody>
-          <a:bodyPr/>
-          <a:lstStyle/>
-          <a:p>
-            <a:r>
-              <a:rPr lang="en-CA" dirty="0"/>
-              <a:t>Content Slide</a:t>
-            </a:r>
-            <a:endParaRPr lang="fr-CA" dirty="0"/>
-          </a:p>
-        </p:txBody>
-      </p:sp>
-    </p:spTree>
-    <p:extLst>
-      <p:ext uri="{BB962C8B-B14F-4D97-AF65-F5344CB8AC3E}">
-        <p14:creationId xmlns:p14="http://schemas.microsoft.com/office/powerpoint/2010/main" val="3121949552"/>
-      </p:ext>
-    </p:extLst>
-  </p:cSld>
-  <p:clrMapOvr>
-    <a:masterClrMapping/>
-  </p:clrMapOvr>
-</p:notes>
-</file>
-
-<file path=ppt/notesSlides/notesSlide13.xml><?xml version="1.0" encoding="utf-8"?>
-<p:notes xmlns:a="http://schemas.openxmlformats.org/drawingml/2006/main" xmlns:r="http://schemas.openxmlformats.org/officeDocument/2006/relationships" xmlns:p="http://schemas.openxmlformats.org/presentationml/2006/main">
-  <p:cSld>
-    <p:spTree>
-      <p:nvGrpSpPr>
-        <p:cNvPr id="1" name=""/>
-        <p:cNvGrpSpPr/>
-        <p:nvPr/>
-      </p:nvGrpSpPr>
-      <p:grpSpPr>
-        <a:xfrm>
-          <a:off x="0" y="0"/>
-          <a:ext cx="0" cy="0"/>
-          <a:chOff x="0" y="0"/>
-          <a:chExt cx="0" cy="0"/>
-        </a:xfrm>
-      </p:grpSpPr>
-      <p:sp>
-        <p:nvSpPr>
-          <p:cNvPr id="2" name="Slide Image Placeholder 1"/>
-          <p:cNvSpPr>
-            <a:spLocks noGrp="1" noRot="1" noChangeAspect="1"/>
-          </p:cNvSpPr>
-          <p:nvPr>
-            <p:ph type="sldImg"/>
-          </p:nvPr>
-        </p:nvSpPr>
-        <p:spPr/>
-      </p:sp>
-      <p:sp>
-        <p:nvSpPr>
-          <p:cNvPr id="3" name="Notes Placeholder 2"/>
-          <p:cNvSpPr>
-            <a:spLocks noGrp="1"/>
-          </p:cNvSpPr>
-          <p:nvPr>
-            <p:ph type="body" idx="1"/>
-          </p:nvPr>
-        </p:nvSpPr>
-        <p:spPr/>
-        <p:txBody>
-          <a:bodyPr/>
-          <a:lstStyle/>
-          <a:p>
-            <a:r>
-              <a:rPr lang="en-CA" dirty="0"/>
-              <a:t>Content Slide</a:t>
-            </a:r>
-            <a:endParaRPr lang="fr-CA" dirty="0"/>
-          </a:p>
-        </p:txBody>
-      </p:sp>
-    </p:spTree>
-    <p:extLst>
-      <p:ext uri="{BB962C8B-B14F-4D97-AF65-F5344CB8AC3E}">
-        <p14:creationId xmlns:p14="http://schemas.microsoft.com/office/powerpoint/2010/main" val="1196492810"/>
-      </p:ext>
-    </p:extLst>
-  </p:cSld>
-  <p:clrMapOvr>
-    <a:masterClrMapping/>
-  </p:clrMapOvr>
-</p:notes>
-</file>
-
-<file path=ppt/notesSlides/notesSlide14.xml><?xml version="1.0" encoding="utf-8"?>
-<p:notes xmlns:a="http://schemas.openxmlformats.org/drawingml/2006/main" xmlns:r="http://schemas.openxmlformats.org/officeDocument/2006/relationships" xmlns:p="http://schemas.openxmlformats.org/presentationml/2006/main">
-  <p:cSld>
-    <p:spTree>
-      <p:nvGrpSpPr>
-        <p:cNvPr id="1" name=""/>
-        <p:cNvGrpSpPr/>
-        <p:nvPr/>
-      </p:nvGrpSpPr>
-      <p:grpSpPr>
-        <a:xfrm>
-          <a:off x="0" y="0"/>
-          <a:ext cx="0" cy="0"/>
-          <a:chOff x="0" y="0"/>
-          <a:chExt cx="0" cy="0"/>
-        </a:xfrm>
-      </p:grpSpPr>
-      <p:sp>
-        <p:nvSpPr>
-          <p:cNvPr id="2" name="Slide Image Placeholder 1"/>
-          <p:cNvSpPr>
-            <a:spLocks noGrp="1" noRot="1" noChangeAspect="1"/>
-          </p:cNvSpPr>
-          <p:nvPr>
-            <p:ph type="sldImg"/>
-          </p:nvPr>
-        </p:nvSpPr>
-        <p:spPr/>
-      </p:sp>
-      <p:sp>
-        <p:nvSpPr>
-          <p:cNvPr id="3" name="Notes Placeholder 2"/>
-          <p:cNvSpPr>
-            <a:spLocks noGrp="1"/>
-          </p:cNvSpPr>
-          <p:nvPr>
-            <p:ph type="body" idx="1"/>
-          </p:nvPr>
-        </p:nvSpPr>
-        <p:spPr/>
-        <p:txBody>
-          <a:bodyPr/>
-          <a:lstStyle/>
-          <a:p>
-            <a:r>
-              <a:rPr lang="en-CA" dirty="0"/>
-              <a:t>Content Slide</a:t>
-            </a:r>
-            <a:endParaRPr lang="fr-CA" dirty="0"/>
-          </a:p>
-        </p:txBody>
-      </p:sp>
-    </p:spTree>
-    <p:extLst>
-      <p:ext uri="{BB962C8B-B14F-4D97-AF65-F5344CB8AC3E}">
-        <p14:creationId xmlns:p14="http://schemas.microsoft.com/office/powerpoint/2010/main" val="992176104"/>
-      </p:ext>
-    </p:extLst>
-  </p:cSld>
-  <p:clrMapOvr>
-    <a:masterClrMapping/>
-  </p:clrMapOvr>
-</p:notes>
-</file>
-
-<file path=ppt/notesSlides/notesSlide15.xml><?xml version="1.0" encoding="utf-8"?>
-<p:notes xmlns:a="http://schemas.openxmlformats.org/drawingml/2006/main" xmlns:r="http://schemas.openxmlformats.org/officeDocument/2006/relationships" xmlns:p="http://schemas.openxmlformats.org/presentationml/2006/main">
-  <p:cSld>
-    <p:spTree>
-      <p:nvGrpSpPr>
-        <p:cNvPr id="1" name=""/>
-        <p:cNvGrpSpPr/>
-        <p:nvPr/>
-      </p:nvGrpSpPr>
-      <p:grpSpPr>
-        <a:xfrm>
-          <a:off x="0" y="0"/>
-          <a:ext cx="0" cy="0"/>
-          <a:chOff x="0" y="0"/>
-          <a:chExt cx="0" cy="0"/>
-        </a:xfrm>
-      </p:grpSpPr>
-      <p:sp>
-        <p:nvSpPr>
-          <p:cNvPr id="2" name="Slide Image Placeholder 1"/>
-          <p:cNvSpPr>
-            <a:spLocks noGrp="1" noRot="1" noChangeAspect="1"/>
-          </p:cNvSpPr>
-          <p:nvPr>
-            <p:ph type="sldImg"/>
-          </p:nvPr>
-        </p:nvSpPr>
-        <p:spPr/>
-      </p:sp>
-      <p:sp>
-        <p:nvSpPr>
-          <p:cNvPr id="3" name="Notes Placeholder 2"/>
-          <p:cNvSpPr>
-            <a:spLocks noGrp="1"/>
-          </p:cNvSpPr>
-          <p:nvPr>
-            <p:ph type="body" idx="1"/>
-          </p:nvPr>
-        </p:nvSpPr>
-        <p:spPr/>
-        <p:txBody>
-          <a:bodyPr/>
-          <a:lstStyle/>
-          <a:p>
-            <a:r>
-              <a:rPr lang="en-CA" dirty="0"/>
-              <a:t>Content Slide</a:t>
-            </a:r>
-            <a:endParaRPr lang="fr-CA" dirty="0"/>
-          </a:p>
-        </p:txBody>
-      </p:sp>
-    </p:spTree>
-    <p:extLst>
-      <p:ext uri="{BB962C8B-B14F-4D97-AF65-F5344CB8AC3E}">
-        <p14:creationId xmlns:p14="http://schemas.microsoft.com/office/powerpoint/2010/main" val="2691660455"/>
-      </p:ext>
-    </p:extLst>
-  </p:cSld>
-  <p:clrMapOvr>
-    <a:masterClrMapping/>
-  </p:clrMapOvr>
-</p:notes>
-</file>
-
-<file path=ppt/notesSlides/notesSlide16.xml><?xml version="1.0" encoding="utf-8"?>
-<p:notes xmlns:a="http://schemas.openxmlformats.org/drawingml/2006/main" xmlns:r="http://schemas.openxmlformats.org/officeDocument/2006/relationships" xmlns:p="http://schemas.openxmlformats.org/presentationml/2006/main">
-  <p:cSld>
-    <p:spTree>
-      <p:nvGrpSpPr>
-        <p:cNvPr id="1" name=""/>
-        <p:cNvGrpSpPr/>
-        <p:nvPr/>
-      </p:nvGrpSpPr>
-      <p:grpSpPr>
-        <a:xfrm>
-          <a:off x="0" y="0"/>
-          <a:ext cx="0" cy="0"/>
-          <a:chOff x="0" y="0"/>
-          <a:chExt cx="0" cy="0"/>
-        </a:xfrm>
-      </p:grpSpPr>
-      <p:sp>
-        <p:nvSpPr>
-          <p:cNvPr id="2" name="Slide Image Placeholder 1"/>
-          <p:cNvSpPr>
-            <a:spLocks noGrp="1" noRot="1" noChangeAspect="1"/>
-          </p:cNvSpPr>
-          <p:nvPr>
-            <p:ph type="sldImg"/>
-          </p:nvPr>
-        </p:nvSpPr>
-        <p:spPr/>
-      </p:sp>
-      <p:sp>
-        <p:nvSpPr>
-          <p:cNvPr id="3" name="Notes Placeholder 2"/>
-          <p:cNvSpPr>
-            <a:spLocks noGrp="1"/>
-          </p:cNvSpPr>
-          <p:nvPr>
-            <p:ph type="body" idx="1"/>
-          </p:nvPr>
-        </p:nvSpPr>
-        <p:spPr/>
-        <p:txBody>
-          <a:bodyPr/>
-          <a:lstStyle/>
-          <a:p>
-            <a:r>
-              <a:rPr lang="en-CA" dirty="0"/>
-              <a:t>Content Slide</a:t>
-            </a:r>
-            <a:endParaRPr lang="fr-CA" dirty="0"/>
-          </a:p>
-        </p:txBody>
-      </p:sp>
-    </p:spTree>
-    <p:extLst>
-      <p:ext uri="{BB962C8B-B14F-4D97-AF65-F5344CB8AC3E}">
-        <p14:creationId xmlns:p14="http://schemas.microsoft.com/office/powerpoint/2010/main" val="4263018587"/>
-      </p:ext>
-    </p:extLst>
-  </p:cSld>
-  <p:clrMapOvr>
-    <a:masterClrMapping/>
-  </p:clrMapOvr>
-</p:notes>
-</file>
-
-<file path=ppt/notesSlides/notesSlide17.xml><?xml version="1.0" encoding="utf-8"?>
-<p:notes xmlns:a="http://schemas.openxmlformats.org/drawingml/2006/main" xmlns:r="http://schemas.openxmlformats.org/officeDocument/2006/relationships" xmlns:p="http://schemas.openxmlformats.org/presentationml/2006/main">
-  <p:cSld>
-    <p:spTree>
-      <p:nvGrpSpPr>
-        <p:cNvPr id="1" name=""/>
-        <p:cNvGrpSpPr/>
-        <p:nvPr/>
-      </p:nvGrpSpPr>
-      <p:grpSpPr>
-        <a:xfrm>
-          <a:off x="0" y="0"/>
-          <a:ext cx="0" cy="0"/>
-          <a:chOff x="0" y="0"/>
-          <a:chExt cx="0" cy="0"/>
-        </a:xfrm>
-      </p:grpSpPr>
-      <p:sp>
-        <p:nvSpPr>
-          <p:cNvPr id="2" name="Slide Image Placeholder 1"/>
-          <p:cNvSpPr>
-            <a:spLocks noGrp="1" noRot="1" noChangeAspect="1"/>
-          </p:cNvSpPr>
-          <p:nvPr>
-            <p:ph type="sldImg"/>
-          </p:nvPr>
-        </p:nvSpPr>
-        <p:spPr/>
-      </p:sp>
-      <p:sp>
-        <p:nvSpPr>
-          <p:cNvPr id="3" name="Notes Placeholder 2"/>
-          <p:cNvSpPr>
-            <a:spLocks noGrp="1"/>
-          </p:cNvSpPr>
-          <p:nvPr>
-            <p:ph type="body" idx="1"/>
-          </p:nvPr>
-        </p:nvSpPr>
-        <p:spPr/>
-        <p:txBody>
-          <a:bodyPr/>
-          <a:lstStyle/>
-          <a:p>
-            <a:r>
-              <a:rPr lang="en-CA" dirty="0"/>
-              <a:t>Content Slide</a:t>
-            </a:r>
-            <a:endParaRPr lang="fr-CA" dirty="0"/>
-          </a:p>
-        </p:txBody>
-      </p:sp>
-    </p:spTree>
-    <p:extLst>
-      <p:ext uri="{BB962C8B-B14F-4D97-AF65-F5344CB8AC3E}">
-        <p14:creationId xmlns:p14="http://schemas.microsoft.com/office/powerpoint/2010/main" val="1277005636"/>
-      </p:ext>
-    </p:extLst>
-  </p:cSld>
-  <p:clrMapOvr>
-    <a:masterClrMapping/>
-  </p:clrMapOvr>
-</p:notes>
-</file>
-
-<file path=ppt/notesSlides/notesSlide18.xml><?xml version="1.0" encoding="utf-8"?>
-<p:notes xmlns:a="http://schemas.openxmlformats.org/drawingml/2006/main" xmlns:r="http://schemas.openxmlformats.org/officeDocument/2006/relationships" xmlns:p="http://schemas.openxmlformats.org/presentationml/2006/main">
-  <p:cSld>
-    <p:spTree>
-      <p:nvGrpSpPr>
-        <p:cNvPr id="1" name=""/>
-        <p:cNvGrpSpPr/>
-        <p:nvPr/>
-      </p:nvGrpSpPr>
-      <p:grpSpPr>
-        <a:xfrm>
-          <a:off x="0" y="0"/>
-          <a:ext cx="0" cy="0"/>
-          <a:chOff x="0" y="0"/>
-          <a:chExt cx="0" cy="0"/>
-        </a:xfrm>
-      </p:grpSpPr>
-      <p:sp>
-        <p:nvSpPr>
-          <p:cNvPr id="2" name="Slide Image Placeholder 1"/>
-          <p:cNvSpPr>
-            <a:spLocks noGrp="1" noRot="1" noChangeAspect="1"/>
-          </p:cNvSpPr>
-          <p:nvPr>
-            <p:ph type="sldImg"/>
-          </p:nvPr>
-        </p:nvSpPr>
-        <p:spPr/>
-      </p:sp>
-      <p:sp>
-        <p:nvSpPr>
-          <p:cNvPr id="3" name="Notes Placeholder 2"/>
-          <p:cNvSpPr>
-            <a:spLocks noGrp="1"/>
-          </p:cNvSpPr>
-          <p:nvPr>
-            <p:ph type="body" idx="1"/>
-          </p:nvPr>
-        </p:nvSpPr>
-        <p:spPr/>
-        <p:txBody>
-          <a:bodyPr/>
-          <a:lstStyle/>
-          <a:p>
-            <a:r>
-              <a:rPr lang="en-CA" dirty="0"/>
-              <a:t>Content Slide</a:t>
-            </a:r>
-            <a:endParaRPr lang="fr-CA" dirty="0"/>
-          </a:p>
-        </p:txBody>
-      </p:sp>
-    </p:spTree>
-    <p:extLst>
-      <p:ext uri="{BB962C8B-B14F-4D97-AF65-F5344CB8AC3E}">
-        <p14:creationId xmlns:p14="http://schemas.microsoft.com/office/powerpoint/2010/main" val="80007502"/>
-      </p:ext>
-    </p:extLst>
-  </p:cSld>
-  <p:clrMapOvr>
-    <a:masterClrMapping/>
-  </p:clrMapOvr>
-</p:notes>
-</file>
-
-<file path=ppt/notesSlides/notesSlide19.xml><?xml version="1.0" encoding="utf-8"?>
-<p:notes xmlns:a="http://schemas.openxmlformats.org/drawingml/2006/main" xmlns:r="http://schemas.openxmlformats.org/officeDocument/2006/relationships" xmlns:p="http://schemas.openxmlformats.org/presentationml/2006/main">
-  <p:cSld>
-    <p:spTree>
-      <p:nvGrpSpPr>
-        <p:cNvPr id="1" name=""/>
-        <p:cNvGrpSpPr/>
-        <p:nvPr/>
-      </p:nvGrpSpPr>
-      <p:grpSpPr>
-        <a:xfrm>
-          <a:off x="0" y="0"/>
-          <a:ext cx="0" cy="0"/>
-          <a:chOff x="0" y="0"/>
-          <a:chExt cx="0" cy="0"/>
-        </a:xfrm>
-      </p:grpSpPr>
-      <p:sp>
-        <p:nvSpPr>
-          <p:cNvPr id="2" name="Slide Image Placeholder 1"/>
-          <p:cNvSpPr>
-            <a:spLocks noGrp="1" noRot="1" noChangeAspect="1"/>
-          </p:cNvSpPr>
-          <p:nvPr>
-            <p:ph type="sldImg"/>
-          </p:nvPr>
-        </p:nvSpPr>
-        <p:spPr/>
-      </p:sp>
-      <p:sp>
-        <p:nvSpPr>
-          <p:cNvPr id="3" name="Notes Placeholder 2"/>
-          <p:cNvSpPr>
-            <a:spLocks noGrp="1"/>
-          </p:cNvSpPr>
-          <p:nvPr>
-            <p:ph type="body" idx="1"/>
-          </p:nvPr>
-        </p:nvSpPr>
-        <p:spPr/>
-        <p:txBody>
-          <a:bodyPr/>
-          <a:lstStyle/>
-          <a:p>
-            <a:r>
-              <a:rPr lang="en-CA" dirty="0"/>
               <a:t>Final Slide</a:t>
             </a:r>
             <a:endParaRPr lang="fr-CA" dirty="0"/>
@@ -1579,7 +985,7 @@
     </p:spTree>
     <p:extLst>
       <p:ext uri="{BB962C8B-B14F-4D97-AF65-F5344CB8AC3E}">
-        <p14:creationId xmlns:p14="http://schemas.microsoft.com/office/powerpoint/2010/main" val="531698004"/>
+        <p14:creationId xmlns:p14="http://schemas.microsoft.com/office/powerpoint/2010/main" val="1542425791"/>
       </p:ext>
     </p:extLst>
   </p:cSld>
@@ -1644,7 +1050,7 @@
     </p:spTree>
     <p:extLst>
       <p:ext uri="{BB962C8B-B14F-4D97-AF65-F5344CB8AC3E}">
-        <p14:creationId xmlns:p14="http://schemas.microsoft.com/office/powerpoint/2010/main" val="3973043523"/>
+        <p14:creationId xmlns:p14="http://schemas.microsoft.com/office/powerpoint/2010/main" val="531698004"/>
       </p:ext>
     </p:extLst>
   </p:cSld>
@@ -1709,7 +1115,7 @@
     </p:spTree>
     <p:extLst>
       <p:ext uri="{BB962C8B-B14F-4D97-AF65-F5344CB8AC3E}">
-        <p14:creationId xmlns:p14="http://schemas.microsoft.com/office/powerpoint/2010/main" val="755067841"/>
+        <p14:creationId xmlns:p14="http://schemas.microsoft.com/office/powerpoint/2010/main" val="3576228468"/>
       </p:ext>
     </p:extLst>
   </p:cSld>
@@ -1774,7 +1180,7 @@
     </p:spTree>
     <p:extLst>
       <p:ext uri="{BB962C8B-B14F-4D97-AF65-F5344CB8AC3E}">
-        <p14:creationId xmlns:p14="http://schemas.microsoft.com/office/powerpoint/2010/main" val="3347635805"/>
+        <p14:creationId xmlns:p14="http://schemas.microsoft.com/office/powerpoint/2010/main" val="694172785"/>
       </p:ext>
     </p:extLst>
   </p:cSld>
@@ -1839,7 +1245,7 @@
     </p:spTree>
     <p:extLst>
       <p:ext uri="{BB962C8B-B14F-4D97-AF65-F5344CB8AC3E}">
-        <p14:creationId xmlns:p14="http://schemas.microsoft.com/office/powerpoint/2010/main" val="1806360355"/>
+        <p14:creationId xmlns:p14="http://schemas.microsoft.com/office/powerpoint/2010/main" val="2771709180"/>
       </p:ext>
     </p:extLst>
   </p:cSld>
@@ -1904,7 +1310,7 @@
     </p:spTree>
     <p:extLst>
       <p:ext uri="{BB962C8B-B14F-4D97-AF65-F5344CB8AC3E}">
-        <p14:creationId xmlns:p14="http://schemas.microsoft.com/office/powerpoint/2010/main" val="1377664835"/>
+        <p14:creationId xmlns:p14="http://schemas.microsoft.com/office/powerpoint/2010/main" val="2830563749"/>
       </p:ext>
     </p:extLst>
   </p:cSld>
@@ -5094,7 +4500,7 @@
         <p:spPr>
           <a:xfrm>
             <a:off x="4552932" y="5517239"/>
-            <a:ext cx="3888432" cy="369332"/>
+            <a:ext cx="4483564" cy="369332"/>
           </a:xfrm>
           <a:prstGeom prst="rect">
             <a:avLst/>
@@ -5120,7 +4526,7 @@
                 <a:latin typeface="Arial" pitchFamily="34" charset="0"/>
                 <a:cs typeface="Arial" pitchFamily="34" charset="0"/>
               </a:rPr>
-              <a:t>Audrey Lauer, Project Lead</a:t>
+              <a:t>Audrey Lauer, Project Lead - Hardware</a:t>
             </a:r>
           </a:p>
         </p:txBody>
@@ -5354,3944 +4760,6 @@
 </file>
 
 <file path=ppt/slides/slide10.xml><?xml version="1.0" encoding="utf-8"?>
-<p:sld xmlns:a="http://schemas.openxmlformats.org/drawingml/2006/main" xmlns:r="http://schemas.openxmlformats.org/officeDocument/2006/relationships" xmlns:p="http://schemas.openxmlformats.org/presentationml/2006/main">
-  <p:cSld>
-    <p:spTree>
-      <p:nvGrpSpPr>
-        <p:cNvPr id="1" name=""/>
-        <p:cNvGrpSpPr/>
-        <p:nvPr/>
-      </p:nvGrpSpPr>
-      <p:grpSpPr>
-        <a:xfrm>
-          <a:off x="0" y="0"/>
-          <a:ext cx="0" cy="0"/>
-          <a:chOff x="0" y="0"/>
-          <a:chExt cx="0" cy="0"/>
-        </a:xfrm>
-      </p:grpSpPr>
-      <p:sp>
-        <p:nvSpPr>
-          <p:cNvPr id="7" name="AutoShape 12"/>
-          <p:cNvSpPr>
-            <a:spLocks noChangeArrowheads="1"/>
-          </p:cNvSpPr>
-          <p:nvPr/>
-        </p:nvSpPr>
-        <p:spPr bwMode="auto">
-          <a:xfrm rot="5400000">
-            <a:off x="6916208" y="68772"/>
-            <a:ext cx="581614" cy="1079797"/>
-          </a:xfrm>
-          <a:prstGeom prst="flowChartManualInput">
-            <a:avLst/>
-          </a:prstGeom>
-          <a:solidFill>
-            <a:srgbClr val="12A3DD"/>
-          </a:solidFill>
-          <a:ln>
-            <a:noFill/>
-          </a:ln>
-          <a:extLst>
-            <a:ext uri="{91240B29-F687-4F45-9708-019B960494DF}">
-              <a14:hiddenLine xmlns:a14="http://schemas.microsoft.com/office/drawing/2010/main" w="9525">
-                <a:solidFill>
-                  <a:srgbClr val="000000"/>
-                </a:solidFill>
-                <a:miter lim="800000"/>
-                <a:headEnd/>
-                <a:tailEnd/>
-              </a14:hiddenLine>
-            </a:ext>
-          </a:extLst>
-        </p:spPr>
-        <p:txBody>
-          <a:bodyPr rot="0" vert="horz" wrap="square" lIns="91440" tIns="45720" rIns="91440" bIns="45720" anchor="t" anchorCtr="0" upright="1">
-            <a:noAutofit/>
-          </a:bodyPr>
-          <a:lstStyle/>
-          <a:p>
-            <a:endParaRPr lang="fr-CA"/>
-          </a:p>
-        </p:txBody>
-      </p:sp>
-      <p:sp>
-        <p:nvSpPr>
-          <p:cNvPr id="8" name="Rectangle 7"/>
-          <p:cNvSpPr>
-            <a:spLocks noChangeArrowheads="1"/>
-          </p:cNvSpPr>
-          <p:nvPr/>
-        </p:nvSpPr>
-        <p:spPr bwMode="auto">
-          <a:xfrm>
-            <a:off x="617550" y="317862"/>
-            <a:ext cx="6330714" cy="581614"/>
-          </a:xfrm>
-          <a:prstGeom prst="rect">
-            <a:avLst/>
-          </a:prstGeom>
-          <a:solidFill>
-            <a:srgbClr val="12A3DD"/>
-          </a:solidFill>
-          <a:ln>
-            <a:noFill/>
-          </a:ln>
-          <a:extLst>
-            <a:ext uri="{91240B29-F687-4F45-9708-019B960494DF}">
-              <a14:hiddenLine xmlns:a14="http://schemas.microsoft.com/office/drawing/2010/main" w="9525">
-                <a:solidFill>
-                  <a:srgbClr val="000000"/>
-                </a:solidFill>
-                <a:miter lim="800000"/>
-                <a:headEnd/>
-                <a:tailEnd/>
-              </a14:hiddenLine>
-            </a:ext>
-          </a:extLst>
-        </p:spPr>
-        <p:txBody>
-          <a:bodyPr rot="0" vert="horz" wrap="square" lIns="91440" tIns="45720" rIns="91440" bIns="45720" anchor="t" anchorCtr="0" upright="1">
-            <a:noAutofit/>
-          </a:bodyPr>
-          <a:lstStyle/>
-          <a:p>
-            <a:endParaRPr lang="fr-CA"/>
-          </a:p>
-        </p:txBody>
-      </p:sp>
-      <p:sp>
-        <p:nvSpPr>
-          <p:cNvPr id="9" name="Oval 8"/>
-          <p:cNvSpPr/>
-          <p:nvPr/>
-        </p:nvSpPr>
-        <p:spPr>
-          <a:xfrm>
-            <a:off x="201930" y="234742"/>
-            <a:ext cx="735995" cy="735965"/>
-          </a:xfrm>
-          <a:prstGeom prst="ellipse">
-            <a:avLst/>
-          </a:prstGeom>
-          <a:solidFill>
-            <a:schemeClr val="bg1"/>
-          </a:solidFill>
-          <a:ln>
-            <a:noFill/>
-          </a:ln>
-        </p:spPr>
-        <p:style>
-          <a:lnRef idx="2">
-            <a:schemeClr val="accent1">
-              <a:shade val="50000"/>
-            </a:schemeClr>
-          </a:lnRef>
-          <a:fillRef idx="1">
-            <a:schemeClr val="accent1"/>
-          </a:fillRef>
-          <a:effectRef idx="0">
-            <a:schemeClr val="accent1"/>
-          </a:effectRef>
-          <a:fontRef idx="minor">
-            <a:schemeClr val="lt1"/>
-          </a:fontRef>
-        </p:style>
-        <p:txBody>
-          <a:bodyPr rot="0" spcFirstLastPara="0" vert="horz" wrap="square" lIns="91440" tIns="45720" rIns="91440" bIns="45720" numCol="1" spcCol="0" rtlCol="0" fromWordArt="0" anchor="ctr" anchorCtr="0" forceAA="0" compatLnSpc="1">
-            <a:prstTxWarp prst="textNoShape">
-              <a:avLst/>
-            </a:prstTxWarp>
-            <a:noAutofit/>
-          </a:bodyPr>
-          <a:lstStyle/>
-          <a:p>
-            <a:endParaRPr lang="fr-CA"/>
-          </a:p>
-        </p:txBody>
-      </p:sp>
-      <p:pic>
-        <p:nvPicPr>
-          <p:cNvPr id="5" name="Picture 4">
-            <a:hlinkClick r:id="rId3"/>
-          </p:cNvPr>
-          <p:cNvPicPr/>
-          <p:nvPr/>
-        </p:nvPicPr>
-        <p:blipFill rotWithShape="1">
-          <a:blip r:embed="rId4" cstate="print">
-            <a:extLst>
-              <a:ext uri="{28A0092B-C50C-407E-A947-70E740481C1C}">
-                <a14:useLocalDpi xmlns:a14="http://schemas.microsoft.com/office/drawing/2010/main" val="0"/>
-              </a:ext>
-            </a:extLst>
-          </a:blip>
-          <a:srcRect r="61984"/>
-          <a:stretch/>
-        </p:blipFill>
-        <p:spPr bwMode="auto">
-          <a:xfrm>
-            <a:off x="0" y="116632"/>
-            <a:ext cx="1092200" cy="1033145"/>
-          </a:xfrm>
-          <a:prstGeom prst="rect">
-            <a:avLst/>
-          </a:prstGeom>
-          <a:ln>
-            <a:noFill/>
-          </a:ln>
-          <a:extLst>
-            <a:ext uri="{53640926-AAD7-44D8-BBD7-CCE9431645EC}">
-              <a14:shadowObscured xmlns:a14="http://schemas.microsoft.com/office/drawing/2010/main"/>
-            </a:ext>
-          </a:extLst>
-        </p:spPr>
-      </p:pic>
-      <p:sp>
-        <p:nvSpPr>
-          <p:cNvPr id="6" name="Text Box 2"/>
-          <p:cNvSpPr txBox="1">
-            <a:spLocks noChangeArrowheads="1"/>
-          </p:cNvSpPr>
-          <p:nvPr/>
-        </p:nvSpPr>
-        <p:spPr bwMode="auto">
-          <a:xfrm>
-            <a:off x="1698625" y="283627"/>
-            <a:ext cx="5746750" cy="553085"/>
-          </a:xfrm>
-          <a:prstGeom prst="rect">
-            <a:avLst/>
-          </a:prstGeom>
-          <a:noFill/>
-          <a:ln>
-            <a:noFill/>
-          </a:ln>
-          <a:extLst>
-            <a:ext uri="{909E8E84-426E-40DD-AFC4-6F175D3DCCD1}">
-              <a14:hiddenFill xmlns:a14="http://schemas.microsoft.com/office/drawing/2010/main">
-                <a:solidFill>
-                  <a:srgbClr val="FFFFFF"/>
-                </a:solidFill>
-              </a14:hiddenFill>
-            </a:ext>
-            <a:ext uri="{91240B29-F687-4F45-9708-019B960494DF}">
-              <a14:hiddenLine xmlns:a14="http://schemas.microsoft.com/office/drawing/2010/main" w="9525">
-                <a:solidFill>
-                  <a:srgbClr val="000000"/>
-                </a:solidFill>
-                <a:miter lim="800000"/>
-                <a:headEnd/>
-                <a:tailEnd/>
-              </a14:hiddenLine>
-            </a:ext>
-          </a:extLst>
-        </p:spPr>
-        <p:txBody>
-          <a:bodyPr rot="0" vert="horz" wrap="square" lIns="91440" tIns="45720" rIns="91440" bIns="45720" anchor="t" anchorCtr="0" upright="1">
-            <a:noAutofit/>
-          </a:bodyPr>
-          <a:lstStyle/>
-          <a:p>
-            <a:pPr algn="ctr">
-              <a:lnSpc>
-                <a:spcPct val="115000"/>
-              </a:lnSpc>
-              <a:spcBef>
-                <a:spcPts val="300"/>
-              </a:spcBef>
-              <a:spcAft>
-                <a:spcPts val="1000"/>
-              </a:spcAft>
-            </a:pPr>
-            <a:r>
-              <a:rPr lang="fr-CA" sz="3200" b="1" kern="7200" cap="small" spc="-100" dirty="0">
-                <a:solidFill>
-                  <a:srgbClr val="FFFFFF"/>
-                </a:solidFill>
-                <a:effectLst/>
-                <a:latin typeface="Arial"/>
-                <a:ea typeface="Times New Roman"/>
-              </a:rPr>
-              <a:t>IMD &amp; Interlock Interfaces</a:t>
-            </a:r>
-            <a:endParaRPr lang="fr-CA" sz="1100" dirty="0">
-              <a:effectLst/>
-              <a:latin typeface="Arial"/>
-              <a:ea typeface="Times New Roman"/>
-              <a:cs typeface="Times New Roman"/>
-            </a:endParaRPr>
-          </a:p>
-        </p:txBody>
-      </p:sp>
-      <p:pic>
-        <p:nvPicPr>
-          <p:cNvPr id="11" name="Picture 10"/>
-          <p:cNvPicPr/>
-          <p:nvPr/>
-        </p:nvPicPr>
-        <p:blipFill>
-          <a:blip r:embed="rId5">
-            <a:extLst>
-              <a:ext uri="{28A0092B-C50C-407E-A947-70E740481C1C}">
-                <a14:useLocalDpi xmlns:a14="http://schemas.microsoft.com/office/drawing/2010/main" val="0"/>
-              </a:ext>
-            </a:extLst>
-          </a:blip>
-          <a:srcRect/>
-          <a:stretch>
-            <a:fillRect/>
-          </a:stretch>
-        </p:blipFill>
-        <p:spPr bwMode="auto">
-          <a:xfrm>
-            <a:off x="6058217" y="4619069"/>
-            <a:ext cx="3122295" cy="2266315"/>
-          </a:xfrm>
-          <a:prstGeom prst="rect">
-            <a:avLst/>
-          </a:prstGeom>
-          <a:noFill/>
-          <a:ln>
-            <a:noFill/>
-          </a:ln>
-        </p:spPr>
-      </p:pic>
-      <p:sp>
-        <p:nvSpPr>
-          <p:cNvPr id="4" name="Content Placeholder 3"/>
-          <p:cNvSpPr>
-            <a:spLocks noGrp="1"/>
-          </p:cNvSpPr>
-          <p:nvPr>
-            <p:ph idx="1"/>
-          </p:nvPr>
-        </p:nvSpPr>
-        <p:spPr>
-          <a:xfrm>
-            <a:off x="35496" y="1103254"/>
-            <a:ext cx="9073008" cy="4525963"/>
-          </a:xfrm>
-        </p:spPr>
-        <p:txBody>
-          <a:bodyPr>
-            <a:normAutofit/>
-          </a:bodyPr>
-          <a:lstStyle/>
-          <a:p>
-            <a:r>
-              <a:rPr lang="fr-CA" sz="2400" dirty="0"/>
-              <a:t>Même IMD que dicté par les règlements : </a:t>
-            </a:r>
-            <a:r>
-              <a:rPr lang="fr-CA" sz="2400" dirty="0">
-                <a:hlinkClick r:id="rId6"/>
-              </a:rPr>
-              <a:t>Bender IR155-3204</a:t>
-            </a:r>
-            <a:r>
-              <a:rPr lang="fr-CA" sz="2400" dirty="0"/>
-              <a:t>.</a:t>
-            </a:r>
-          </a:p>
-          <a:p>
-            <a:r>
-              <a:rPr lang="fr-CA" sz="2400" dirty="0"/>
-              <a:t>Même interface que l’année passé : </a:t>
-            </a:r>
-            <a:r>
-              <a:rPr lang="fr-CA" sz="2400" dirty="0">
-                <a:hlinkClick r:id="rId7"/>
-              </a:rPr>
-              <a:t>TI TLC3704QDRQ1 Quad </a:t>
-            </a:r>
-            <a:r>
-              <a:rPr lang="fr-CA" sz="2400" dirty="0" err="1">
-                <a:hlinkClick r:id="rId7"/>
-              </a:rPr>
-              <a:t>Comp</a:t>
-            </a:r>
-            <a:r>
-              <a:rPr lang="fr-CA" sz="2400" dirty="0">
-                <a:hlinkClick r:id="rId7"/>
-              </a:rPr>
-              <a:t>.</a:t>
-            </a:r>
-            <a:endParaRPr lang="fr-CA" sz="2400" dirty="0"/>
-          </a:p>
-          <a:p>
-            <a:r>
-              <a:rPr lang="fr-CA" sz="2400" dirty="0"/>
-              <a:t>À rajouter : Interlock </a:t>
-            </a:r>
-            <a:r>
-              <a:rPr lang="fr-CA" sz="2400" dirty="0" err="1"/>
-              <a:t>Supply</a:t>
-            </a:r>
-            <a:r>
-              <a:rPr lang="fr-CA" sz="2400" dirty="0"/>
-              <a:t> - ON/OFF HSD </a:t>
-            </a:r>
-            <a:r>
-              <a:rPr lang="fr-CA" sz="2400" dirty="0">
-                <a:hlinkClick r:id="rId8"/>
-              </a:rPr>
-              <a:t>VND7050AJ12</a:t>
-            </a:r>
-            <a:r>
-              <a:rPr lang="fr-CA" sz="2400" dirty="0"/>
-              <a:t> </a:t>
-            </a:r>
-            <a:r>
-              <a:rPr lang="fr-CA" sz="2400" dirty="0" err="1"/>
-              <a:t>with</a:t>
-            </a:r>
-            <a:r>
-              <a:rPr lang="fr-CA" sz="2400" dirty="0"/>
-              <a:t> TSAL</a:t>
-            </a:r>
-          </a:p>
-          <a:p>
-            <a:endParaRPr lang="fr-CA" sz="2400" dirty="0"/>
-          </a:p>
-        </p:txBody>
-      </p:sp>
-      <p:pic>
-        <p:nvPicPr>
-          <p:cNvPr id="2" name="Image 1"/>
-          <p:cNvPicPr>
-            <a:picLocks noChangeAspect="1"/>
-          </p:cNvPicPr>
-          <p:nvPr/>
-        </p:nvPicPr>
-        <p:blipFill>
-          <a:blip r:embed="rId9"/>
-          <a:stretch>
-            <a:fillRect/>
-          </a:stretch>
-        </p:blipFill>
-        <p:spPr>
-          <a:xfrm>
-            <a:off x="201930" y="3429000"/>
-            <a:ext cx="2195513" cy="3257550"/>
-          </a:xfrm>
-          <a:prstGeom prst="rect">
-            <a:avLst/>
-          </a:prstGeom>
-        </p:spPr>
-      </p:pic>
-      <p:pic>
-        <p:nvPicPr>
-          <p:cNvPr id="3" name="Image 2"/>
-          <p:cNvPicPr>
-            <a:picLocks noChangeAspect="1"/>
-          </p:cNvPicPr>
-          <p:nvPr/>
-        </p:nvPicPr>
-        <p:blipFill>
-          <a:blip r:embed="rId10"/>
-          <a:stretch>
-            <a:fillRect/>
-          </a:stretch>
-        </p:blipFill>
-        <p:spPr>
-          <a:xfrm>
-            <a:off x="2569083" y="2431232"/>
-            <a:ext cx="4523197" cy="4255318"/>
-          </a:xfrm>
-          <a:prstGeom prst="rect">
-            <a:avLst/>
-          </a:prstGeom>
-        </p:spPr>
-      </p:pic>
-    </p:spTree>
-    <p:extLst>
-      <p:ext uri="{BB962C8B-B14F-4D97-AF65-F5344CB8AC3E}">
-        <p14:creationId xmlns:p14="http://schemas.microsoft.com/office/powerpoint/2010/main" val="2378638515"/>
-      </p:ext>
-    </p:extLst>
-  </p:cSld>
-  <p:clrMapOvr>
-    <a:masterClrMapping/>
-  </p:clrMapOvr>
-</p:sld>
-</file>
-
-<file path=ppt/slides/slide11.xml><?xml version="1.0" encoding="utf-8"?>
-<p:sld xmlns:a="http://schemas.openxmlformats.org/drawingml/2006/main" xmlns:r="http://schemas.openxmlformats.org/officeDocument/2006/relationships" xmlns:p="http://schemas.openxmlformats.org/presentationml/2006/main">
-  <p:cSld>
-    <p:spTree>
-      <p:nvGrpSpPr>
-        <p:cNvPr id="1" name=""/>
-        <p:cNvGrpSpPr/>
-        <p:nvPr/>
-      </p:nvGrpSpPr>
-      <p:grpSpPr>
-        <a:xfrm>
-          <a:off x="0" y="0"/>
-          <a:ext cx="0" cy="0"/>
-          <a:chOff x="0" y="0"/>
-          <a:chExt cx="0" cy="0"/>
-        </a:xfrm>
-      </p:grpSpPr>
-      <p:sp>
-        <p:nvSpPr>
-          <p:cNvPr id="7" name="AutoShape 12"/>
-          <p:cNvSpPr>
-            <a:spLocks noChangeArrowheads="1"/>
-          </p:cNvSpPr>
-          <p:nvPr/>
-        </p:nvSpPr>
-        <p:spPr bwMode="auto">
-          <a:xfrm rot="5400000">
-            <a:off x="6916208" y="68772"/>
-            <a:ext cx="581614" cy="1079797"/>
-          </a:xfrm>
-          <a:prstGeom prst="flowChartManualInput">
-            <a:avLst/>
-          </a:prstGeom>
-          <a:solidFill>
-            <a:srgbClr val="12A3DD"/>
-          </a:solidFill>
-          <a:ln>
-            <a:noFill/>
-          </a:ln>
-          <a:extLst>
-            <a:ext uri="{91240B29-F687-4F45-9708-019B960494DF}">
-              <a14:hiddenLine xmlns:a14="http://schemas.microsoft.com/office/drawing/2010/main" w="9525">
-                <a:solidFill>
-                  <a:srgbClr val="000000"/>
-                </a:solidFill>
-                <a:miter lim="800000"/>
-                <a:headEnd/>
-                <a:tailEnd/>
-              </a14:hiddenLine>
-            </a:ext>
-          </a:extLst>
-        </p:spPr>
-        <p:txBody>
-          <a:bodyPr rot="0" vert="horz" wrap="square" lIns="91440" tIns="45720" rIns="91440" bIns="45720" anchor="t" anchorCtr="0" upright="1">
-            <a:noAutofit/>
-          </a:bodyPr>
-          <a:lstStyle/>
-          <a:p>
-            <a:endParaRPr lang="fr-CA"/>
-          </a:p>
-        </p:txBody>
-      </p:sp>
-      <p:sp>
-        <p:nvSpPr>
-          <p:cNvPr id="8" name="Rectangle 7"/>
-          <p:cNvSpPr>
-            <a:spLocks noChangeArrowheads="1"/>
-          </p:cNvSpPr>
-          <p:nvPr/>
-        </p:nvSpPr>
-        <p:spPr bwMode="auto">
-          <a:xfrm>
-            <a:off x="617550" y="317862"/>
-            <a:ext cx="6330714" cy="581614"/>
-          </a:xfrm>
-          <a:prstGeom prst="rect">
-            <a:avLst/>
-          </a:prstGeom>
-          <a:solidFill>
-            <a:srgbClr val="12A3DD"/>
-          </a:solidFill>
-          <a:ln>
-            <a:noFill/>
-          </a:ln>
-          <a:extLst>
-            <a:ext uri="{91240B29-F687-4F45-9708-019B960494DF}">
-              <a14:hiddenLine xmlns:a14="http://schemas.microsoft.com/office/drawing/2010/main" w="9525">
-                <a:solidFill>
-                  <a:srgbClr val="000000"/>
-                </a:solidFill>
-                <a:miter lim="800000"/>
-                <a:headEnd/>
-                <a:tailEnd/>
-              </a14:hiddenLine>
-            </a:ext>
-          </a:extLst>
-        </p:spPr>
-        <p:txBody>
-          <a:bodyPr rot="0" vert="horz" wrap="square" lIns="91440" tIns="45720" rIns="91440" bIns="45720" anchor="t" anchorCtr="0" upright="1">
-            <a:noAutofit/>
-          </a:bodyPr>
-          <a:lstStyle/>
-          <a:p>
-            <a:endParaRPr lang="fr-CA"/>
-          </a:p>
-        </p:txBody>
-      </p:sp>
-      <p:sp>
-        <p:nvSpPr>
-          <p:cNvPr id="9" name="Oval 8"/>
-          <p:cNvSpPr/>
-          <p:nvPr/>
-        </p:nvSpPr>
-        <p:spPr>
-          <a:xfrm>
-            <a:off x="201930" y="234742"/>
-            <a:ext cx="735995" cy="735965"/>
-          </a:xfrm>
-          <a:prstGeom prst="ellipse">
-            <a:avLst/>
-          </a:prstGeom>
-          <a:solidFill>
-            <a:schemeClr val="bg1"/>
-          </a:solidFill>
-          <a:ln>
-            <a:noFill/>
-          </a:ln>
-        </p:spPr>
-        <p:style>
-          <a:lnRef idx="2">
-            <a:schemeClr val="accent1">
-              <a:shade val="50000"/>
-            </a:schemeClr>
-          </a:lnRef>
-          <a:fillRef idx="1">
-            <a:schemeClr val="accent1"/>
-          </a:fillRef>
-          <a:effectRef idx="0">
-            <a:schemeClr val="accent1"/>
-          </a:effectRef>
-          <a:fontRef idx="minor">
-            <a:schemeClr val="lt1"/>
-          </a:fontRef>
-        </p:style>
-        <p:txBody>
-          <a:bodyPr rot="0" spcFirstLastPara="0" vert="horz" wrap="square" lIns="91440" tIns="45720" rIns="91440" bIns="45720" numCol="1" spcCol="0" rtlCol="0" fromWordArt="0" anchor="ctr" anchorCtr="0" forceAA="0" compatLnSpc="1">
-            <a:prstTxWarp prst="textNoShape">
-              <a:avLst/>
-            </a:prstTxWarp>
-            <a:noAutofit/>
-          </a:bodyPr>
-          <a:lstStyle/>
-          <a:p>
-            <a:endParaRPr lang="fr-CA"/>
-          </a:p>
-        </p:txBody>
-      </p:sp>
-      <p:pic>
-        <p:nvPicPr>
-          <p:cNvPr id="5" name="Picture 4">
-            <a:hlinkClick r:id="rId3"/>
-          </p:cNvPr>
-          <p:cNvPicPr/>
-          <p:nvPr/>
-        </p:nvPicPr>
-        <p:blipFill rotWithShape="1">
-          <a:blip r:embed="rId4" cstate="print">
-            <a:extLst>
-              <a:ext uri="{28A0092B-C50C-407E-A947-70E740481C1C}">
-                <a14:useLocalDpi xmlns:a14="http://schemas.microsoft.com/office/drawing/2010/main" val="0"/>
-              </a:ext>
-            </a:extLst>
-          </a:blip>
-          <a:srcRect r="61984"/>
-          <a:stretch/>
-        </p:blipFill>
-        <p:spPr bwMode="auto">
-          <a:xfrm>
-            <a:off x="0" y="116632"/>
-            <a:ext cx="1092200" cy="1033145"/>
-          </a:xfrm>
-          <a:prstGeom prst="rect">
-            <a:avLst/>
-          </a:prstGeom>
-          <a:ln>
-            <a:noFill/>
-          </a:ln>
-          <a:extLst>
-            <a:ext uri="{53640926-AAD7-44D8-BBD7-CCE9431645EC}">
-              <a14:shadowObscured xmlns:a14="http://schemas.microsoft.com/office/drawing/2010/main"/>
-            </a:ext>
-          </a:extLst>
-        </p:spPr>
-      </p:pic>
-      <p:sp>
-        <p:nvSpPr>
-          <p:cNvPr id="6" name="Text Box 2"/>
-          <p:cNvSpPr txBox="1">
-            <a:spLocks noChangeArrowheads="1"/>
-          </p:cNvSpPr>
-          <p:nvPr/>
-        </p:nvSpPr>
-        <p:spPr bwMode="auto">
-          <a:xfrm>
-            <a:off x="1698625" y="283627"/>
-            <a:ext cx="5746750" cy="553085"/>
-          </a:xfrm>
-          <a:prstGeom prst="rect">
-            <a:avLst/>
-          </a:prstGeom>
-          <a:noFill/>
-          <a:ln>
-            <a:noFill/>
-          </a:ln>
-          <a:extLst>
-            <a:ext uri="{909E8E84-426E-40DD-AFC4-6F175D3DCCD1}">
-              <a14:hiddenFill xmlns:a14="http://schemas.microsoft.com/office/drawing/2010/main">
-                <a:solidFill>
-                  <a:srgbClr val="FFFFFF"/>
-                </a:solidFill>
-              </a14:hiddenFill>
-            </a:ext>
-            <a:ext uri="{91240B29-F687-4F45-9708-019B960494DF}">
-              <a14:hiddenLine xmlns:a14="http://schemas.microsoft.com/office/drawing/2010/main" w="9525">
-                <a:solidFill>
-                  <a:srgbClr val="000000"/>
-                </a:solidFill>
-                <a:miter lim="800000"/>
-                <a:headEnd/>
-                <a:tailEnd/>
-              </a14:hiddenLine>
-            </a:ext>
-          </a:extLst>
-        </p:spPr>
-        <p:txBody>
-          <a:bodyPr rot="0" vert="horz" wrap="square" lIns="91440" tIns="45720" rIns="91440" bIns="45720" anchor="t" anchorCtr="0" upright="1">
-            <a:noAutofit/>
-          </a:bodyPr>
-          <a:lstStyle/>
-          <a:p>
-            <a:pPr algn="ctr">
-              <a:lnSpc>
-                <a:spcPct val="115000"/>
-              </a:lnSpc>
-              <a:spcBef>
-                <a:spcPts val="300"/>
-              </a:spcBef>
-              <a:spcAft>
-                <a:spcPts val="1000"/>
-              </a:spcAft>
-            </a:pPr>
-            <a:r>
-              <a:rPr lang="fr-CA" sz="3200" b="1" kern="7200" cap="small" spc="-100" dirty="0">
-                <a:solidFill>
-                  <a:srgbClr val="FFFFFF"/>
-                </a:solidFill>
-                <a:effectLst/>
-                <a:latin typeface="Arial"/>
-                <a:ea typeface="Times New Roman"/>
-              </a:rPr>
-              <a:t>CAN </a:t>
-            </a:r>
-            <a:r>
-              <a:rPr lang="fr-CA" sz="3200" b="1" kern="7200" cap="small" spc="-100" dirty="0" err="1">
-                <a:solidFill>
-                  <a:srgbClr val="FFFFFF"/>
-                </a:solidFill>
-                <a:effectLst/>
-                <a:latin typeface="Arial"/>
-                <a:ea typeface="Times New Roman"/>
-              </a:rPr>
-              <a:t>Transceivers</a:t>
-            </a:r>
-            <a:endParaRPr lang="fr-CA" sz="1100" dirty="0">
-              <a:effectLst/>
-              <a:latin typeface="Arial"/>
-              <a:ea typeface="Times New Roman"/>
-              <a:cs typeface="Times New Roman"/>
-            </a:endParaRPr>
-          </a:p>
-        </p:txBody>
-      </p:sp>
-      <p:pic>
-        <p:nvPicPr>
-          <p:cNvPr id="11" name="Picture 10"/>
-          <p:cNvPicPr/>
-          <p:nvPr/>
-        </p:nvPicPr>
-        <p:blipFill>
-          <a:blip r:embed="rId5">
-            <a:extLst>
-              <a:ext uri="{28A0092B-C50C-407E-A947-70E740481C1C}">
-                <a14:useLocalDpi xmlns:a14="http://schemas.microsoft.com/office/drawing/2010/main" val="0"/>
-              </a:ext>
-            </a:extLst>
-          </a:blip>
-          <a:srcRect/>
-          <a:stretch>
-            <a:fillRect/>
-          </a:stretch>
-        </p:blipFill>
-        <p:spPr bwMode="auto">
-          <a:xfrm>
-            <a:off x="6058217" y="4619069"/>
-            <a:ext cx="3122295" cy="2266315"/>
-          </a:xfrm>
-          <a:prstGeom prst="rect">
-            <a:avLst/>
-          </a:prstGeom>
-          <a:noFill/>
-          <a:ln>
-            <a:noFill/>
-          </a:ln>
-        </p:spPr>
-      </p:pic>
-      <p:sp>
-        <p:nvSpPr>
-          <p:cNvPr id="4" name="Content Placeholder 3"/>
-          <p:cNvSpPr>
-            <a:spLocks noGrp="1"/>
-          </p:cNvSpPr>
-          <p:nvPr>
-            <p:ph idx="1"/>
-          </p:nvPr>
-        </p:nvSpPr>
-        <p:spPr>
-          <a:xfrm>
-            <a:off x="35496" y="1600200"/>
-            <a:ext cx="9073008" cy="4525963"/>
-          </a:xfrm>
-        </p:spPr>
-        <p:txBody>
-          <a:bodyPr>
-            <a:normAutofit/>
-          </a:bodyPr>
-          <a:lstStyle/>
-          <a:p>
-            <a:r>
-              <a:rPr lang="fr-CA" sz="2000" dirty="0"/>
-              <a:t>Même circuit que l’année passé + switch pour résistances terminaisons.</a:t>
-            </a:r>
-          </a:p>
-          <a:p>
-            <a:endParaRPr lang="fr-CA" sz="2000" dirty="0"/>
-          </a:p>
-        </p:txBody>
-      </p:sp>
-      <p:pic>
-        <p:nvPicPr>
-          <p:cNvPr id="2" name="Image 1"/>
-          <p:cNvPicPr>
-            <a:picLocks noChangeAspect="1"/>
-          </p:cNvPicPr>
-          <p:nvPr/>
-        </p:nvPicPr>
-        <p:blipFill>
-          <a:blip r:embed="rId6"/>
-          <a:stretch>
-            <a:fillRect/>
-          </a:stretch>
-        </p:blipFill>
-        <p:spPr>
-          <a:xfrm>
-            <a:off x="205446" y="2060847"/>
-            <a:ext cx="5230650" cy="4667591"/>
-          </a:xfrm>
-          <a:prstGeom prst="rect">
-            <a:avLst/>
-          </a:prstGeom>
-        </p:spPr>
-      </p:pic>
-    </p:spTree>
-    <p:extLst>
-      <p:ext uri="{BB962C8B-B14F-4D97-AF65-F5344CB8AC3E}">
-        <p14:creationId xmlns:p14="http://schemas.microsoft.com/office/powerpoint/2010/main" val="3806083958"/>
-      </p:ext>
-    </p:extLst>
-  </p:cSld>
-  <p:clrMapOvr>
-    <a:masterClrMapping/>
-  </p:clrMapOvr>
-</p:sld>
-</file>
-
-<file path=ppt/slides/slide12.xml><?xml version="1.0" encoding="utf-8"?>
-<p:sld xmlns:a="http://schemas.openxmlformats.org/drawingml/2006/main" xmlns:r="http://schemas.openxmlformats.org/officeDocument/2006/relationships" xmlns:p="http://schemas.openxmlformats.org/presentationml/2006/main">
-  <p:cSld>
-    <p:spTree>
-      <p:nvGrpSpPr>
-        <p:cNvPr id="1" name=""/>
-        <p:cNvGrpSpPr/>
-        <p:nvPr/>
-      </p:nvGrpSpPr>
-      <p:grpSpPr>
-        <a:xfrm>
-          <a:off x="0" y="0"/>
-          <a:ext cx="0" cy="0"/>
-          <a:chOff x="0" y="0"/>
-          <a:chExt cx="0" cy="0"/>
-        </a:xfrm>
-      </p:grpSpPr>
-      <p:sp>
-        <p:nvSpPr>
-          <p:cNvPr id="7" name="AutoShape 12"/>
-          <p:cNvSpPr>
-            <a:spLocks noChangeArrowheads="1"/>
-          </p:cNvSpPr>
-          <p:nvPr/>
-        </p:nvSpPr>
-        <p:spPr bwMode="auto">
-          <a:xfrm rot="5400000">
-            <a:off x="6916208" y="68772"/>
-            <a:ext cx="581614" cy="1079797"/>
-          </a:xfrm>
-          <a:prstGeom prst="flowChartManualInput">
-            <a:avLst/>
-          </a:prstGeom>
-          <a:solidFill>
-            <a:srgbClr val="12A3DD"/>
-          </a:solidFill>
-          <a:ln>
-            <a:noFill/>
-          </a:ln>
-          <a:extLst>
-            <a:ext uri="{91240B29-F687-4F45-9708-019B960494DF}">
-              <a14:hiddenLine xmlns:a14="http://schemas.microsoft.com/office/drawing/2010/main" w="9525">
-                <a:solidFill>
-                  <a:srgbClr val="000000"/>
-                </a:solidFill>
-                <a:miter lim="800000"/>
-                <a:headEnd/>
-                <a:tailEnd/>
-              </a14:hiddenLine>
-            </a:ext>
-          </a:extLst>
-        </p:spPr>
-        <p:txBody>
-          <a:bodyPr rot="0" vert="horz" wrap="square" lIns="91440" tIns="45720" rIns="91440" bIns="45720" anchor="t" anchorCtr="0" upright="1">
-            <a:noAutofit/>
-          </a:bodyPr>
-          <a:lstStyle/>
-          <a:p>
-            <a:endParaRPr lang="fr-CA"/>
-          </a:p>
-        </p:txBody>
-      </p:sp>
-      <p:sp>
-        <p:nvSpPr>
-          <p:cNvPr id="8" name="Rectangle 7"/>
-          <p:cNvSpPr>
-            <a:spLocks noChangeArrowheads="1"/>
-          </p:cNvSpPr>
-          <p:nvPr/>
-        </p:nvSpPr>
-        <p:spPr bwMode="auto">
-          <a:xfrm>
-            <a:off x="617550" y="317862"/>
-            <a:ext cx="6330714" cy="581614"/>
-          </a:xfrm>
-          <a:prstGeom prst="rect">
-            <a:avLst/>
-          </a:prstGeom>
-          <a:solidFill>
-            <a:srgbClr val="12A3DD"/>
-          </a:solidFill>
-          <a:ln>
-            <a:noFill/>
-          </a:ln>
-          <a:extLst>
-            <a:ext uri="{91240B29-F687-4F45-9708-019B960494DF}">
-              <a14:hiddenLine xmlns:a14="http://schemas.microsoft.com/office/drawing/2010/main" w="9525">
-                <a:solidFill>
-                  <a:srgbClr val="000000"/>
-                </a:solidFill>
-                <a:miter lim="800000"/>
-                <a:headEnd/>
-                <a:tailEnd/>
-              </a14:hiddenLine>
-            </a:ext>
-          </a:extLst>
-        </p:spPr>
-        <p:txBody>
-          <a:bodyPr rot="0" vert="horz" wrap="square" lIns="91440" tIns="45720" rIns="91440" bIns="45720" anchor="t" anchorCtr="0" upright="1">
-            <a:noAutofit/>
-          </a:bodyPr>
-          <a:lstStyle/>
-          <a:p>
-            <a:endParaRPr lang="fr-CA"/>
-          </a:p>
-        </p:txBody>
-      </p:sp>
-      <p:sp>
-        <p:nvSpPr>
-          <p:cNvPr id="9" name="Oval 8"/>
-          <p:cNvSpPr/>
-          <p:nvPr/>
-        </p:nvSpPr>
-        <p:spPr>
-          <a:xfrm>
-            <a:off x="201930" y="234742"/>
-            <a:ext cx="735995" cy="735965"/>
-          </a:xfrm>
-          <a:prstGeom prst="ellipse">
-            <a:avLst/>
-          </a:prstGeom>
-          <a:solidFill>
-            <a:schemeClr val="bg1"/>
-          </a:solidFill>
-          <a:ln>
-            <a:noFill/>
-          </a:ln>
-        </p:spPr>
-        <p:style>
-          <a:lnRef idx="2">
-            <a:schemeClr val="accent1">
-              <a:shade val="50000"/>
-            </a:schemeClr>
-          </a:lnRef>
-          <a:fillRef idx="1">
-            <a:schemeClr val="accent1"/>
-          </a:fillRef>
-          <a:effectRef idx="0">
-            <a:schemeClr val="accent1"/>
-          </a:effectRef>
-          <a:fontRef idx="minor">
-            <a:schemeClr val="lt1"/>
-          </a:fontRef>
-        </p:style>
-        <p:txBody>
-          <a:bodyPr rot="0" spcFirstLastPara="0" vert="horz" wrap="square" lIns="91440" tIns="45720" rIns="91440" bIns="45720" numCol="1" spcCol="0" rtlCol="0" fromWordArt="0" anchor="ctr" anchorCtr="0" forceAA="0" compatLnSpc="1">
-            <a:prstTxWarp prst="textNoShape">
-              <a:avLst/>
-            </a:prstTxWarp>
-            <a:noAutofit/>
-          </a:bodyPr>
-          <a:lstStyle/>
-          <a:p>
-            <a:endParaRPr lang="fr-CA"/>
-          </a:p>
-        </p:txBody>
-      </p:sp>
-      <p:pic>
-        <p:nvPicPr>
-          <p:cNvPr id="5" name="Picture 4">
-            <a:hlinkClick r:id="rId3"/>
-          </p:cNvPr>
-          <p:cNvPicPr/>
-          <p:nvPr/>
-        </p:nvPicPr>
-        <p:blipFill rotWithShape="1">
-          <a:blip r:embed="rId4" cstate="print">
-            <a:extLst>
-              <a:ext uri="{28A0092B-C50C-407E-A947-70E740481C1C}">
-                <a14:useLocalDpi xmlns:a14="http://schemas.microsoft.com/office/drawing/2010/main" val="0"/>
-              </a:ext>
-            </a:extLst>
-          </a:blip>
-          <a:srcRect r="61984"/>
-          <a:stretch/>
-        </p:blipFill>
-        <p:spPr bwMode="auto">
-          <a:xfrm>
-            <a:off x="0" y="116632"/>
-            <a:ext cx="1092200" cy="1033145"/>
-          </a:xfrm>
-          <a:prstGeom prst="rect">
-            <a:avLst/>
-          </a:prstGeom>
-          <a:ln>
-            <a:noFill/>
-          </a:ln>
-          <a:extLst>
-            <a:ext uri="{53640926-AAD7-44D8-BBD7-CCE9431645EC}">
-              <a14:shadowObscured xmlns:a14="http://schemas.microsoft.com/office/drawing/2010/main"/>
-            </a:ext>
-          </a:extLst>
-        </p:spPr>
-      </p:pic>
-      <p:sp>
-        <p:nvSpPr>
-          <p:cNvPr id="6" name="Text Box 2"/>
-          <p:cNvSpPr txBox="1">
-            <a:spLocks noChangeArrowheads="1"/>
-          </p:cNvSpPr>
-          <p:nvPr/>
-        </p:nvSpPr>
-        <p:spPr bwMode="auto">
-          <a:xfrm>
-            <a:off x="1698625" y="283627"/>
-            <a:ext cx="5746750" cy="553085"/>
-          </a:xfrm>
-          <a:prstGeom prst="rect">
-            <a:avLst/>
-          </a:prstGeom>
-          <a:noFill/>
-          <a:ln>
-            <a:noFill/>
-          </a:ln>
-          <a:extLst>
-            <a:ext uri="{909E8E84-426E-40DD-AFC4-6F175D3DCCD1}">
-              <a14:hiddenFill xmlns:a14="http://schemas.microsoft.com/office/drawing/2010/main">
-                <a:solidFill>
-                  <a:srgbClr val="FFFFFF"/>
-                </a:solidFill>
-              </a14:hiddenFill>
-            </a:ext>
-            <a:ext uri="{91240B29-F687-4F45-9708-019B960494DF}">
-              <a14:hiddenLine xmlns:a14="http://schemas.microsoft.com/office/drawing/2010/main" w="9525">
-                <a:solidFill>
-                  <a:srgbClr val="000000"/>
-                </a:solidFill>
-                <a:miter lim="800000"/>
-                <a:headEnd/>
-                <a:tailEnd/>
-              </a14:hiddenLine>
-            </a:ext>
-          </a:extLst>
-        </p:spPr>
-        <p:txBody>
-          <a:bodyPr rot="0" vert="horz" wrap="square" lIns="91440" tIns="45720" rIns="91440" bIns="45720" anchor="t" anchorCtr="0" upright="1">
-            <a:noAutofit/>
-          </a:bodyPr>
-          <a:lstStyle/>
-          <a:p>
-            <a:pPr algn="ctr">
-              <a:lnSpc>
-                <a:spcPct val="115000"/>
-              </a:lnSpc>
-              <a:spcBef>
-                <a:spcPts val="300"/>
-              </a:spcBef>
-              <a:spcAft>
-                <a:spcPts val="1000"/>
-              </a:spcAft>
-            </a:pPr>
-            <a:r>
-              <a:rPr lang="fr-CA" sz="3200" b="1" kern="7200" cap="small" spc="-100" dirty="0">
-                <a:solidFill>
-                  <a:srgbClr val="FFFFFF"/>
-                </a:solidFill>
-                <a:effectLst/>
-                <a:latin typeface="Arial"/>
-                <a:ea typeface="Times New Roman"/>
-              </a:rPr>
-              <a:t>MCU</a:t>
-            </a:r>
-            <a:endParaRPr lang="fr-CA" sz="1100" dirty="0">
-              <a:effectLst/>
-              <a:latin typeface="Arial"/>
-              <a:ea typeface="Times New Roman"/>
-              <a:cs typeface="Times New Roman"/>
-            </a:endParaRPr>
-          </a:p>
-        </p:txBody>
-      </p:sp>
-      <p:pic>
-        <p:nvPicPr>
-          <p:cNvPr id="11" name="Picture 10"/>
-          <p:cNvPicPr/>
-          <p:nvPr/>
-        </p:nvPicPr>
-        <p:blipFill>
-          <a:blip r:embed="rId5">
-            <a:extLst>
-              <a:ext uri="{28A0092B-C50C-407E-A947-70E740481C1C}">
-                <a14:useLocalDpi xmlns:a14="http://schemas.microsoft.com/office/drawing/2010/main" val="0"/>
-              </a:ext>
-            </a:extLst>
-          </a:blip>
-          <a:srcRect/>
-          <a:stretch>
-            <a:fillRect/>
-          </a:stretch>
-        </p:blipFill>
-        <p:spPr bwMode="auto">
-          <a:xfrm>
-            <a:off x="6058217" y="4619069"/>
-            <a:ext cx="3122295" cy="2266315"/>
-          </a:xfrm>
-          <a:prstGeom prst="rect">
-            <a:avLst/>
-          </a:prstGeom>
-          <a:noFill/>
-          <a:ln>
-            <a:noFill/>
-          </a:ln>
-        </p:spPr>
-      </p:pic>
-      <p:sp>
-        <p:nvSpPr>
-          <p:cNvPr id="4" name="Content Placeholder 3"/>
-          <p:cNvSpPr>
-            <a:spLocks noGrp="1"/>
-          </p:cNvSpPr>
-          <p:nvPr>
-            <p:ph idx="1"/>
-          </p:nvPr>
-        </p:nvSpPr>
-        <p:spPr>
-          <a:xfrm>
-            <a:off x="35496" y="1052736"/>
-            <a:ext cx="9073008" cy="4525963"/>
-          </a:xfrm>
-        </p:spPr>
-        <p:txBody>
-          <a:bodyPr>
-            <a:normAutofit/>
-          </a:bodyPr>
-          <a:lstStyle/>
-          <a:p>
-            <a:r>
-              <a:rPr lang="fr-CA" sz="2400" dirty="0"/>
-              <a:t>Changement de MCU pour le nouveau </a:t>
-            </a:r>
-            <a:r>
-              <a:rPr lang="fr-CA" sz="2400" dirty="0">
-                <a:hlinkClick r:id="rId6"/>
-              </a:rPr>
-              <a:t>Atmel SAM V71</a:t>
-            </a:r>
-            <a:r>
-              <a:rPr lang="fr-CA" sz="2400" dirty="0"/>
-              <a:t>.</a:t>
-            </a:r>
-          </a:p>
-        </p:txBody>
-      </p:sp>
-      <p:pic>
-        <p:nvPicPr>
-          <p:cNvPr id="3" name="Image 2"/>
-          <p:cNvPicPr>
-            <a:picLocks noChangeAspect="1"/>
-          </p:cNvPicPr>
-          <p:nvPr/>
-        </p:nvPicPr>
-        <p:blipFill>
-          <a:blip r:embed="rId7"/>
-          <a:stretch>
-            <a:fillRect/>
-          </a:stretch>
-        </p:blipFill>
-        <p:spPr>
-          <a:xfrm>
-            <a:off x="201930" y="1519699"/>
-            <a:ext cx="5810230" cy="829181"/>
-          </a:xfrm>
-          <a:prstGeom prst="rect">
-            <a:avLst/>
-          </a:prstGeom>
-        </p:spPr>
-      </p:pic>
-      <p:pic>
-        <p:nvPicPr>
-          <p:cNvPr id="10" name="Image 9"/>
-          <p:cNvPicPr>
-            <a:picLocks noChangeAspect="1"/>
-          </p:cNvPicPr>
-          <p:nvPr/>
-        </p:nvPicPr>
-        <p:blipFill>
-          <a:blip r:embed="rId8"/>
-          <a:stretch>
-            <a:fillRect/>
-          </a:stretch>
-        </p:blipFill>
-        <p:spPr>
-          <a:xfrm>
-            <a:off x="50506" y="2403520"/>
-            <a:ext cx="4096883" cy="2723107"/>
-          </a:xfrm>
-          <a:prstGeom prst="rect">
-            <a:avLst/>
-          </a:prstGeom>
-        </p:spPr>
-      </p:pic>
-      <p:pic>
-        <p:nvPicPr>
-          <p:cNvPr id="12" name="Image 11"/>
-          <p:cNvPicPr>
-            <a:picLocks noChangeAspect="1"/>
-          </p:cNvPicPr>
-          <p:nvPr/>
-        </p:nvPicPr>
-        <p:blipFill>
-          <a:blip r:embed="rId9"/>
-          <a:stretch>
-            <a:fillRect/>
-          </a:stretch>
-        </p:blipFill>
-        <p:spPr>
-          <a:xfrm>
-            <a:off x="201930" y="5277813"/>
-            <a:ext cx="4382872" cy="1474904"/>
-          </a:xfrm>
-          <a:prstGeom prst="rect">
-            <a:avLst/>
-          </a:prstGeom>
-        </p:spPr>
-      </p:pic>
-      <p:pic>
-        <p:nvPicPr>
-          <p:cNvPr id="13" name="Image 12"/>
-          <p:cNvPicPr>
-            <a:picLocks noChangeAspect="1"/>
-          </p:cNvPicPr>
-          <p:nvPr/>
-        </p:nvPicPr>
-        <p:blipFill>
-          <a:blip r:embed="rId10"/>
-          <a:stretch>
-            <a:fillRect/>
-          </a:stretch>
-        </p:blipFill>
-        <p:spPr>
-          <a:xfrm>
-            <a:off x="4279549" y="2409654"/>
-            <a:ext cx="3487138" cy="2716973"/>
-          </a:xfrm>
-          <a:prstGeom prst="rect">
-            <a:avLst/>
-          </a:prstGeom>
-        </p:spPr>
-      </p:pic>
-    </p:spTree>
-    <p:extLst>
-      <p:ext uri="{BB962C8B-B14F-4D97-AF65-F5344CB8AC3E}">
-        <p14:creationId xmlns:p14="http://schemas.microsoft.com/office/powerpoint/2010/main" val="1157148947"/>
-      </p:ext>
-    </p:extLst>
-  </p:cSld>
-  <p:clrMapOvr>
-    <a:masterClrMapping/>
-  </p:clrMapOvr>
-</p:sld>
-</file>
-
-<file path=ppt/slides/slide13.xml><?xml version="1.0" encoding="utf-8"?>
-<p:sld xmlns:a="http://schemas.openxmlformats.org/drawingml/2006/main" xmlns:r="http://schemas.openxmlformats.org/officeDocument/2006/relationships" xmlns:p="http://schemas.openxmlformats.org/presentationml/2006/main">
-  <p:cSld>
-    <p:spTree>
-      <p:nvGrpSpPr>
-        <p:cNvPr id="1" name=""/>
-        <p:cNvGrpSpPr/>
-        <p:nvPr/>
-      </p:nvGrpSpPr>
-      <p:grpSpPr>
-        <a:xfrm>
-          <a:off x="0" y="0"/>
-          <a:ext cx="0" cy="0"/>
-          <a:chOff x="0" y="0"/>
-          <a:chExt cx="0" cy="0"/>
-        </a:xfrm>
-      </p:grpSpPr>
-      <p:sp>
-        <p:nvSpPr>
-          <p:cNvPr id="7" name="AutoShape 12"/>
-          <p:cNvSpPr>
-            <a:spLocks noChangeArrowheads="1"/>
-          </p:cNvSpPr>
-          <p:nvPr/>
-        </p:nvSpPr>
-        <p:spPr bwMode="auto">
-          <a:xfrm rot="5400000">
-            <a:off x="6916208" y="68772"/>
-            <a:ext cx="581614" cy="1079797"/>
-          </a:xfrm>
-          <a:prstGeom prst="flowChartManualInput">
-            <a:avLst/>
-          </a:prstGeom>
-          <a:solidFill>
-            <a:srgbClr val="12A3DD"/>
-          </a:solidFill>
-          <a:ln>
-            <a:noFill/>
-          </a:ln>
-          <a:extLst>
-            <a:ext uri="{91240B29-F687-4F45-9708-019B960494DF}">
-              <a14:hiddenLine xmlns:a14="http://schemas.microsoft.com/office/drawing/2010/main" w="9525">
-                <a:solidFill>
-                  <a:srgbClr val="000000"/>
-                </a:solidFill>
-                <a:miter lim="800000"/>
-                <a:headEnd/>
-                <a:tailEnd/>
-              </a14:hiddenLine>
-            </a:ext>
-          </a:extLst>
-        </p:spPr>
-        <p:txBody>
-          <a:bodyPr rot="0" vert="horz" wrap="square" lIns="91440" tIns="45720" rIns="91440" bIns="45720" anchor="t" anchorCtr="0" upright="1">
-            <a:noAutofit/>
-          </a:bodyPr>
-          <a:lstStyle/>
-          <a:p>
-            <a:endParaRPr lang="fr-CA"/>
-          </a:p>
-        </p:txBody>
-      </p:sp>
-      <p:sp>
-        <p:nvSpPr>
-          <p:cNvPr id="8" name="Rectangle 7"/>
-          <p:cNvSpPr>
-            <a:spLocks noChangeArrowheads="1"/>
-          </p:cNvSpPr>
-          <p:nvPr/>
-        </p:nvSpPr>
-        <p:spPr bwMode="auto">
-          <a:xfrm>
-            <a:off x="617550" y="317862"/>
-            <a:ext cx="6330714" cy="581614"/>
-          </a:xfrm>
-          <a:prstGeom prst="rect">
-            <a:avLst/>
-          </a:prstGeom>
-          <a:solidFill>
-            <a:srgbClr val="12A3DD"/>
-          </a:solidFill>
-          <a:ln>
-            <a:noFill/>
-          </a:ln>
-          <a:extLst>
-            <a:ext uri="{91240B29-F687-4F45-9708-019B960494DF}">
-              <a14:hiddenLine xmlns:a14="http://schemas.microsoft.com/office/drawing/2010/main" w="9525">
-                <a:solidFill>
-                  <a:srgbClr val="000000"/>
-                </a:solidFill>
-                <a:miter lim="800000"/>
-                <a:headEnd/>
-                <a:tailEnd/>
-              </a14:hiddenLine>
-            </a:ext>
-          </a:extLst>
-        </p:spPr>
-        <p:txBody>
-          <a:bodyPr rot="0" vert="horz" wrap="square" lIns="91440" tIns="45720" rIns="91440" bIns="45720" anchor="t" anchorCtr="0" upright="1">
-            <a:noAutofit/>
-          </a:bodyPr>
-          <a:lstStyle/>
-          <a:p>
-            <a:endParaRPr lang="fr-CA"/>
-          </a:p>
-        </p:txBody>
-      </p:sp>
-      <p:sp>
-        <p:nvSpPr>
-          <p:cNvPr id="9" name="Oval 8"/>
-          <p:cNvSpPr/>
-          <p:nvPr/>
-        </p:nvSpPr>
-        <p:spPr>
-          <a:xfrm>
-            <a:off x="201930" y="234742"/>
-            <a:ext cx="735995" cy="735965"/>
-          </a:xfrm>
-          <a:prstGeom prst="ellipse">
-            <a:avLst/>
-          </a:prstGeom>
-          <a:solidFill>
-            <a:schemeClr val="bg1"/>
-          </a:solidFill>
-          <a:ln>
-            <a:noFill/>
-          </a:ln>
-        </p:spPr>
-        <p:style>
-          <a:lnRef idx="2">
-            <a:schemeClr val="accent1">
-              <a:shade val="50000"/>
-            </a:schemeClr>
-          </a:lnRef>
-          <a:fillRef idx="1">
-            <a:schemeClr val="accent1"/>
-          </a:fillRef>
-          <a:effectRef idx="0">
-            <a:schemeClr val="accent1"/>
-          </a:effectRef>
-          <a:fontRef idx="minor">
-            <a:schemeClr val="lt1"/>
-          </a:fontRef>
-        </p:style>
-        <p:txBody>
-          <a:bodyPr rot="0" spcFirstLastPara="0" vert="horz" wrap="square" lIns="91440" tIns="45720" rIns="91440" bIns="45720" numCol="1" spcCol="0" rtlCol="0" fromWordArt="0" anchor="ctr" anchorCtr="0" forceAA="0" compatLnSpc="1">
-            <a:prstTxWarp prst="textNoShape">
-              <a:avLst/>
-            </a:prstTxWarp>
-            <a:noAutofit/>
-          </a:bodyPr>
-          <a:lstStyle/>
-          <a:p>
-            <a:endParaRPr lang="fr-CA"/>
-          </a:p>
-        </p:txBody>
-      </p:sp>
-      <p:pic>
-        <p:nvPicPr>
-          <p:cNvPr id="5" name="Picture 4">
-            <a:hlinkClick r:id="rId3"/>
-          </p:cNvPr>
-          <p:cNvPicPr/>
-          <p:nvPr/>
-        </p:nvPicPr>
-        <p:blipFill rotWithShape="1">
-          <a:blip r:embed="rId4" cstate="print">
-            <a:extLst>
-              <a:ext uri="{28A0092B-C50C-407E-A947-70E740481C1C}">
-                <a14:useLocalDpi xmlns:a14="http://schemas.microsoft.com/office/drawing/2010/main" val="0"/>
-              </a:ext>
-            </a:extLst>
-          </a:blip>
-          <a:srcRect r="61984"/>
-          <a:stretch/>
-        </p:blipFill>
-        <p:spPr bwMode="auto">
-          <a:xfrm>
-            <a:off x="0" y="116632"/>
-            <a:ext cx="1092200" cy="1033145"/>
-          </a:xfrm>
-          <a:prstGeom prst="rect">
-            <a:avLst/>
-          </a:prstGeom>
-          <a:ln>
-            <a:noFill/>
-          </a:ln>
-          <a:extLst>
-            <a:ext uri="{53640926-AAD7-44D8-BBD7-CCE9431645EC}">
-              <a14:shadowObscured xmlns:a14="http://schemas.microsoft.com/office/drawing/2010/main"/>
-            </a:ext>
-          </a:extLst>
-        </p:spPr>
-      </p:pic>
-      <p:sp>
-        <p:nvSpPr>
-          <p:cNvPr id="6" name="Text Box 2"/>
-          <p:cNvSpPr txBox="1">
-            <a:spLocks noChangeArrowheads="1"/>
-          </p:cNvSpPr>
-          <p:nvPr/>
-        </p:nvSpPr>
-        <p:spPr bwMode="auto">
-          <a:xfrm>
-            <a:off x="1698625" y="283627"/>
-            <a:ext cx="5746750" cy="553085"/>
-          </a:xfrm>
-          <a:prstGeom prst="rect">
-            <a:avLst/>
-          </a:prstGeom>
-          <a:noFill/>
-          <a:ln>
-            <a:noFill/>
-          </a:ln>
-          <a:extLst>
-            <a:ext uri="{909E8E84-426E-40DD-AFC4-6F175D3DCCD1}">
-              <a14:hiddenFill xmlns:a14="http://schemas.microsoft.com/office/drawing/2010/main">
-                <a:solidFill>
-                  <a:srgbClr val="FFFFFF"/>
-                </a:solidFill>
-              </a14:hiddenFill>
-            </a:ext>
-            <a:ext uri="{91240B29-F687-4F45-9708-019B960494DF}">
-              <a14:hiddenLine xmlns:a14="http://schemas.microsoft.com/office/drawing/2010/main" w="9525">
-                <a:solidFill>
-                  <a:srgbClr val="000000"/>
-                </a:solidFill>
-                <a:miter lim="800000"/>
-                <a:headEnd/>
-                <a:tailEnd/>
-              </a14:hiddenLine>
-            </a:ext>
-          </a:extLst>
-        </p:spPr>
-        <p:txBody>
-          <a:bodyPr rot="0" vert="horz" wrap="square" lIns="91440" tIns="45720" rIns="91440" bIns="45720" anchor="t" anchorCtr="0" upright="1">
-            <a:noAutofit/>
-          </a:bodyPr>
-          <a:lstStyle/>
-          <a:p>
-            <a:pPr algn="ctr">
-              <a:lnSpc>
-                <a:spcPct val="115000"/>
-              </a:lnSpc>
-              <a:spcBef>
-                <a:spcPts val="300"/>
-              </a:spcBef>
-              <a:spcAft>
-                <a:spcPts val="1000"/>
-              </a:spcAft>
-            </a:pPr>
-            <a:r>
-              <a:rPr lang="fr-CA" sz="3200" b="1" kern="7200" cap="small" spc="-100" dirty="0">
-                <a:solidFill>
-                  <a:srgbClr val="FFFFFF"/>
-                </a:solidFill>
-                <a:effectLst/>
-                <a:latin typeface="Arial"/>
-                <a:ea typeface="Times New Roman"/>
-              </a:rPr>
-              <a:t>BMS Reset </a:t>
-            </a:r>
-            <a:r>
-              <a:rPr lang="fr-CA" sz="3200" b="1" kern="7200" cap="small" spc="-100" dirty="0" err="1">
-                <a:solidFill>
-                  <a:srgbClr val="FFFFFF"/>
-                </a:solidFill>
-                <a:effectLst/>
-                <a:latin typeface="Arial"/>
-                <a:ea typeface="Times New Roman"/>
-              </a:rPr>
-              <a:t>Button</a:t>
-            </a:r>
-            <a:endParaRPr lang="fr-CA" sz="1100" dirty="0">
-              <a:effectLst/>
-              <a:latin typeface="Arial"/>
-              <a:ea typeface="Times New Roman"/>
-              <a:cs typeface="Times New Roman"/>
-            </a:endParaRPr>
-          </a:p>
-        </p:txBody>
-      </p:sp>
-      <p:pic>
-        <p:nvPicPr>
-          <p:cNvPr id="11" name="Picture 10"/>
-          <p:cNvPicPr/>
-          <p:nvPr/>
-        </p:nvPicPr>
-        <p:blipFill>
-          <a:blip r:embed="rId5">
-            <a:extLst>
-              <a:ext uri="{28A0092B-C50C-407E-A947-70E740481C1C}">
-                <a14:useLocalDpi xmlns:a14="http://schemas.microsoft.com/office/drawing/2010/main" val="0"/>
-              </a:ext>
-            </a:extLst>
-          </a:blip>
-          <a:srcRect/>
-          <a:stretch>
-            <a:fillRect/>
-          </a:stretch>
-        </p:blipFill>
-        <p:spPr bwMode="auto">
-          <a:xfrm>
-            <a:off x="6058217" y="4619069"/>
-            <a:ext cx="3122295" cy="2266315"/>
-          </a:xfrm>
-          <a:prstGeom prst="rect">
-            <a:avLst/>
-          </a:prstGeom>
-          <a:noFill/>
-          <a:ln>
-            <a:noFill/>
-          </a:ln>
-        </p:spPr>
-      </p:pic>
-      <p:sp>
-        <p:nvSpPr>
-          <p:cNvPr id="4" name="Content Placeholder 3"/>
-          <p:cNvSpPr>
-            <a:spLocks noGrp="1"/>
-          </p:cNvSpPr>
-          <p:nvPr>
-            <p:ph idx="1"/>
-          </p:nvPr>
-        </p:nvSpPr>
-        <p:spPr>
-          <a:xfrm>
-            <a:off x="35496" y="1600200"/>
-            <a:ext cx="9073008" cy="4525963"/>
-          </a:xfrm>
-        </p:spPr>
-        <p:txBody>
-          <a:bodyPr>
-            <a:normAutofit/>
-          </a:bodyPr>
-          <a:lstStyle/>
-          <a:p>
-            <a:r>
-              <a:rPr lang="fr-CA" sz="2000" dirty="0"/>
-              <a:t>Interface digitale simple allant du bouton au MCU.</a:t>
-            </a:r>
-          </a:p>
-          <a:p>
-            <a:endParaRPr lang="fr-CA" sz="2000" dirty="0"/>
-          </a:p>
-        </p:txBody>
-      </p:sp>
-      <p:pic>
-        <p:nvPicPr>
-          <p:cNvPr id="3" name="Image 2"/>
-          <p:cNvPicPr>
-            <a:picLocks noChangeAspect="1"/>
-          </p:cNvPicPr>
-          <p:nvPr/>
-        </p:nvPicPr>
-        <p:blipFill>
-          <a:blip r:embed="rId6"/>
-          <a:stretch>
-            <a:fillRect/>
-          </a:stretch>
-        </p:blipFill>
-        <p:spPr>
-          <a:xfrm>
-            <a:off x="3057440" y="2060848"/>
-            <a:ext cx="3029121" cy="3036232"/>
-          </a:xfrm>
-          <a:prstGeom prst="rect">
-            <a:avLst/>
-          </a:prstGeom>
-        </p:spPr>
-      </p:pic>
-    </p:spTree>
-    <p:extLst>
-      <p:ext uri="{BB962C8B-B14F-4D97-AF65-F5344CB8AC3E}">
-        <p14:creationId xmlns:p14="http://schemas.microsoft.com/office/powerpoint/2010/main" val="3281942886"/>
-      </p:ext>
-    </p:extLst>
-  </p:cSld>
-  <p:clrMapOvr>
-    <a:masterClrMapping/>
-  </p:clrMapOvr>
-</p:sld>
-</file>
-
-<file path=ppt/slides/slide14.xml><?xml version="1.0" encoding="utf-8"?>
-<p:sld xmlns:a="http://schemas.openxmlformats.org/drawingml/2006/main" xmlns:r="http://schemas.openxmlformats.org/officeDocument/2006/relationships" xmlns:p="http://schemas.openxmlformats.org/presentationml/2006/main">
-  <p:cSld>
-    <p:spTree>
-      <p:nvGrpSpPr>
-        <p:cNvPr id="1" name=""/>
-        <p:cNvGrpSpPr/>
-        <p:nvPr/>
-      </p:nvGrpSpPr>
-      <p:grpSpPr>
-        <a:xfrm>
-          <a:off x="0" y="0"/>
-          <a:ext cx="0" cy="0"/>
-          <a:chOff x="0" y="0"/>
-          <a:chExt cx="0" cy="0"/>
-        </a:xfrm>
-      </p:grpSpPr>
-      <p:sp>
-        <p:nvSpPr>
-          <p:cNvPr id="7" name="AutoShape 12"/>
-          <p:cNvSpPr>
-            <a:spLocks noChangeArrowheads="1"/>
-          </p:cNvSpPr>
-          <p:nvPr/>
-        </p:nvSpPr>
-        <p:spPr bwMode="auto">
-          <a:xfrm rot="5400000">
-            <a:off x="6916208" y="68772"/>
-            <a:ext cx="581614" cy="1079797"/>
-          </a:xfrm>
-          <a:prstGeom prst="flowChartManualInput">
-            <a:avLst/>
-          </a:prstGeom>
-          <a:solidFill>
-            <a:srgbClr val="12A3DD"/>
-          </a:solidFill>
-          <a:ln>
-            <a:noFill/>
-          </a:ln>
-          <a:extLst>
-            <a:ext uri="{91240B29-F687-4F45-9708-019B960494DF}">
-              <a14:hiddenLine xmlns:a14="http://schemas.microsoft.com/office/drawing/2010/main" w="9525">
-                <a:solidFill>
-                  <a:srgbClr val="000000"/>
-                </a:solidFill>
-                <a:miter lim="800000"/>
-                <a:headEnd/>
-                <a:tailEnd/>
-              </a14:hiddenLine>
-            </a:ext>
-          </a:extLst>
-        </p:spPr>
-        <p:txBody>
-          <a:bodyPr rot="0" vert="horz" wrap="square" lIns="91440" tIns="45720" rIns="91440" bIns="45720" anchor="t" anchorCtr="0" upright="1">
-            <a:noAutofit/>
-          </a:bodyPr>
-          <a:lstStyle/>
-          <a:p>
-            <a:endParaRPr lang="fr-CA"/>
-          </a:p>
-        </p:txBody>
-      </p:sp>
-      <p:sp>
-        <p:nvSpPr>
-          <p:cNvPr id="8" name="Rectangle 7"/>
-          <p:cNvSpPr>
-            <a:spLocks noChangeArrowheads="1"/>
-          </p:cNvSpPr>
-          <p:nvPr/>
-        </p:nvSpPr>
-        <p:spPr bwMode="auto">
-          <a:xfrm>
-            <a:off x="617550" y="317862"/>
-            <a:ext cx="6330714" cy="581614"/>
-          </a:xfrm>
-          <a:prstGeom prst="rect">
-            <a:avLst/>
-          </a:prstGeom>
-          <a:solidFill>
-            <a:srgbClr val="12A3DD"/>
-          </a:solidFill>
-          <a:ln>
-            <a:noFill/>
-          </a:ln>
-          <a:extLst>
-            <a:ext uri="{91240B29-F687-4F45-9708-019B960494DF}">
-              <a14:hiddenLine xmlns:a14="http://schemas.microsoft.com/office/drawing/2010/main" w="9525">
-                <a:solidFill>
-                  <a:srgbClr val="000000"/>
-                </a:solidFill>
-                <a:miter lim="800000"/>
-                <a:headEnd/>
-                <a:tailEnd/>
-              </a14:hiddenLine>
-            </a:ext>
-          </a:extLst>
-        </p:spPr>
-        <p:txBody>
-          <a:bodyPr rot="0" vert="horz" wrap="square" lIns="91440" tIns="45720" rIns="91440" bIns="45720" anchor="t" anchorCtr="0" upright="1">
-            <a:noAutofit/>
-          </a:bodyPr>
-          <a:lstStyle/>
-          <a:p>
-            <a:endParaRPr lang="fr-CA"/>
-          </a:p>
-        </p:txBody>
-      </p:sp>
-      <p:sp>
-        <p:nvSpPr>
-          <p:cNvPr id="9" name="Oval 8"/>
-          <p:cNvSpPr/>
-          <p:nvPr/>
-        </p:nvSpPr>
-        <p:spPr>
-          <a:xfrm>
-            <a:off x="201930" y="234742"/>
-            <a:ext cx="735995" cy="735965"/>
-          </a:xfrm>
-          <a:prstGeom prst="ellipse">
-            <a:avLst/>
-          </a:prstGeom>
-          <a:solidFill>
-            <a:schemeClr val="bg1"/>
-          </a:solidFill>
-          <a:ln>
-            <a:noFill/>
-          </a:ln>
-        </p:spPr>
-        <p:style>
-          <a:lnRef idx="2">
-            <a:schemeClr val="accent1">
-              <a:shade val="50000"/>
-            </a:schemeClr>
-          </a:lnRef>
-          <a:fillRef idx="1">
-            <a:schemeClr val="accent1"/>
-          </a:fillRef>
-          <a:effectRef idx="0">
-            <a:schemeClr val="accent1"/>
-          </a:effectRef>
-          <a:fontRef idx="minor">
-            <a:schemeClr val="lt1"/>
-          </a:fontRef>
-        </p:style>
-        <p:txBody>
-          <a:bodyPr rot="0" spcFirstLastPara="0" vert="horz" wrap="square" lIns="91440" tIns="45720" rIns="91440" bIns="45720" numCol="1" spcCol="0" rtlCol="0" fromWordArt="0" anchor="ctr" anchorCtr="0" forceAA="0" compatLnSpc="1">
-            <a:prstTxWarp prst="textNoShape">
-              <a:avLst/>
-            </a:prstTxWarp>
-            <a:noAutofit/>
-          </a:bodyPr>
-          <a:lstStyle/>
-          <a:p>
-            <a:endParaRPr lang="fr-CA"/>
-          </a:p>
-        </p:txBody>
-      </p:sp>
-      <p:pic>
-        <p:nvPicPr>
-          <p:cNvPr id="5" name="Picture 4">
-            <a:hlinkClick r:id="rId3"/>
-          </p:cNvPr>
-          <p:cNvPicPr/>
-          <p:nvPr/>
-        </p:nvPicPr>
-        <p:blipFill rotWithShape="1">
-          <a:blip r:embed="rId4" cstate="print">
-            <a:extLst>
-              <a:ext uri="{28A0092B-C50C-407E-A947-70E740481C1C}">
-                <a14:useLocalDpi xmlns:a14="http://schemas.microsoft.com/office/drawing/2010/main" val="0"/>
-              </a:ext>
-            </a:extLst>
-          </a:blip>
-          <a:srcRect r="61984"/>
-          <a:stretch/>
-        </p:blipFill>
-        <p:spPr bwMode="auto">
-          <a:xfrm>
-            <a:off x="0" y="116632"/>
-            <a:ext cx="1092200" cy="1033145"/>
-          </a:xfrm>
-          <a:prstGeom prst="rect">
-            <a:avLst/>
-          </a:prstGeom>
-          <a:ln>
-            <a:noFill/>
-          </a:ln>
-          <a:extLst>
-            <a:ext uri="{53640926-AAD7-44D8-BBD7-CCE9431645EC}">
-              <a14:shadowObscured xmlns:a14="http://schemas.microsoft.com/office/drawing/2010/main"/>
-            </a:ext>
-          </a:extLst>
-        </p:spPr>
-      </p:pic>
-      <p:sp>
-        <p:nvSpPr>
-          <p:cNvPr id="6" name="Text Box 2"/>
-          <p:cNvSpPr txBox="1">
-            <a:spLocks noChangeArrowheads="1"/>
-          </p:cNvSpPr>
-          <p:nvPr/>
-        </p:nvSpPr>
-        <p:spPr bwMode="auto">
-          <a:xfrm>
-            <a:off x="1698625" y="283627"/>
-            <a:ext cx="5746750" cy="553085"/>
-          </a:xfrm>
-          <a:prstGeom prst="rect">
-            <a:avLst/>
-          </a:prstGeom>
-          <a:noFill/>
-          <a:ln>
-            <a:noFill/>
-          </a:ln>
-          <a:extLst>
-            <a:ext uri="{909E8E84-426E-40DD-AFC4-6F175D3DCCD1}">
-              <a14:hiddenFill xmlns:a14="http://schemas.microsoft.com/office/drawing/2010/main">
-                <a:solidFill>
-                  <a:srgbClr val="FFFFFF"/>
-                </a:solidFill>
-              </a14:hiddenFill>
-            </a:ext>
-            <a:ext uri="{91240B29-F687-4F45-9708-019B960494DF}">
-              <a14:hiddenLine xmlns:a14="http://schemas.microsoft.com/office/drawing/2010/main" w="9525">
-                <a:solidFill>
-                  <a:srgbClr val="000000"/>
-                </a:solidFill>
-                <a:miter lim="800000"/>
-                <a:headEnd/>
-                <a:tailEnd/>
-              </a14:hiddenLine>
-            </a:ext>
-          </a:extLst>
-        </p:spPr>
-        <p:txBody>
-          <a:bodyPr rot="0" vert="horz" wrap="square" lIns="91440" tIns="45720" rIns="91440" bIns="45720" anchor="t" anchorCtr="0" upright="1">
-            <a:noAutofit/>
-          </a:bodyPr>
-          <a:lstStyle/>
-          <a:p>
-            <a:pPr algn="ctr">
-              <a:lnSpc>
-                <a:spcPct val="115000"/>
-              </a:lnSpc>
-              <a:spcBef>
-                <a:spcPts val="300"/>
-              </a:spcBef>
-              <a:spcAft>
-                <a:spcPts val="1000"/>
-              </a:spcAft>
-            </a:pPr>
-            <a:r>
-              <a:rPr lang="fr-CA" sz="3200" b="1" kern="7200" cap="small" spc="-100" dirty="0">
-                <a:solidFill>
-                  <a:srgbClr val="FFFFFF"/>
-                </a:solidFill>
-                <a:effectLst/>
-                <a:latin typeface="Arial"/>
-                <a:ea typeface="Times New Roman"/>
-              </a:rPr>
-              <a:t>Thermistor Circuit</a:t>
-            </a:r>
-            <a:endParaRPr lang="fr-CA" sz="1100" dirty="0">
-              <a:effectLst/>
-              <a:latin typeface="Arial"/>
-              <a:ea typeface="Times New Roman"/>
-              <a:cs typeface="Times New Roman"/>
-            </a:endParaRPr>
-          </a:p>
-        </p:txBody>
-      </p:sp>
-      <p:pic>
-        <p:nvPicPr>
-          <p:cNvPr id="11" name="Picture 10"/>
-          <p:cNvPicPr/>
-          <p:nvPr/>
-        </p:nvPicPr>
-        <p:blipFill>
-          <a:blip r:embed="rId5">
-            <a:extLst>
-              <a:ext uri="{28A0092B-C50C-407E-A947-70E740481C1C}">
-                <a14:useLocalDpi xmlns:a14="http://schemas.microsoft.com/office/drawing/2010/main" val="0"/>
-              </a:ext>
-            </a:extLst>
-          </a:blip>
-          <a:srcRect/>
-          <a:stretch>
-            <a:fillRect/>
-          </a:stretch>
-        </p:blipFill>
-        <p:spPr bwMode="auto">
-          <a:xfrm>
-            <a:off x="6058217" y="4619069"/>
-            <a:ext cx="3122295" cy="2266315"/>
-          </a:xfrm>
-          <a:prstGeom prst="rect">
-            <a:avLst/>
-          </a:prstGeom>
-          <a:noFill/>
-          <a:ln>
-            <a:noFill/>
-          </a:ln>
-        </p:spPr>
-      </p:pic>
-      <p:sp>
-        <p:nvSpPr>
-          <p:cNvPr id="4" name="Content Placeholder 3"/>
-          <p:cNvSpPr>
-            <a:spLocks noGrp="1"/>
-          </p:cNvSpPr>
-          <p:nvPr>
-            <p:ph idx="1"/>
-          </p:nvPr>
-        </p:nvSpPr>
-        <p:spPr>
-          <a:xfrm>
-            <a:off x="35496" y="1063277"/>
-            <a:ext cx="9073008" cy="4525963"/>
-          </a:xfrm>
-        </p:spPr>
-        <p:txBody>
-          <a:bodyPr>
-            <a:normAutofit/>
-          </a:bodyPr>
-          <a:lstStyle/>
-          <a:p>
-            <a:r>
-              <a:rPr lang="fr-CA" sz="2000" dirty="0"/>
-              <a:t>Thermistor pour mesurer la température de divers éléments:</a:t>
-            </a:r>
-          </a:p>
-          <a:p>
-            <a:pPr lvl="1"/>
-            <a:r>
-              <a:rPr lang="fr-CA" sz="1600" dirty="0"/>
-              <a:t>DCDC </a:t>
-            </a:r>
-            <a:r>
-              <a:rPr lang="fr-CA" sz="1600" dirty="0" err="1"/>
-              <a:t>Temo</a:t>
-            </a:r>
-            <a:r>
-              <a:rPr lang="fr-CA" sz="1600" dirty="0"/>
-              <a:t>. : S’assurer de ne pas avoir de problèmes de surchauffe avec le nouveau DCDC.</a:t>
-            </a:r>
-          </a:p>
-          <a:p>
-            <a:pPr lvl="1"/>
-            <a:r>
-              <a:rPr lang="fr-CA" sz="1600" dirty="0"/>
-              <a:t>Drive : S’assurer que le nouveau packaging garde la température à un bon.</a:t>
-            </a:r>
-          </a:p>
-          <a:p>
-            <a:pPr lvl="1"/>
-            <a:r>
-              <a:rPr lang="fr-CA" sz="1600" dirty="0"/>
-              <a:t>BP IN &amp; OUT : S’assurer que le </a:t>
-            </a:r>
-            <a:r>
-              <a:rPr lang="fr-CA" sz="1600" dirty="0" err="1"/>
-              <a:t>cooling</a:t>
-            </a:r>
-            <a:r>
-              <a:rPr lang="fr-CA" sz="1600" dirty="0"/>
-              <a:t> fait un bon travail.</a:t>
-            </a:r>
-          </a:p>
-          <a:p>
-            <a:pPr lvl="1"/>
-            <a:r>
-              <a:rPr lang="fr-CA" sz="1600" dirty="0"/>
-              <a:t>Autre?</a:t>
-            </a:r>
-          </a:p>
-          <a:p>
-            <a:endParaRPr lang="fr-CA" sz="2000" dirty="0"/>
-          </a:p>
-        </p:txBody>
-      </p:sp>
-      <p:pic>
-        <p:nvPicPr>
-          <p:cNvPr id="2" name="Image 1"/>
-          <p:cNvPicPr>
-            <a:picLocks noChangeAspect="1"/>
-          </p:cNvPicPr>
-          <p:nvPr/>
-        </p:nvPicPr>
-        <p:blipFill>
-          <a:blip r:embed="rId6"/>
-          <a:stretch>
-            <a:fillRect/>
-          </a:stretch>
-        </p:blipFill>
-        <p:spPr>
-          <a:xfrm>
-            <a:off x="2787645" y="2580533"/>
-            <a:ext cx="3568709" cy="4077072"/>
-          </a:xfrm>
-          <a:prstGeom prst="rect">
-            <a:avLst/>
-          </a:prstGeom>
-        </p:spPr>
-      </p:pic>
-    </p:spTree>
-    <p:extLst>
-      <p:ext uri="{BB962C8B-B14F-4D97-AF65-F5344CB8AC3E}">
-        <p14:creationId xmlns:p14="http://schemas.microsoft.com/office/powerpoint/2010/main" val="3536068210"/>
-      </p:ext>
-    </p:extLst>
-  </p:cSld>
-  <p:clrMapOvr>
-    <a:masterClrMapping/>
-  </p:clrMapOvr>
-</p:sld>
-</file>
-
-<file path=ppt/slides/slide15.xml><?xml version="1.0" encoding="utf-8"?>
-<p:sld xmlns:a="http://schemas.openxmlformats.org/drawingml/2006/main" xmlns:r="http://schemas.openxmlformats.org/officeDocument/2006/relationships" xmlns:p="http://schemas.openxmlformats.org/presentationml/2006/main">
-  <p:cSld>
-    <p:spTree>
-      <p:nvGrpSpPr>
-        <p:cNvPr id="1" name=""/>
-        <p:cNvGrpSpPr/>
-        <p:nvPr/>
-      </p:nvGrpSpPr>
-      <p:grpSpPr>
-        <a:xfrm>
-          <a:off x="0" y="0"/>
-          <a:ext cx="0" cy="0"/>
-          <a:chOff x="0" y="0"/>
-          <a:chExt cx="0" cy="0"/>
-        </a:xfrm>
-      </p:grpSpPr>
-      <p:sp>
-        <p:nvSpPr>
-          <p:cNvPr id="7" name="AutoShape 12"/>
-          <p:cNvSpPr>
-            <a:spLocks noChangeArrowheads="1"/>
-          </p:cNvSpPr>
-          <p:nvPr/>
-        </p:nvSpPr>
-        <p:spPr bwMode="auto">
-          <a:xfrm rot="5400000">
-            <a:off x="6916208" y="68772"/>
-            <a:ext cx="581614" cy="1079797"/>
-          </a:xfrm>
-          <a:prstGeom prst="flowChartManualInput">
-            <a:avLst/>
-          </a:prstGeom>
-          <a:solidFill>
-            <a:srgbClr val="12A3DD"/>
-          </a:solidFill>
-          <a:ln>
-            <a:noFill/>
-          </a:ln>
-          <a:extLst>
-            <a:ext uri="{91240B29-F687-4F45-9708-019B960494DF}">
-              <a14:hiddenLine xmlns:a14="http://schemas.microsoft.com/office/drawing/2010/main" w="9525">
-                <a:solidFill>
-                  <a:srgbClr val="000000"/>
-                </a:solidFill>
-                <a:miter lim="800000"/>
-                <a:headEnd/>
-                <a:tailEnd/>
-              </a14:hiddenLine>
-            </a:ext>
-          </a:extLst>
-        </p:spPr>
-        <p:txBody>
-          <a:bodyPr rot="0" vert="horz" wrap="square" lIns="91440" tIns="45720" rIns="91440" bIns="45720" anchor="t" anchorCtr="0" upright="1">
-            <a:noAutofit/>
-          </a:bodyPr>
-          <a:lstStyle/>
-          <a:p>
-            <a:endParaRPr lang="fr-CA"/>
-          </a:p>
-        </p:txBody>
-      </p:sp>
-      <p:sp>
-        <p:nvSpPr>
-          <p:cNvPr id="8" name="Rectangle 7"/>
-          <p:cNvSpPr>
-            <a:spLocks noChangeArrowheads="1"/>
-          </p:cNvSpPr>
-          <p:nvPr/>
-        </p:nvSpPr>
-        <p:spPr bwMode="auto">
-          <a:xfrm>
-            <a:off x="617550" y="317862"/>
-            <a:ext cx="6330714" cy="581614"/>
-          </a:xfrm>
-          <a:prstGeom prst="rect">
-            <a:avLst/>
-          </a:prstGeom>
-          <a:solidFill>
-            <a:srgbClr val="12A3DD"/>
-          </a:solidFill>
-          <a:ln>
-            <a:noFill/>
-          </a:ln>
-          <a:extLst>
-            <a:ext uri="{91240B29-F687-4F45-9708-019B960494DF}">
-              <a14:hiddenLine xmlns:a14="http://schemas.microsoft.com/office/drawing/2010/main" w="9525">
-                <a:solidFill>
-                  <a:srgbClr val="000000"/>
-                </a:solidFill>
-                <a:miter lim="800000"/>
-                <a:headEnd/>
-                <a:tailEnd/>
-              </a14:hiddenLine>
-            </a:ext>
-          </a:extLst>
-        </p:spPr>
-        <p:txBody>
-          <a:bodyPr rot="0" vert="horz" wrap="square" lIns="91440" tIns="45720" rIns="91440" bIns="45720" anchor="t" anchorCtr="0" upright="1">
-            <a:noAutofit/>
-          </a:bodyPr>
-          <a:lstStyle/>
-          <a:p>
-            <a:endParaRPr lang="fr-CA"/>
-          </a:p>
-        </p:txBody>
-      </p:sp>
-      <p:sp>
-        <p:nvSpPr>
-          <p:cNvPr id="9" name="Oval 8"/>
-          <p:cNvSpPr/>
-          <p:nvPr/>
-        </p:nvSpPr>
-        <p:spPr>
-          <a:xfrm>
-            <a:off x="201930" y="234742"/>
-            <a:ext cx="735995" cy="735965"/>
-          </a:xfrm>
-          <a:prstGeom prst="ellipse">
-            <a:avLst/>
-          </a:prstGeom>
-          <a:solidFill>
-            <a:schemeClr val="bg1"/>
-          </a:solidFill>
-          <a:ln>
-            <a:noFill/>
-          </a:ln>
-        </p:spPr>
-        <p:style>
-          <a:lnRef idx="2">
-            <a:schemeClr val="accent1">
-              <a:shade val="50000"/>
-            </a:schemeClr>
-          </a:lnRef>
-          <a:fillRef idx="1">
-            <a:schemeClr val="accent1"/>
-          </a:fillRef>
-          <a:effectRef idx="0">
-            <a:schemeClr val="accent1"/>
-          </a:effectRef>
-          <a:fontRef idx="minor">
-            <a:schemeClr val="lt1"/>
-          </a:fontRef>
-        </p:style>
-        <p:txBody>
-          <a:bodyPr rot="0" spcFirstLastPara="0" vert="horz" wrap="square" lIns="91440" tIns="45720" rIns="91440" bIns="45720" numCol="1" spcCol="0" rtlCol="0" fromWordArt="0" anchor="ctr" anchorCtr="0" forceAA="0" compatLnSpc="1">
-            <a:prstTxWarp prst="textNoShape">
-              <a:avLst/>
-            </a:prstTxWarp>
-            <a:noAutofit/>
-          </a:bodyPr>
-          <a:lstStyle/>
-          <a:p>
-            <a:endParaRPr lang="fr-CA"/>
-          </a:p>
-        </p:txBody>
-      </p:sp>
-      <p:pic>
-        <p:nvPicPr>
-          <p:cNvPr id="5" name="Picture 4">
-            <a:hlinkClick r:id="rId3"/>
-          </p:cNvPr>
-          <p:cNvPicPr/>
-          <p:nvPr/>
-        </p:nvPicPr>
-        <p:blipFill rotWithShape="1">
-          <a:blip r:embed="rId4" cstate="print">
-            <a:extLst>
-              <a:ext uri="{28A0092B-C50C-407E-A947-70E740481C1C}">
-                <a14:useLocalDpi xmlns:a14="http://schemas.microsoft.com/office/drawing/2010/main" val="0"/>
-              </a:ext>
-            </a:extLst>
-          </a:blip>
-          <a:srcRect r="61984"/>
-          <a:stretch/>
-        </p:blipFill>
-        <p:spPr bwMode="auto">
-          <a:xfrm>
-            <a:off x="0" y="116632"/>
-            <a:ext cx="1092200" cy="1033145"/>
-          </a:xfrm>
-          <a:prstGeom prst="rect">
-            <a:avLst/>
-          </a:prstGeom>
-          <a:ln>
-            <a:noFill/>
-          </a:ln>
-          <a:extLst>
-            <a:ext uri="{53640926-AAD7-44D8-BBD7-CCE9431645EC}">
-              <a14:shadowObscured xmlns:a14="http://schemas.microsoft.com/office/drawing/2010/main"/>
-            </a:ext>
-          </a:extLst>
-        </p:spPr>
-      </p:pic>
-      <p:sp>
-        <p:nvSpPr>
-          <p:cNvPr id="6" name="Text Box 2"/>
-          <p:cNvSpPr txBox="1">
-            <a:spLocks noChangeArrowheads="1"/>
-          </p:cNvSpPr>
-          <p:nvPr/>
-        </p:nvSpPr>
-        <p:spPr bwMode="auto">
-          <a:xfrm>
-            <a:off x="1698625" y="283627"/>
-            <a:ext cx="5746750" cy="553085"/>
-          </a:xfrm>
-          <a:prstGeom prst="rect">
-            <a:avLst/>
-          </a:prstGeom>
-          <a:noFill/>
-          <a:ln>
-            <a:noFill/>
-          </a:ln>
-          <a:extLst>
-            <a:ext uri="{909E8E84-426E-40DD-AFC4-6F175D3DCCD1}">
-              <a14:hiddenFill xmlns:a14="http://schemas.microsoft.com/office/drawing/2010/main">
-                <a:solidFill>
-                  <a:srgbClr val="FFFFFF"/>
-                </a:solidFill>
-              </a14:hiddenFill>
-            </a:ext>
-            <a:ext uri="{91240B29-F687-4F45-9708-019B960494DF}">
-              <a14:hiddenLine xmlns:a14="http://schemas.microsoft.com/office/drawing/2010/main" w="9525">
-                <a:solidFill>
-                  <a:srgbClr val="000000"/>
-                </a:solidFill>
-                <a:miter lim="800000"/>
-                <a:headEnd/>
-                <a:tailEnd/>
-              </a14:hiddenLine>
-            </a:ext>
-          </a:extLst>
-        </p:spPr>
-        <p:txBody>
-          <a:bodyPr rot="0" vert="horz" wrap="square" lIns="91440" tIns="45720" rIns="91440" bIns="45720" anchor="t" anchorCtr="0" upright="1">
-            <a:noAutofit/>
-          </a:bodyPr>
-          <a:lstStyle/>
-          <a:p>
-            <a:pPr algn="ctr">
-              <a:lnSpc>
-                <a:spcPct val="115000"/>
-              </a:lnSpc>
-              <a:spcBef>
-                <a:spcPts val="300"/>
-              </a:spcBef>
-              <a:spcAft>
-                <a:spcPts val="1000"/>
-              </a:spcAft>
-            </a:pPr>
-            <a:r>
-              <a:rPr lang="fr-CA" sz="3200" b="1" kern="7200" cap="small" spc="-100" dirty="0">
-                <a:solidFill>
-                  <a:srgbClr val="FFFFFF"/>
-                </a:solidFill>
-                <a:effectLst/>
-                <a:latin typeface="Arial"/>
-                <a:ea typeface="Times New Roman"/>
-              </a:rPr>
-              <a:t>TSMP &amp; Fuses</a:t>
-            </a:r>
-            <a:endParaRPr lang="fr-CA" sz="1100" dirty="0">
-              <a:effectLst/>
-              <a:latin typeface="Arial"/>
-              <a:ea typeface="Times New Roman"/>
-              <a:cs typeface="Times New Roman"/>
-            </a:endParaRPr>
-          </a:p>
-        </p:txBody>
-      </p:sp>
-      <p:pic>
-        <p:nvPicPr>
-          <p:cNvPr id="11" name="Picture 10"/>
-          <p:cNvPicPr/>
-          <p:nvPr/>
-        </p:nvPicPr>
-        <p:blipFill>
-          <a:blip r:embed="rId5">
-            <a:extLst>
-              <a:ext uri="{28A0092B-C50C-407E-A947-70E740481C1C}">
-                <a14:useLocalDpi xmlns:a14="http://schemas.microsoft.com/office/drawing/2010/main" val="0"/>
-              </a:ext>
-            </a:extLst>
-          </a:blip>
-          <a:srcRect/>
-          <a:stretch>
-            <a:fillRect/>
-          </a:stretch>
-        </p:blipFill>
-        <p:spPr bwMode="auto">
-          <a:xfrm>
-            <a:off x="6058217" y="4619069"/>
-            <a:ext cx="3122295" cy="2266315"/>
-          </a:xfrm>
-          <a:prstGeom prst="rect">
-            <a:avLst/>
-          </a:prstGeom>
-          <a:noFill/>
-          <a:ln>
-            <a:noFill/>
-          </a:ln>
-        </p:spPr>
-      </p:pic>
-      <p:sp>
-        <p:nvSpPr>
-          <p:cNvPr id="4" name="Content Placeholder 3"/>
-          <p:cNvSpPr>
-            <a:spLocks noGrp="1"/>
-          </p:cNvSpPr>
-          <p:nvPr>
-            <p:ph idx="1"/>
-          </p:nvPr>
-        </p:nvSpPr>
-        <p:spPr>
-          <a:xfrm>
-            <a:off x="35496" y="1063277"/>
-            <a:ext cx="9073008" cy="4525963"/>
-          </a:xfrm>
-        </p:spPr>
-        <p:txBody>
-          <a:bodyPr>
-            <a:normAutofit/>
-          </a:bodyPr>
-          <a:lstStyle/>
-          <a:p>
-            <a:r>
-              <a:rPr lang="fr-CA" sz="2000" dirty="0"/>
-              <a:t>TSMP</a:t>
-            </a:r>
-          </a:p>
-          <a:p>
-            <a:pPr lvl="1"/>
-            <a:r>
-              <a:rPr lang="fr-CA" sz="1600" dirty="0"/>
-              <a:t>Comme l’année passée : en accord avec les règlements.</a:t>
-            </a:r>
-          </a:p>
-          <a:p>
-            <a:r>
-              <a:rPr lang="fr-CA" sz="2000" dirty="0"/>
-              <a:t>HV </a:t>
-            </a:r>
-            <a:r>
-              <a:rPr lang="fr-CA" sz="2000" dirty="0" err="1"/>
-              <a:t>Fusing</a:t>
-            </a:r>
-            <a:endParaRPr lang="fr-CA" sz="2000" dirty="0"/>
-          </a:p>
-          <a:p>
-            <a:pPr lvl="1"/>
-            <a:r>
-              <a:rPr lang="fr-CA" sz="1600" dirty="0"/>
-              <a:t>Fusé à l’entrée du PCB pour tous les systèmes sauf pour TSMP, IMD et </a:t>
-            </a:r>
-            <a:r>
-              <a:rPr lang="fr-CA" sz="1600" dirty="0" err="1"/>
-              <a:t>Precharge</a:t>
-            </a:r>
-            <a:r>
-              <a:rPr lang="fr-CA" sz="1600" dirty="0"/>
-              <a:t>/</a:t>
-            </a:r>
-            <a:r>
-              <a:rPr lang="fr-CA" sz="1600" dirty="0" err="1"/>
-              <a:t>Discharge</a:t>
-            </a:r>
-            <a:r>
-              <a:rPr lang="fr-CA" sz="1600" dirty="0"/>
-              <a:t> Circuits (ces derniers ont leur propres fuses).</a:t>
-            </a:r>
-            <a:endParaRPr lang="fr-CA" sz="1200" dirty="0"/>
-          </a:p>
-          <a:p>
-            <a:endParaRPr lang="fr-CA" sz="2000" dirty="0"/>
-          </a:p>
-        </p:txBody>
-      </p:sp>
-      <p:pic>
-        <p:nvPicPr>
-          <p:cNvPr id="3" name="Image 2"/>
-          <p:cNvPicPr>
-            <a:picLocks noChangeAspect="1"/>
-          </p:cNvPicPr>
-          <p:nvPr/>
-        </p:nvPicPr>
-        <p:blipFill>
-          <a:blip r:embed="rId6"/>
-          <a:stretch>
-            <a:fillRect/>
-          </a:stretch>
-        </p:blipFill>
-        <p:spPr>
-          <a:xfrm>
-            <a:off x="1403648" y="3329623"/>
-            <a:ext cx="3600400" cy="2578891"/>
-          </a:xfrm>
-          <a:prstGeom prst="rect">
-            <a:avLst/>
-          </a:prstGeom>
-        </p:spPr>
-      </p:pic>
-    </p:spTree>
-    <p:extLst>
-      <p:ext uri="{BB962C8B-B14F-4D97-AF65-F5344CB8AC3E}">
-        <p14:creationId xmlns:p14="http://schemas.microsoft.com/office/powerpoint/2010/main" val="2523027213"/>
-      </p:ext>
-    </p:extLst>
-  </p:cSld>
-  <p:clrMapOvr>
-    <a:masterClrMapping/>
-  </p:clrMapOvr>
-</p:sld>
-</file>
-
-<file path=ppt/slides/slide16.xml><?xml version="1.0" encoding="utf-8"?>
-<p:sld xmlns:a="http://schemas.openxmlformats.org/drawingml/2006/main" xmlns:r="http://schemas.openxmlformats.org/officeDocument/2006/relationships" xmlns:p="http://schemas.openxmlformats.org/presentationml/2006/main">
-  <p:cSld>
-    <p:spTree>
-      <p:nvGrpSpPr>
-        <p:cNvPr id="1" name=""/>
-        <p:cNvGrpSpPr/>
-        <p:nvPr/>
-      </p:nvGrpSpPr>
-      <p:grpSpPr>
-        <a:xfrm>
-          <a:off x="0" y="0"/>
-          <a:ext cx="0" cy="0"/>
-          <a:chOff x="0" y="0"/>
-          <a:chExt cx="0" cy="0"/>
-        </a:xfrm>
-      </p:grpSpPr>
-      <p:sp>
-        <p:nvSpPr>
-          <p:cNvPr id="7" name="AutoShape 12"/>
-          <p:cNvSpPr>
-            <a:spLocks noChangeArrowheads="1"/>
-          </p:cNvSpPr>
-          <p:nvPr/>
-        </p:nvSpPr>
-        <p:spPr bwMode="auto">
-          <a:xfrm rot="5400000">
-            <a:off x="6916208" y="68772"/>
-            <a:ext cx="581614" cy="1079797"/>
-          </a:xfrm>
-          <a:prstGeom prst="flowChartManualInput">
-            <a:avLst/>
-          </a:prstGeom>
-          <a:solidFill>
-            <a:srgbClr val="12A3DD"/>
-          </a:solidFill>
-          <a:ln>
-            <a:noFill/>
-          </a:ln>
-          <a:extLst>
-            <a:ext uri="{91240B29-F687-4F45-9708-019B960494DF}">
-              <a14:hiddenLine xmlns:a14="http://schemas.microsoft.com/office/drawing/2010/main" w="9525">
-                <a:solidFill>
-                  <a:srgbClr val="000000"/>
-                </a:solidFill>
-                <a:miter lim="800000"/>
-                <a:headEnd/>
-                <a:tailEnd/>
-              </a14:hiddenLine>
-            </a:ext>
-          </a:extLst>
-        </p:spPr>
-        <p:txBody>
-          <a:bodyPr rot="0" vert="horz" wrap="square" lIns="91440" tIns="45720" rIns="91440" bIns="45720" anchor="t" anchorCtr="0" upright="1">
-            <a:noAutofit/>
-          </a:bodyPr>
-          <a:lstStyle/>
-          <a:p>
-            <a:endParaRPr lang="fr-CA"/>
-          </a:p>
-        </p:txBody>
-      </p:sp>
-      <p:sp>
-        <p:nvSpPr>
-          <p:cNvPr id="8" name="Rectangle 7"/>
-          <p:cNvSpPr>
-            <a:spLocks noChangeArrowheads="1"/>
-          </p:cNvSpPr>
-          <p:nvPr/>
-        </p:nvSpPr>
-        <p:spPr bwMode="auto">
-          <a:xfrm>
-            <a:off x="617550" y="317862"/>
-            <a:ext cx="6330714" cy="581614"/>
-          </a:xfrm>
-          <a:prstGeom prst="rect">
-            <a:avLst/>
-          </a:prstGeom>
-          <a:solidFill>
-            <a:srgbClr val="12A3DD"/>
-          </a:solidFill>
-          <a:ln>
-            <a:noFill/>
-          </a:ln>
-          <a:extLst>
-            <a:ext uri="{91240B29-F687-4F45-9708-019B960494DF}">
-              <a14:hiddenLine xmlns:a14="http://schemas.microsoft.com/office/drawing/2010/main" w="9525">
-                <a:solidFill>
-                  <a:srgbClr val="000000"/>
-                </a:solidFill>
-                <a:miter lim="800000"/>
-                <a:headEnd/>
-                <a:tailEnd/>
-              </a14:hiddenLine>
-            </a:ext>
-          </a:extLst>
-        </p:spPr>
-        <p:txBody>
-          <a:bodyPr rot="0" vert="horz" wrap="square" lIns="91440" tIns="45720" rIns="91440" bIns="45720" anchor="t" anchorCtr="0" upright="1">
-            <a:noAutofit/>
-          </a:bodyPr>
-          <a:lstStyle/>
-          <a:p>
-            <a:endParaRPr lang="fr-CA"/>
-          </a:p>
-        </p:txBody>
-      </p:sp>
-      <p:sp>
-        <p:nvSpPr>
-          <p:cNvPr id="9" name="Oval 8"/>
-          <p:cNvSpPr/>
-          <p:nvPr/>
-        </p:nvSpPr>
-        <p:spPr>
-          <a:xfrm>
-            <a:off x="201930" y="234742"/>
-            <a:ext cx="735995" cy="735965"/>
-          </a:xfrm>
-          <a:prstGeom prst="ellipse">
-            <a:avLst/>
-          </a:prstGeom>
-          <a:solidFill>
-            <a:schemeClr val="bg1"/>
-          </a:solidFill>
-          <a:ln>
-            <a:noFill/>
-          </a:ln>
-        </p:spPr>
-        <p:style>
-          <a:lnRef idx="2">
-            <a:schemeClr val="accent1">
-              <a:shade val="50000"/>
-            </a:schemeClr>
-          </a:lnRef>
-          <a:fillRef idx="1">
-            <a:schemeClr val="accent1"/>
-          </a:fillRef>
-          <a:effectRef idx="0">
-            <a:schemeClr val="accent1"/>
-          </a:effectRef>
-          <a:fontRef idx="minor">
-            <a:schemeClr val="lt1"/>
-          </a:fontRef>
-        </p:style>
-        <p:txBody>
-          <a:bodyPr rot="0" spcFirstLastPara="0" vert="horz" wrap="square" lIns="91440" tIns="45720" rIns="91440" bIns="45720" numCol="1" spcCol="0" rtlCol="0" fromWordArt="0" anchor="ctr" anchorCtr="0" forceAA="0" compatLnSpc="1">
-            <a:prstTxWarp prst="textNoShape">
-              <a:avLst/>
-            </a:prstTxWarp>
-            <a:noAutofit/>
-          </a:bodyPr>
-          <a:lstStyle/>
-          <a:p>
-            <a:endParaRPr lang="fr-CA"/>
-          </a:p>
-        </p:txBody>
-      </p:sp>
-      <p:pic>
-        <p:nvPicPr>
-          <p:cNvPr id="5" name="Picture 4">
-            <a:hlinkClick r:id="rId3"/>
-          </p:cNvPr>
-          <p:cNvPicPr/>
-          <p:nvPr/>
-        </p:nvPicPr>
-        <p:blipFill rotWithShape="1">
-          <a:blip r:embed="rId4" cstate="print">
-            <a:extLst>
-              <a:ext uri="{28A0092B-C50C-407E-A947-70E740481C1C}">
-                <a14:useLocalDpi xmlns:a14="http://schemas.microsoft.com/office/drawing/2010/main" val="0"/>
-              </a:ext>
-            </a:extLst>
-          </a:blip>
-          <a:srcRect r="61984"/>
-          <a:stretch/>
-        </p:blipFill>
-        <p:spPr bwMode="auto">
-          <a:xfrm>
-            <a:off x="0" y="116632"/>
-            <a:ext cx="1092200" cy="1033145"/>
-          </a:xfrm>
-          <a:prstGeom prst="rect">
-            <a:avLst/>
-          </a:prstGeom>
-          <a:ln>
-            <a:noFill/>
-          </a:ln>
-          <a:extLst>
-            <a:ext uri="{53640926-AAD7-44D8-BBD7-CCE9431645EC}">
-              <a14:shadowObscured xmlns:a14="http://schemas.microsoft.com/office/drawing/2010/main"/>
-            </a:ext>
-          </a:extLst>
-        </p:spPr>
-      </p:pic>
-      <p:sp>
-        <p:nvSpPr>
-          <p:cNvPr id="6" name="Text Box 2"/>
-          <p:cNvSpPr txBox="1">
-            <a:spLocks noChangeArrowheads="1"/>
-          </p:cNvSpPr>
-          <p:nvPr/>
-        </p:nvSpPr>
-        <p:spPr bwMode="auto">
-          <a:xfrm>
-            <a:off x="1294130" y="283627"/>
-            <a:ext cx="6151245" cy="553085"/>
-          </a:xfrm>
-          <a:prstGeom prst="rect">
-            <a:avLst/>
-          </a:prstGeom>
-          <a:noFill/>
-          <a:ln>
-            <a:noFill/>
-          </a:ln>
-          <a:extLst>
-            <a:ext uri="{909E8E84-426E-40DD-AFC4-6F175D3DCCD1}">
-              <a14:hiddenFill xmlns:a14="http://schemas.microsoft.com/office/drawing/2010/main">
-                <a:solidFill>
-                  <a:srgbClr val="FFFFFF"/>
-                </a:solidFill>
-              </a14:hiddenFill>
-            </a:ext>
-            <a:ext uri="{91240B29-F687-4F45-9708-019B960494DF}">
-              <a14:hiddenLine xmlns:a14="http://schemas.microsoft.com/office/drawing/2010/main" w="9525">
-                <a:solidFill>
-                  <a:srgbClr val="000000"/>
-                </a:solidFill>
-                <a:miter lim="800000"/>
-                <a:headEnd/>
-                <a:tailEnd/>
-              </a14:hiddenLine>
-            </a:ext>
-          </a:extLst>
-        </p:spPr>
-        <p:txBody>
-          <a:bodyPr rot="0" vert="horz" wrap="square" lIns="91440" tIns="45720" rIns="91440" bIns="45720" anchor="t" anchorCtr="0" upright="1">
-            <a:noAutofit/>
-          </a:bodyPr>
-          <a:lstStyle/>
-          <a:p>
-            <a:pPr algn="ctr">
-              <a:lnSpc>
-                <a:spcPct val="115000"/>
-              </a:lnSpc>
-              <a:spcBef>
-                <a:spcPts val="300"/>
-              </a:spcBef>
-              <a:spcAft>
-                <a:spcPts val="1000"/>
-              </a:spcAft>
-            </a:pPr>
-            <a:r>
-              <a:rPr lang="fr-CA" sz="3200" b="1" kern="7200" cap="small" spc="-100" dirty="0">
-                <a:solidFill>
-                  <a:srgbClr val="FFFFFF"/>
-                </a:solidFill>
-                <a:effectLst/>
-                <a:latin typeface="Arial"/>
-                <a:ea typeface="Times New Roman"/>
-              </a:rPr>
-              <a:t>TSAL &amp; </a:t>
-            </a:r>
-            <a:r>
-              <a:rPr lang="fr-CA" sz="3200" b="1" kern="7200" cap="small" spc="-100" dirty="0" err="1">
-                <a:solidFill>
-                  <a:srgbClr val="FFFFFF"/>
-                </a:solidFill>
-                <a:effectLst/>
-                <a:latin typeface="Arial"/>
-                <a:ea typeface="Times New Roman"/>
-              </a:rPr>
-              <a:t>Accumulator</a:t>
-            </a:r>
-            <a:r>
-              <a:rPr lang="fr-CA" sz="3200" b="1" kern="7200" cap="small" spc="-100" dirty="0">
-                <a:solidFill>
-                  <a:srgbClr val="FFFFFF"/>
-                </a:solidFill>
-                <a:effectLst/>
-                <a:latin typeface="Arial"/>
-                <a:ea typeface="Times New Roman"/>
-              </a:rPr>
-              <a:t> </a:t>
-            </a:r>
-            <a:r>
-              <a:rPr lang="fr-CA" sz="3200" b="1" kern="7200" cap="small" spc="-100" dirty="0" err="1">
-                <a:solidFill>
-                  <a:srgbClr val="FFFFFF"/>
-                </a:solidFill>
-                <a:effectLst/>
-                <a:latin typeface="Arial"/>
-                <a:ea typeface="Times New Roman"/>
-              </a:rPr>
-              <a:t>Indicator</a:t>
-            </a:r>
-            <a:endParaRPr lang="fr-CA" sz="1100" dirty="0">
-              <a:effectLst/>
-              <a:latin typeface="Arial"/>
-              <a:ea typeface="Times New Roman"/>
-              <a:cs typeface="Times New Roman"/>
-            </a:endParaRPr>
-          </a:p>
-        </p:txBody>
-      </p:sp>
-      <p:pic>
-        <p:nvPicPr>
-          <p:cNvPr id="11" name="Picture 10"/>
-          <p:cNvPicPr/>
-          <p:nvPr/>
-        </p:nvPicPr>
-        <p:blipFill>
-          <a:blip r:embed="rId5">
-            <a:extLst>
-              <a:ext uri="{28A0092B-C50C-407E-A947-70E740481C1C}">
-                <a14:useLocalDpi xmlns:a14="http://schemas.microsoft.com/office/drawing/2010/main" val="0"/>
-              </a:ext>
-            </a:extLst>
-          </a:blip>
-          <a:srcRect/>
-          <a:stretch>
-            <a:fillRect/>
-          </a:stretch>
-        </p:blipFill>
-        <p:spPr bwMode="auto">
-          <a:xfrm>
-            <a:off x="6058217" y="4619069"/>
-            <a:ext cx="3122295" cy="2266315"/>
-          </a:xfrm>
-          <a:prstGeom prst="rect">
-            <a:avLst/>
-          </a:prstGeom>
-          <a:noFill/>
-          <a:ln>
-            <a:noFill/>
-          </a:ln>
-        </p:spPr>
-      </p:pic>
-      <p:sp>
-        <p:nvSpPr>
-          <p:cNvPr id="4" name="Content Placeholder 3"/>
-          <p:cNvSpPr>
-            <a:spLocks noGrp="1"/>
-          </p:cNvSpPr>
-          <p:nvPr>
-            <p:ph idx="1"/>
-          </p:nvPr>
-        </p:nvSpPr>
-        <p:spPr>
-          <a:xfrm>
-            <a:off x="35496" y="1063278"/>
-            <a:ext cx="9073008" cy="3290928"/>
-          </a:xfrm>
-        </p:spPr>
-        <p:txBody>
-          <a:bodyPr>
-            <a:normAutofit/>
-          </a:bodyPr>
-          <a:lstStyle/>
-          <a:p>
-            <a:r>
-              <a:rPr lang="fr-CA" sz="2000" dirty="0"/>
-              <a:t>Détection du 60V comme l’année passé pour la TSAL et la </a:t>
-            </a:r>
-            <a:r>
-              <a:rPr lang="fr-CA" sz="2000" dirty="0" err="1"/>
-              <a:t>Accumulator</a:t>
-            </a:r>
-            <a:r>
-              <a:rPr lang="fr-CA" sz="2000" dirty="0"/>
-              <a:t> </a:t>
-            </a:r>
-            <a:r>
-              <a:rPr lang="fr-CA" sz="2000" dirty="0" err="1"/>
-              <a:t>Ind</a:t>
-            </a:r>
-            <a:r>
-              <a:rPr lang="fr-CA" sz="2000" dirty="0"/>
-              <a:t>.</a:t>
-            </a:r>
-          </a:p>
-          <a:p>
-            <a:r>
-              <a:rPr lang="fr-CA" sz="2000" dirty="0"/>
-              <a:t>Alimentation du </a:t>
-            </a:r>
-            <a:r>
-              <a:rPr lang="fr-CA" sz="2000" dirty="0" err="1"/>
-              <a:t>Acc</a:t>
-            </a:r>
-            <a:r>
-              <a:rPr lang="fr-CA" sz="2000" dirty="0"/>
-              <a:t>. </a:t>
-            </a:r>
-            <a:r>
-              <a:rPr lang="fr-CA" sz="2000" dirty="0" err="1"/>
-              <a:t>Ind</a:t>
-            </a:r>
-            <a:r>
-              <a:rPr lang="fr-CA" sz="2000" dirty="0"/>
-              <a:t>. directement avec le LDO:</a:t>
-            </a:r>
-          </a:p>
-          <a:p>
-            <a:pPr lvl="1"/>
-            <a:r>
-              <a:rPr lang="fr-CA" sz="1600" dirty="0"/>
-              <a:t>Moins efficace qu’un DCDC (Pertes de 1-2W), mais on sauve beaucoup en complexité et en espace sur le PCB.</a:t>
-            </a:r>
-            <a:endParaRPr lang="fr-CA" sz="2000" dirty="0"/>
-          </a:p>
-          <a:p>
-            <a:r>
-              <a:rPr lang="fr-CA" sz="2000" dirty="0"/>
-              <a:t>Détection de la fermeture des relais :</a:t>
-            </a:r>
-          </a:p>
-          <a:p>
-            <a:pPr lvl="1"/>
-            <a:r>
-              <a:rPr lang="fr-CA" sz="1600" dirty="0"/>
-              <a:t>Gardé cette détection pour la sécurité. (Détection de contacteur soudé)</a:t>
-            </a:r>
-          </a:p>
-          <a:p>
-            <a:pPr lvl="1"/>
-            <a:r>
-              <a:rPr lang="fr-CA" sz="1600" dirty="0"/>
-              <a:t>Effectué avec des relais à contacteurs auxiliaires pour une meilleure isolation et une plus grande simplicité.</a:t>
-            </a:r>
-          </a:p>
-        </p:txBody>
-      </p:sp>
-      <p:pic>
-        <p:nvPicPr>
-          <p:cNvPr id="2" name="Image 1"/>
-          <p:cNvPicPr>
-            <a:picLocks noChangeAspect="1"/>
-          </p:cNvPicPr>
-          <p:nvPr/>
-        </p:nvPicPr>
-        <p:blipFill>
-          <a:blip r:embed="rId6"/>
-          <a:stretch>
-            <a:fillRect/>
-          </a:stretch>
-        </p:blipFill>
-        <p:spPr>
-          <a:xfrm>
-            <a:off x="64400" y="4077072"/>
-            <a:ext cx="5887958" cy="2016224"/>
-          </a:xfrm>
-          <a:prstGeom prst="rect">
-            <a:avLst/>
-          </a:prstGeom>
-        </p:spPr>
-      </p:pic>
-      <p:pic>
-        <p:nvPicPr>
-          <p:cNvPr id="10" name="Image 9"/>
-          <p:cNvPicPr>
-            <a:picLocks noChangeAspect="1"/>
-          </p:cNvPicPr>
-          <p:nvPr/>
-        </p:nvPicPr>
-        <p:blipFill>
-          <a:blip r:embed="rId7"/>
-          <a:stretch>
-            <a:fillRect/>
-          </a:stretch>
-        </p:blipFill>
-        <p:spPr>
-          <a:xfrm>
-            <a:off x="6002276" y="4077073"/>
-            <a:ext cx="3106228" cy="2016224"/>
-          </a:xfrm>
-          <a:prstGeom prst="rect">
-            <a:avLst/>
-          </a:prstGeom>
-        </p:spPr>
-      </p:pic>
-    </p:spTree>
-    <p:extLst>
-      <p:ext uri="{BB962C8B-B14F-4D97-AF65-F5344CB8AC3E}">
-        <p14:creationId xmlns:p14="http://schemas.microsoft.com/office/powerpoint/2010/main" val="3875702521"/>
-      </p:ext>
-    </p:extLst>
-  </p:cSld>
-  <p:clrMapOvr>
-    <a:masterClrMapping/>
-  </p:clrMapOvr>
-</p:sld>
-</file>
-
-<file path=ppt/slides/slide17.xml><?xml version="1.0" encoding="utf-8"?>
-<p:sld xmlns:a="http://schemas.openxmlformats.org/drawingml/2006/main" xmlns:r="http://schemas.openxmlformats.org/officeDocument/2006/relationships" xmlns:p="http://schemas.openxmlformats.org/presentationml/2006/main">
-  <p:cSld>
-    <p:spTree>
-      <p:nvGrpSpPr>
-        <p:cNvPr id="1" name=""/>
-        <p:cNvGrpSpPr/>
-        <p:nvPr/>
-      </p:nvGrpSpPr>
-      <p:grpSpPr>
-        <a:xfrm>
-          <a:off x="0" y="0"/>
-          <a:ext cx="0" cy="0"/>
-          <a:chOff x="0" y="0"/>
-          <a:chExt cx="0" cy="0"/>
-        </a:xfrm>
-      </p:grpSpPr>
-      <p:sp>
-        <p:nvSpPr>
-          <p:cNvPr id="7" name="AutoShape 12"/>
-          <p:cNvSpPr>
-            <a:spLocks noChangeArrowheads="1"/>
-          </p:cNvSpPr>
-          <p:nvPr/>
-        </p:nvSpPr>
-        <p:spPr bwMode="auto">
-          <a:xfrm rot="5400000">
-            <a:off x="6916208" y="68772"/>
-            <a:ext cx="581614" cy="1079797"/>
-          </a:xfrm>
-          <a:prstGeom prst="flowChartManualInput">
-            <a:avLst/>
-          </a:prstGeom>
-          <a:solidFill>
-            <a:srgbClr val="12A3DD"/>
-          </a:solidFill>
-          <a:ln>
-            <a:noFill/>
-          </a:ln>
-          <a:extLst>
-            <a:ext uri="{91240B29-F687-4F45-9708-019B960494DF}">
-              <a14:hiddenLine xmlns:a14="http://schemas.microsoft.com/office/drawing/2010/main" w="9525">
-                <a:solidFill>
-                  <a:srgbClr val="000000"/>
-                </a:solidFill>
-                <a:miter lim="800000"/>
-                <a:headEnd/>
-                <a:tailEnd/>
-              </a14:hiddenLine>
-            </a:ext>
-          </a:extLst>
-        </p:spPr>
-        <p:txBody>
-          <a:bodyPr rot="0" vert="horz" wrap="square" lIns="91440" tIns="45720" rIns="91440" bIns="45720" anchor="t" anchorCtr="0" upright="1">
-            <a:noAutofit/>
-          </a:bodyPr>
-          <a:lstStyle/>
-          <a:p>
-            <a:endParaRPr lang="fr-CA"/>
-          </a:p>
-        </p:txBody>
-      </p:sp>
-      <p:sp>
-        <p:nvSpPr>
-          <p:cNvPr id="8" name="Rectangle 7"/>
-          <p:cNvSpPr>
-            <a:spLocks noChangeArrowheads="1"/>
-          </p:cNvSpPr>
-          <p:nvPr/>
-        </p:nvSpPr>
-        <p:spPr bwMode="auto">
-          <a:xfrm>
-            <a:off x="617550" y="317862"/>
-            <a:ext cx="6330714" cy="581614"/>
-          </a:xfrm>
-          <a:prstGeom prst="rect">
-            <a:avLst/>
-          </a:prstGeom>
-          <a:solidFill>
-            <a:srgbClr val="12A3DD"/>
-          </a:solidFill>
-          <a:ln>
-            <a:noFill/>
-          </a:ln>
-          <a:extLst>
-            <a:ext uri="{91240B29-F687-4F45-9708-019B960494DF}">
-              <a14:hiddenLine xmlns:a14="http://schemas.microsoft.com/office/drawing/2010/main" w="9525">
-                <a:solidFill>
-                  <a:srgbClr val="000000"/>
-                </a:solidFill>
-                <a:miter lim="800000"/>
-                <a:headEnd/>
-                <a:tailEnd/>
-              </a14:hiddenLine>
-            </a:ext>
-          </a:extLst>
-        </p:spPr>
-        <p:txBody>
-          <a:bodyPr rot="0" vert="horz" wrap="square" lIns="91440" tIns="45720" rIns="91440" bIns="45720" anchor="t" anchorCtr="0" upright="1">
-            <a:noAutofit/>
-          </a:bodyPr>
-          <a:lstStyle/>
-          <a:p>
-            <a:endParaRPr lang="fr-CA"/>
-          </a:p>
-        </p:txBody>
-      </p:sp>
-      <p:sp>
-        <p:nvSpPr>
-          <p:cNvPr id="9" name="Oval 8"/>
-          <p:cNvSpPr/>
-          <p:nvPr/>
-        </p:nvSpPr>
-        <p:spPr>
-          <a:xfrm>
-            <a:off x="201930" y="234742"/>
-            <a:ext cx="735995" cy="735965"/>
-          </a:xfrm>
-          <a:prstGeom prst="ellipse">
-            <a:avLst/>
-          </a:prstGeom>
-          <a:solidFill>
-            <a:schemeClr val="bg1"/>
-          </a:solidFill>
-          <a:ln>
-            <a:noFill/>
-          </a:ln>
-        </p:spPr>
-        <p:style>
-          <a:lnRef idx="2">
-            <a:schemeClr val="accent1">
-              <a:shade val="50000"/>
-            </a:schemeClr>
-          </a:lnRef>
-          <a:fillRef idx="1">
-            <a:schemeClr val="accent1"/>
-          </a:fillRef>
-          <a:effectRef idx="0">
-            <a:schemeClr val="accent1"/>
-          </a:effectRef>
-          <a:fontRef idx="minor">
-            <a:schemeClr val="lt1"/>
-          </a:fontRef>
-        </p:style>
-        <p:txBody>
-          <a:bodyPr rot="0" spcFirstLastPara="0" vert="horz" wrap="square" lIns="91440" tIns="45720" rIns="91440" bIns="45720" numCol="1" spcCol="0" rtlCol="0" fromWordArt="0" anchor="ctr" anchorCtr="0" forceAA="0" compatLnSpc="1">
-            <a:prstTxWarp prst="textNoShape">
-              <a:avLst/>
-            </a:prstTxWarp>
-            <a:noAutofit/>
-          </a:bodyPr>
-          <a:lstStyle/>
-          <a:p>
-            <a:endParaRPr lang="fr-CA"/>
-          </a:p>
-        </p:txBody>
-      </p:sp>
-      <p:pic>
-        <p:nvPicPr>
-          <p:cNvPr id="5" name="Picture 4">
-            <a:hlinkClick r:id="rId3"/>
-          </p:cNvPr>
-          <p:cNvPicPr/>
-          <p:nvPr/>
-        </p:nvPicPr>
-        <p:blipFill rotWithShape="1">
-          <a:blip r:embed="rId4" cstate="print">
-            <a:extLst>
-              <a:ext uri="{28A0092B-C50C-407E-A947-70E740481C1C}">
-                <a14:useLocalDpi xmlns:a14="http://schemas.microsoft.com/office/drawing/2010/main" val="0"/>
-              </a:ext>
-            </a:extLst>
-          </a:blip>
-          <a:srcRect r="61984"/>
-          <a:stretch/>
-        </p:blipFill>
-        <p:spPr bwMode="auto">
-          <a:xfrm>
-            <a:off x="0" y="116632"/>
-            <a:ext cx="1092200" cy="1033145"/>
-          </a:xfrm>
-          <a:prstGeom prst="rect">
-            <a:avLst/>
-          </a:prstGeom>
-          <a:ln>
-            <a:noFill/>
-          </a:ln>
-          <a:extLst>
-            <a:ext uri="{53640926-AAD7-44D8-BBD7-CCE9431645EC}">
-              <a14:shadowObscured xmlns:a14="http://schemas.microsoft.com/office/drawing/2010/main"/>
-            </a:ext>
-          </a:extLst>
-        </p:spPr>
-      </p:pic>
-      <p:sp>
-        <p:nvSpPr>
-          <p:cNvPr id="6" name="Text Box 2"/>
-          <p:cNvSpPr txBox="1">
-            <a:spLocks noChangeArrowheads="1"/>
-          </p:cNvSpPr>
-          <p:nvPr/>
-        </p:nvSpPr>
-        <p:spPr bwMode="auto">
-          <a:xfrm>
-            <a:off x="1043608" y="283627"/>
-            <a:ext cx="6401767" cy="553085"/>
-          </a:xfrm>
-          <a:prstGeom prst="rect">
-            <a:avLst/>
-          </a:prstGeom>
-          <a:noFill/>
-          <a:ln>
-            <a:noFill/>
-          </a:ln>
-          <a:extLst>
-            <a:ext uri="{909E8E84-426E-40DD-AFC4-6F175D3DCCD1}">
-              <a14:hiddenFill xmlns:a14="http://schemas.microsoft.com/office/drawing/2010/main">
-                <a:solidFill>
-                  <a:srgbClr val="FFFFFF"/>
-                </a:solidFill>
-              </a14:hiddenFill>
-            </a:ext>
-            <a:ext uri="{91240B29-F687-4F45-9708-019B960494DF}">
-              <a14:hiddenLine xmlns:a14="http://schemas.microsoft.com/office/drawing/2010/main" w="9525">
-                <a:solidFill>
-                  <a:srgbClr val="000000"/>
-                </a:solidFill>
-                <a:miter lim="800000"/>
-                <a:headEnd/>
-                <a:tailEnd/>
-              </a14:hiddenLine>
-            </a:ext>
-          </a:extLst>
-        </p:spPr>
-        <p:txBody>
-          <a:bodyPr rot="0" vert="horz" wrap="square" lIns="91440" tIns="45720" rIns="91440" bIns="45720" anchor="t" anchorCtr="0" upright="1">
-            <a:noAutofit/>
-          </a:bodyPr>
-          <a:lstStyle/>
-          <a:p>
-            <a:pPr algn="ctr">
-              <a:lnSpc>
-                <a:spcPct val="115000"/>
-              </a:lnSpc>
-              <a:spcBef>
-                <a:spcPts val="300"/>
-              </a:spcBef>
-              <a:spcAft>
-                <a:spcPts val="1000"/>
-              </a:spcAft>
-            </a:pPr>
-            <a:r>
-              <a:rPr lang="fr-CA" sz="3200" b="1" kern="7200" cap="small" spc="-100" dirty="0" err="1">
-                <a:solidFill>
-                  <a:srgbClr val="FFFFFF"/>
-                </a:solidFill>
-                <a:latin typeface="Arial"/>
-                <a:ea typeface="Times New Roman"/>
-              </a:rPr>
-              <a:t>Precharge</a:t>
-            </a:r>
-            <a:r>
-              <a:rPr lang="fr-CA" sz="3200" b="1" kern="7200" cap="small" spc="-100" dirty="0">
-                <a:solidFill>
-                  <a:srgbClr val="FFFFFF"/>
-                </a:solidFill>
-                <a:latin typeface="Arial"/>
-                <a:ea typeface="Times New Roman"/>
-              </a:rPr>
-              <a:t> &amp; </a:t>
-            </a:r>
-            <a:r>
-              <a:rPr lang="fr-CA" sz="3200" b="1" kern="7200" cap="small" spc="-100" dirty="0" err="1">
-                <a:solidFill>
-                  <a:srgbClr val="FFFFFF"/>
-                </a:solidFill>
-                <a:latin typeface="Arial"/>
-                <a:ea typeface="Times New Roman"/>
-              </a:rPr>
-              <a:t>Discharge</a:t>
-            </a:r>
-            <a:r>
-              <a:rPr lang="fr-CA" sz="3200" b="1" kern="7200" cap="small" spc="-100" dirty="0">
-                <a:solidFill>
-                  <a:srgbClr val="FFFFFF"/>
-                </a:solidFill>
-                <a:latin typeface="Arial"/>
-                <a:ea typeface="Times New Roman"/>
-              </a:rPr>
-              <a:t> Circuits</a:t>
-            </a:r>
-            <a:endParaRPr lang="fr-CA" sz="1100" dirty="0">
-              <a:effectLst/>
-              <a:latin typeface="Arial"/>
-              <a:ea typeface="Times New Roman"/>
-              <a:cs typeface="Times New Roman"/>
-            </a:endParaRPr>
-          </a:p>
-        </p:txBody>
-      </p:sp>
-      <p:pic>
-        <p:nvPicPr>
-          <p:cNvPr id="11" name="Picture 10"/>
-          <p:cNvPicPr/>
-          <p:nvPr/>
-        </p:nvPicPr>
-        <p:blipFill>
-          <a:blip r:embed="rId5">
-            <a:extLst>
-              <a:ext uri="{28A0092B-C50C-407E-A947-70E740481C1C}">
-                <a14:useLocalDpi xmlns:a14="http://schemas.microsoft.com/office/drawing/2010/main" val="0"/>
-              </a:ext>
-            </a:extLst>
-          </a:blip>
-          <a:srcRect/>
-          <a:stretch>
-            <a:fillRect/>
-          </a:stretch>
-        </p:blipFill>
-        <p:spPr bwMode="auto">
-          <a:xfrm>
-            <a:off x="6058217" y="4619069"/>
-            <a:ext cx="3122295" cy="2266315"/>
-          </a:xfrm>
-          <a:prstGeom prst="rect">
-            <a:avLst/>
-          </a:prstGeom>
-          <a:noFill/>
-          <a:ln>
-            <a:noFill/>
-          </a:ln>
-        </p:spPr>
-      </p:pic>
-      <p:sp>
-        <p:nvSpPr>
-          <p:cNvPr id="4" name="Content Placeholder 3"/>
-          <p:cNvSpPr>
-            <a:spLocks noGrp="1"/>
-          </p:cNvSpPr>
-          <p:nvPr>
-            <p:ph idx="1"/>
-          </p:nvPr>
-        </p:nvSpPr>
-        <p:spPr>
-          <a:xfrm>
-            <a:off x="35496" y="1063278"/>
-            <a:ext cx="9073008" cy="3290928"/>
-          </a:xfrm>
-        </p:spPr>
-        <p:txBody>
-          <a:bodyPr>
-            <a:normAutofit/>
-          </a:bodyPr>
-          <a:lstStyle/>
-          <a:p>
-            <a:r>
-              <a:rPr lang="fr-CA" sz="2000" dirty="0"/>
-              <a:t>Réduction de l’espace occupé par les relais:</a:t>
-            </a:r>
-          </a:p>
-          <a:p>
-            <a:pPr lvl="1"/>
-            <a:r>
-              <a:rPr lang="fr-CA" sz="1600" dirty="0"/>
-              <a:t>Changement des </a:t>
-            </a:r>
-            <a:r>
-              <a:rPr lang="fr-CA" sz="1600" dirty="0" err="1"/>
-              <a:t>reed</a:t>
-            </a:r>
-            <a:r>
-              <a:rPr lang="fr-CA" sz="1600" dirty="0"/>
-              <a:t> relais par des  Solid State Relay.</a:t>
-            </a:r>
-          </a:p>
-          <a:p>
-            <a:pPr lvl="1"/>
-            <a:r>
-              <a:rPr lang="fr-CA" sz="1600" dirty="0"/>
-              <a:t>Alimentation des Solid State Relay directement par le MCU : 1mA de consommation.</a:t>
-            </a:r>
-          </a:p>
-          <a:p>
-            <a:pPr lvl="1"/>
-            <a:r>
-              <a:rPr lang="fr-CA" sz="1600" dirty="0"/>
-              <a:t>Même résistances que l’années passé : petit et efficace.</a:t>
-            </a:r>
-            <a:endParaRPr lang="fr-CA" sz="1200" dirty="0"/>
-          </a:p>
-        </p:txBody>
-      </p:sp>
-      <p:pic>
-        <p:nvPicPr>
-          <p:cNvPr id="3" name="Image 2"/>
-          <p:cNvPicPr>
-            <a:picLocks noChangeAspect="1"/>
-          </p:cNvPicPr>
-          <p:nvPr/>
-        </p:nvPicPr>
-        <p:blipFill>
-          <a:blip r:embed="rId6"/>
-          <a:stretch>
-            <a:fillRect/>
-          </a:stretch>
-        </p:blipFill>
-        <p:spPr>
-          <a:xfrm>
-            <a:off x="323528" y="2348880"/>
-            <a:ext cx="5294164" cy="2310525"/>
-          </a:xfrm>
-          <a:prstGeom prst="rect">
-            <a:avLst/>
-          </a:prstGeom>
-        </p:spPr>
-      </p:pic>
-      <p:pic>
-        <p:nvPicPr>
-          <p:cNvPr id="12" name="Image 11"/>
-          <p:cNvPicPr>
-            <a:picLocks noChangeAspect="1"/>
-          </p:cNvPicPr>
-          <p:nvPr/>
-        </p:nvPicPr>
-        <p:blipFill>
-          <a:blip r:embed="rId7"/>
-          <a:stretch>
-            <a:fillRect/>
-          </a:stretch>
-        </p:blipFill>
-        <p:spPr>
-          <a:xfrm>
-            <a:off x="1043608" y="4692579"/>
-            <a:ext cx="3707904" cy="2119293"/>
-          </a:xfrm>
-          <a:prstGeom prst="rect">
-            <a:avLst/>
-          </a:prstGeom>
-        </p:spPr>
-      </p:pic>
-    </p:spTree>
-    <p:extLst>
-      <p:ext uri="{BB962C8B-B14F-4D97-AF65-F5344CB8AC3E}">
-        <p14:creationId xmlns:p14="http://schemas.microsoft.com/office/powerpoint/2010/main" val="132592048"/>
-      </p:ext>
-    </p:extLst>
-  </p:cSld>
-  <p:clrMapOvr>
-    <a:masterClrMapping/>
-  </p:clrMapOvr>
-</p:sld>
-</file>
-
-<file path=ppt/slides/slide18.xml><?xml version="1.0" encoding="utf-8"?>
-<p:sld xmlns:a="http://schemas.openxmlformats.org/drawingml/2006/main" xmlns:r="http://schemas.openxmlformats.org/officeDocument/2006/relationships" xmlns:p="http://schemas.openxmlformats.org/presentationml/2006/main">
-  <p:cSld>
-    <p:spTree>
-      <p:nvGrpSpPr>
-        <p:cNvPr id="1" name=""/>
-        <p:cNvGrpSpPr/>
-        <p:nvPr/>
-      </p:nvGrpSpPr>
-      <p:grpSpPr>
-        <a:xfrm>
-          <a:off x="0" y="0"/>
-          <a:ext cx="0" cy="0"/>
-          <a:chOff x="0" y="0"/>
-          <a:chExt cx="0" cy="0"/>
-        </a:xfrm>
-      </p:grpSpPr>
-      <p:sp>
-        <p:nvSpPr>
-          <p:cNvPr id="7" name="AutoShape 12"/>
-          <p:cNvSpPr>
-            <a:spLocks noChangeArrowheads="1"/>
-          </p:cNvSpPr>
-          <p:nvPr/>
-        </p:nvSpPr>
-        <p:spPr bwMode="auto">
-          <a:xfrm rot="5400000">
-            <a:off x="6916208" y="68772"/>
-            <a:ext cx="581614" cy="1079797"/>
-          </a:xfrm>
-          <a:prstGeom prst="flowChartManualInput">
-            <a:avLst/>
-          </a:prstGeom>
-          <a:solidFill>
-            <a:srgbClr val="12A3DD"/>
-          </a:solidFill>
-          <a:ln>
-            <a:noFill/>
-          </a:ln>
-          <a:extLst>
-            <a:ext uri="{91240B29-F687-4F45-9708-019B960494DF}">
-              <a14:hiddenLine xmlns:a14="http://schemas.microsoft.com/office/drawing/2010/main" w="9525">
-                <a:solidFill>
-                  <a:srgbClr val="000000"/>
-                </a:solidFill>
-                <a:miter lim="800000"/>
-                <a:headEnd/>
-                <a:tailEnd/>
-              </a14:hiddenLine>
-            </a:ext>
-          </a:extLst>
-        </p:spPr>
-        <p:txBody>
-          <a:bodyPr rot="0" vert="horz" wrap="square" lIns="91440" tIns="45720" rIns="91440" bIns="45720" anchor="t" anchorCtr="0" upright="1">
-            <a:noAutofit/>
-          </a:bodyPr>
-          <a:lstStyle/>
-          <a:p>
-            <a:endParaRPr lang="fr-CA"/>
-          </a:p>
-        </p:txBody>
-      </p:sp>
-      <p:sp>
-        <p:nvSpPr>
-          <p:cNvPr id="8" name="Rectangle 7"/>
-          <p:cNvSpPr>
-            <a:spLocks noChangeArrowheads="1"/>
-          </p:cNvSpPr>
-          <p:nvPr/>
-        </p:nvSpPr>
-        <p:spPr bwMode="auto">
-          <a:xfrm>
-            <a:off x="617550" y="317862"/>
-            <a:ext cx="6330714" cy="581614"/>
-          </a:xfrm>
-          <a:prstGeom prst="rect">
-            <a:avLst/>
-          </a:prstGeom>
-          <a:solidFill>
-            <a:srgbClr val="12A3DD"/>
-          </a:solidFill>
-          <a:ln>
-            <a:noFill/>
-          </a:ln>
-          <a:extLst>
-            <a:ext uri="{91240B29-F687-4F45-9708-019B960494DF}">
-              <a14:hiddenLine xmlns:a14="http://schemas.microsoft.com/office/drawing/2010/main" w="9525">
-                <a:solidFill>
-                  <a:srgbClr val="000000"/>
-                </a:solidFill>
-                <a:miter lim="800000"/>
-                <a:headEnd/>
-                <a:tailEnd/>
-              </a14:hiddenLine>
-            </a:ext>
-          </a:extLst>
-        </p:spPr>
-        <p:txBody>
-          <a:bodyPr rot="0" vert="horz" wrap="square" lIns="91440" tIns="45720" rIns="91440" bIns="45720" anchor="t" anchorCtr="0" upright="1">
-            <a:noAutofit/>
-          </a:bodyPr>
-          <a:lstStyle/>
-          <a:p>
-            <a:endParaRPr lang="fr-CA"/>
-          </a:p>
-        </p:txBody>
-      </p:sp>
-      <p:sp>
-        <p:nvSpPr>
-          <p:cNvPr id="9" name="Oval 8"/>
-          <p:cNvSpPr/>
-          <p:nvPr/>
-        </p:nvSpPr>
-        <p:spPr>
-          <a:xfrm>
-            <a:off x="201930" y="234742"/>
-            <a:ext cx="735995" cy="735965"/>
-          </a:xfrm>
-          <a:prstGeom prst="ellipse">
-            <a:avLst/>
-          </a:prstGeom>
-          <a:solidFill>
-            <a:schemeClr val="bg1"/>
-          </a:solidFill>
-          <a:ln>
-            <a:noFill/>
-          </a:ln>
-        </p:spPr>
-        <p:style>
-          <a:lnRef idx="2">
-            <a:schemeClr val="accent1">
-              <a:shade val="50000"/>
-            </a:schemeClr>
-          </a:lnRef>
-          <a:fillRef idx="1">
-            <a:schemeClr val="accent1"/>
-          </a:fillRef>
-          <a:effectRef idx="0">
-            <a:schemeClr val="accent1"/>
-          </a:effectRef>
-          <a:fontRef idx="minor">
-            <a:schemeClr val="lt1"/>
-          </a:fontRef>
-        </p:style>
-        <p:txBody>
-          <a:bodyPr rot="0" spcFirstLastPara="0" vert="horz" wrap="square" lIns="91440" tIns="45720" rIns="91440" bIns="45720" numCol="1" spcCol="0" rtlCol="0" fromWordArt="0" anchor="ctr" anchorCtr="0" forceAA="0" compatLnSpc="1">
-            <a:prstTxWarp prst="textNoShape">
-              <a:avLst/>
-            </a:prstTxWarp>
-            <a:noAutofit/>
-          </a:bodyPr>
-          <a:lstStyle/>
-          <a:p>
-            <a:endParaRPr lang="fr-CA"/>
-          </a:p>
-        </p:txBody>
-      </p:sp>
-      <p:pic>
-        <p:nvPicPr>
-          <p:cNvPr id="5" name="Picture 4">
-            <a:hlinkClick r:id="rId3"/>
-          </p:cNvPr>
-          <p:cNvPicPr/>
-          <p:nvPr/>
-        </p:nvPicPr>
-        <p:blipFill rotWithShape="1">
-          <a:blip r:embed="rId4" cstate="print">
-            <a:extLst>
-              <a:ext uri="{28A0092B-C50C-407E-A947-70E740481C1C}">
-                <a14:useLocalDpi xmlns:a14="http://schemas.microsoft.com/office/drawing/2010/main" val="0"/>
-              </a:ext>
-            </a:extLst>
-          </a:blip>
-          <a:srcRect r="61984"/>
-          <a:stretch/>
-        </p:blipFill>
-        <p:spPr bwMode="auto">
-          <a:xfrm>
-            <a:off x="0" y="116632"/>
-            <a:ext cx="1092200" cy="1033145"/>
-          </a:xfrm>
-          <a:prstGeom prst="rect">
-            <a:avLst/>
-          </a:prstGeom>
-          <a:ln>
-            <a:noFill/>
-          </a:ln>
-          <a:extLst>
-            <a:ext uri="{53640926-AAD7-44D8-BBD7-CCE9431645EC}">
-              <a14:shadowObscured xmlns:a14="http://schemas.microsoft.com/office/drawing/2010/main"/>
-            </a:ext>
-          </a:extLst>
-        </p:spPr>
-      </p:pic>
-      <p:sp>
-        <p:nvSpPr>
-          <p:cNvPr id="6" name="Text Box 2"/>
-          <p:cNvSpPr txBox="1">
-            <a:spLocks noChangeArrowheads="1"/>
-          </p:cNvSpPr>
-          <p:nvPr/>
-        </p:nvSpPr>
-        <p:spPr bwMode="auto">
-          <a:xfrm>
-            <a:off x="1698625" y="283627"/>
-            <a:ext cx="5746750" cy="553085"/>
-          </a:xfrm>
-          <a:prstGeom prst="rect">
-            <a:avLst/>
-          </a:prstGeom>
-          <a:noFill/>
-          <a:ln>
-            <a:noFill/>
-          </a:ln>
-          <a:extLst>
-            <a:ext uri="{909E8E84-426E-40DD-AFC4-6F175D3DCCD1}">
-              <a14:hiddenFill xmlns:a14="http://schemas.microsoft.com/office/drawing/2010/main">
-                <a:solidFill>
-                  <a:srgbClr val="FFFFFF"/>
-                </a:solidFill>
-              </a14:hiddenFill>
-            </a:ext>
-            <a:ext uri="{91240B29-F687-4F45-9708-019B960494DF}">
-              <a14:hiddenLine xmlns:a14="http://schemas.microsoft.com/office/drawing/2010/main" w="9525">
-                <a:solidFill>
-                  <a:srgbClr val="000000"/>
-                </a:solidFill>
-                <a:miter lim="800000"/>
-                <a:headEnd/>
-                <a:tailEnd/>
-              </a14:hiddenLine>
-            </a:ext>
-          </a:extLst>
-        </p:spPr>
-        <p:txBody>
-          <a:bodyPr rot="0" vert="horz" wrap="square" lIns="91440" tIns="45720" rIns="91440" bIns="45720" anchor="t" anchorCtr="0" upright="1">
-            <a:noAutofit/>
-          </a:bodyPr>
-          <a:lstStyle/>
-          <a:p>
-            <a:pPr algn="ctr">
-              <a:lnSpc>
-                <a:spcPct val="115000"/>
-              </a:lnSpc>
-              <a:spcBef>
-                <a:spcPts val="300"/>
-              </a:spcBef>
-              <a:spcAft>
-                <a:spcPts val="1000"/>
-              </a:spcAft>
-            </a:pPr>
-            <a:r>
-              <a:rPr lang="fr-CA" sz="3200" b="1" kern="7200" cap="small" spc="-100" dirty="0">
-                <a:solidFill>
-                  <a:srgbClr val="FFFFFF"/>
-                </a:solidFill>
-                <a:effectLst/>
-                <a:latin typeface="Arial"/>
-                <a:ea typeface="Times New Roman"/>
-              </a:rPr>
-              <a:t>À Compléter</a:t>
-            </a:r>
-            <a:endParaRPr lang="fr-CA" sz="1100" dirty="0">
-              <a:effectLst/>
-              <a:latin typeface="Arial"/>
-              <a:ea typeface="Times New Roman"/>
-              <a:cs typeface="Times New Roman"/>
-            </a:endParaRPr>
-          </a:p>
-        </p:txBody>
-      </p:sp>
-      <p:pic>
-        <p:nvPicPr>
-          <p:cNvPr id="11" name="Picture 10"/>
-          <p:cNvPicPr/>
-          <p:nvPr/>
-        </p:nvPicPr>
-        <p:blipFill>
-          <a:blip r:embed="rId5">
-            <a:extLst>
-              <a:ext uri="{28A0092B-C50C-407E-A947-70E740481C1C}">
-                <a14:useLocalDpi xmlns:a14="http://schemas.microsoft.com/office/drawing/2010/main" val="0"/>
-              </a:ext>
-            </a:extLst>
-          </a:blip>
-          <a:srcRect/>
-          <a:stretch>
-            <a:fillRect/>
-          </a:stretch>
-        </p:blipFill>
-        <p:spPr bwMode="auto">
-          <a:xfrm>
-            <a:off x="6058217" y="4619069"/>
-            <a:ext cx="3122295" cy="2266315"/>
-          </a:xfrm>
-          <a:prstGeom prst="rect">
-            <a:avLst/>
-          </a:prstGeom>
-          <a:noFill/>
-          <a:ln>
-            <a:noFill/>
-          </a:ln>
-        </p:spPr>
-      </p:pic>
-      <p:sp>
-        <p:nvSpPr>
-          <p:cNvPr id="4" name="Content Placeholder 3"/>
-          <p:cNvSpPr>
-            <a:spLocks noGrp="1"/>
-          </p:cNvSpPr>
-          <p:nvPr>
-            <p:ph idx="1"/>
-          </p:nvPr>
-        </p:nvSpPr>
-        <p:spPr>
-          <a:xfrm>
-            <a:off x="35496" y="1063277"/>
-            <a:ext cx="9073008" cy="4525963"/>
-          </a:xfrm>
-        </p:spPr>
-        <p:txBody>
-          <a:bodyPr>
-            <a:normAutofit/>
-          </a:bodyPr>
-          <a:lstStyle/>
-          <a:p>
-            <a:r>
-              <a:rPr lang="fr-CA" sz="2000" dirty="0"/>
-              <a:t>HSD</a:t>
-            </a:r>
-          </a:p>
-          <a:p>
-            <a:pPr lvl="1"/>
-            <a:r>
-              <a:rPr lang="fr-CA" sz="1600" dirty="0"/>
-              <a:t>Interlock, TSAL, </a:t>
-            </a:r>
-            <a:r>
-              <a:rPr lang="fr-CA" sz="1600" dirty="0" err="1"/>
-              <a:t>Pump</a:t>
-            </a:r>
-            <a:r>
-              <a:rPr lang="fr-CA" sz="1600" dirty="0"/>
-              <a:t> x2, Fans x?, DAC Module, </a:t>
-            </a:r>
-            <a:r>
-              <a:rPr lang="fr-CA" sz="1600" dirty="0" err="1"/>
-              <a:t>Dash</a:t>
-            </a:r>
-            <a:r>
-              <a:rPr lang="fr-CA" sz="1600" dirty="0"/>
-              <a:t>?, TCS?</a:t>
-            </a:r>
-          </a:p>
-          <a:p>
-            <a:r>
-              <a:rPr lang="fr-CA" sz="2000" dirty="0"/>
-              <a:t>LSD </a:t>
-            </a:r>
-          </a:p>
-          <a:p>
-            <a:pPr lvl="1"/>
-            <a:r>
-              <a:rPr lang="fr-CA" sz="1600" dirty="0" err="1"/>
-              <a:t>AIRs</a:t>
-            </a:r>
-            <a:r>
-              <a:rPr lang="fr-CA" sz="1600" dirty="0"/>
-              <a:t> </a:t>
-            </a:r>
-            <a:r>
-              <a:rPr lang="fr-CA" sz="1600" dirty="0" err="1"/>
-              <a:t>grounding</a:t>
-            </a:r>
-            <a:r>
-              <a:rPr lang="fr-CA" sz="1600" dirty="0"/>
-              <a:t> for BMS Interlock.</a:t>
-            </a:r>
-          </a:p>
-          <a:p>
-            <a:r>
-              <a:rPr lang="fr-CA" sz="2000" dirty="0"/>
-              <a:t>HV </a:t>
-            </a:r>
-            <a:r>
-              <a:rPr lang="fr-CA" sz="2000" dirty="0" err="1"/>
-              <a:t>Current</a:t>
-            </a:r>
-            <a:r>
-              <a:rPr lang="fr-CA" sz="2000" dirty="0"/>
-              <a:t> </a:t>
-            </a:r>
-            <a:r>
-              <a:rPr lang="fr-CA" sz="2000" dirty="0" err="1"/>
-              <a:t>Sensor</a:t>
-            </a:r>
-            <a:endParaRPr lang="fr-CA" sz="2000" dirty="0"/>
-          </a:p>
-          <a:p>
-            <a:pPr lvl="1"/>
-            <a:r>
-              <a:rPr lang="fr-CA" sz="1600" dirty="0"/>
-              <a:t>Calcul du SOC</a:t>
-            </a:r>
-          </a:p>
-          <a:p>
-            <a:pPr lvl="1"/>
-            <a:r>
-              <a:rPr lang="fr-CA" sz="1600" dirty="0"/>
-              <a:t>Mesure de la tension totale? Ou l’addition des valeurs des BMS Slaves est OK?</a:t>
-            </a:r>
-          </a:p>
-          <a:p>
-            <a:r>
-              <a:rPr lang="fr-CA" sz="2000" dirty="0"/>
-              <a:t>7-segment display</a:t>
-            </a:r>
-          </a:p>
-          <a:p>
-            <a:pPr lvl="1"/>
-            <a:r>
-              <a:rPr lang="fr-CA" sz="1600" dirty="0" err="1"/>
-              <a:t>Debug</a:t>
-            </a:r>
-            <a:r>
-              <a:rPr lang="fr-CA" sz="1600" dirty="0"/>
-              <a:t> et Info.</a:t>
-            </a:r>
-          </a:p>
-          <a:p>
-            <a:r>
-              <a:rPr lang="fr-CA" sz="2000" dirty="0"/>
-              <a:t>SOC </a:t>
-            </a:r>
-            <a:r>
-              <a:rPr lang="fr-CA" sz="2000" dirty="0" err="1"/>
-              <a:t>Indicator</a:t>
-            </a:r>
-            <a:endParaRPr lang="fr-CA" sz="2000" dirty="0"/>
-          </a:p>
-          <a:p>
-            <a:pPr lvl="1"/>
-            <a:r>
-              <a:rPr lang="fr-CA" sz="1600" dirty="0"/>
-              <a:t>Affichage à l’arrière du BP.</a:t>
-            </a:r>
-          </a:p>
-          <a:p>
-            <a:pPr lvl="1"/>
-            <a:r>
-              <a:rPr lang="fr-CA" sz="1600" dirty="0"/>
-              <a:t>Indication utile durant la charge hors véhicule.</a:t>
-            </a:r>
-          </a:p>
-          <a:p>
-            <a:r>
-              <a:rPr lang="fr-CA" sz="2000" dirty="0" err="1"/>
-              <a:t>Connectors</a:t>
-            </a:r>
-            <a:endParaRPr lang="fr-CA" sz="2000" dirty="0"/>
-          </a:p>
-        </p:txBody>
-      </p:sp>
-    </p:spTree>
-    <p:extLst>
-      <p:ext uri="{BB962C8B-B14F-4D97-AF65-F5344CB8AC3E}">
-        <p14:creationId xmlns:p14="http://schemas.microsoft.com/office/powerpoint/2010/main" val="3070767799"/>
-      </p:ext>
-    </p:extLst>
-  </p:cSld>
-  <p:clrMapOvr>
-    <a:masterClrMapping/>
-  </p:clrMapOvr>
-</p:sld>
-</file>
-
-<file path=ppt/slides/slide19.xml><?xml version="1.0" encoding="utf-8"?>
 <p:sld xmlns:a="http://schemas.openxmlformats.org/drawingml/2006/main" xmlns:r="http://schemas.openxmlformats.org/officeDocument/2006/relationships" xmlns:p="http://schemas.openxmlformats.org/presentationml/2006/main">
   <p:cSld>
     <p:spTree>
@@ -10539,31 +6007,74 @@
           <a:p>
             <a:pPr lvl="1"/>
             <a:r>
-              <a:rPr lang="fr-CA" sz="1600" dirty="0"/>
-              <a:t>Que le DAQ marche</a:t>
+              <a:rPr lang="fr-CA" dirty="0"/>
+              <a:t>Que le DAQ marche (</a:t>
+            </a:r>
+            <a:r>
+              <a:rPr lang="fr-CA" dirty="0" err="1"/>
+              <a:t>WiFi</a:t>
+            </a:r>
+            <a:r>
+              <a:rPr lang="fr-CA" dirty="0"/>
+              <a:t> surtout)</a:t>
             </a:r>
           </a:p>
           <a:p>
             <a:pPr lvl="1"/>
             <a:r>
-              <a:rPr lang="fr-CA" sz="1600" dirty="0" err="1"/>
+              <a:rPr lang="fr-CA" dirty="0" err="1"/>
               <a:t>Granularisation</a:t>
             </a:r>
             <a:r>
-              <a:rPr lang="fr-CA" sz="1600" dirty="0"/>
+              <a:rPr lang="fr-CA" dirty="0"/>
               <a:t> des systèmes</a:t>
             </a:r>
           </a:p>
           <a:p>
             <a:pPr lvl="1"/>
             <a:r>
-              <a:rPr lang="fr-CA" sz="1600" dirty="0"/>
+              <a:rPr lang="fr-CA" dirty="0"/>
               <a:t>Installation de senseurs dans la voiture</a:t>
             </a:r>
-            <a:endParaRPr lang="fr-CA" sz="1200" dirty="0"/>
-          </a:p>
-        </p:txBody>
-      </p:sp>
+          </a:p>
+        </p:txBody>
+      </p:sp>
+      <p:pic>
+        <p:nvPicPr>
+          <p:cNvPr id="13" name="Picture 12">
+            <a:extLst>
+              <a:ext uri="{FF2B5EF4-FFF2-40B4-BE49-F238E27FC236}">
+                <a16:creationId xmlns:a16="http://schemas.microsoft.com/office/drawing/2014/main" id="{B0CDF8AB-1545-440E-A956-F5B969C7F168}"/>
+              </a:ext>
+            </a:extLst>
+          </p:cNvPr>
+          <p:cNvPicPr>
+            <a:picLocks noChangeAspect="1"/>
+          </p:cNvPicPr>
+          <p:nvPr/>
+        </p:nvPicPr>
+        <p:blipFill>
+          <a:blip r:embed="rId6">
+            <a:extLst>
+              <a:ext uri="{28A0092B-C50C-407E-A947-70E740481C1C}">
+                <a14:useLocalDpi xmlns:a14="http://schemas.microsoft.com/office/drawing/2010/main" val="0"/>
+              </a:ext>
+            </a:extLst>
+          </a:blip>
+          <a:stretch>
+            <a:fillRect/>
+          </a:stretch>
+        </p:blipFill>
+        <p:spPr>
+          <a:xfrm>
+            <a:off x="827584" y="3534965"/>
+            <a:ext cx="7075135" cy="3088293"/>
+          </a:xfrm>
+          <a:prstGeom prst="rect">
+            <a:avLst/>
+          </a:prstGeom>
+        </p:spPr>
+      </p:pic>
     </p:spTree>
     <p:extLst>
       <p:ext uri="{BB962C8B-B14F-4D97-AF65-F5344CB8AC3E}">
@@ -10833,22 +6344,10 @@
                 <a:solidFill>
                   <a:srgbClr val="FFFFFF"/>
                 </a:solidFill>
-                <a:effectLst/>
                 <a:latin typeface="Arial"/>
                 <a:ea typeface="Times New Roman"/>
               </a:rPr>
-              <a:t>24V DCDC </a:t>
-            </a:r>
-            <a:r>
-              <a:rPr lang="fr-CA" sz="3200" b="1" kern="7200" cap="small" spc="-100" dirty="0" err="1">
-                <a:solidFill>
-                  <a:srgbClr val="FFFFFF"/>
-                </a:solidFill>
-                <a:effectLst/>
-                <a:latin typeface="Arial"/>
-                <a:ea typeface="Times New Roman"/>
-              </a:rPr>
-              <a:t>Converter</a:t>
+              <a:t>Power</a:t>
             </a:r>
             <a:endParaRPr lang="fr-CA" sz="3200" b="1" kern="7200" cap="small" spc="-100" dirty="0">
               <a:solidFill>
@@ -10956,8 +6455,8 @@
         </p:nvSpPr>
         <p:spPr>
           <a:xfrm>
-            <a:off x="457200" y="2636912"/>
-            <a:ext cx="8229600" cy="3960440"/>
+            <a:off x="457200" y="1484784"/>
+            <a:ext cx="8229600" cy="5112568"/>
           </a:xfrm>
         </p:spPr>
         <p:txBody>
@@ -10967,304 +6466,109 @@
           <a:lstStyle/>
           <a:p>
             <a:r>
-              <a:rPr lang="fr-CA" sz="2800" dirty="0"/>
-              <a:t>Changement de modèle :</a:t>
-            </a:r>
-          </a:p>
-          <a:p>
-            <a:pPr lvl="1"/>
-            <a:r>
-              <a:rPr lang="fr-CA" sz="2400" dirty="0"/>
-              <a:t>Plage de tension similaire et compatible : </a:t>
-            </a:r>
-          </a:p>
-          <a:p>
-            <a:pPr lvl="2"/>
-            <a:r>
-              <a:rPr lang="fr-CA" sz="2000" dirty="0"/>
-              <a:t>Entrée : </a:t>
-            </a:r>
-            <a:r>
-              <a:rPr lang="en-CA" sz="2000" dirty="0"/>
-              <a:t>200 – 420 VDC</a:t>
-            </a:r>
-          </a:p>
-          <a:p>
-            <a:pPr lvl="2"/>
-            <a:r>
-              <a:rPr lang="en-CA" sz="2000" dirty="0"/>
-              <a:t>Sortie : 21.6 V – 26.4 VDC Trim</a:t>
-            </a:r>
-          </a:p>
-          <a:p>
-            <a:pPr lvl="1"/>
-            <a:r>
-              <a:rPr lang="fr-CA" sz="2400" dirty="0"/>
-              <a:t>Augmentation de la densité de puissance : </a:t>
-            </a:r>
-          </a:p>
-          <a:p>
-            <a:pPr lvl="2"/>
-            <a:r>
-              <a:rPr lang="en-CA" sz="2000" dirty="0"/>
-              <a:t>100W/in3 à 1239 W/in3</a:t>
-            </a:r>
-          </a:p>
-          <a:p>
-            <a:pPr lvl="1"/>
-            <a:r>
-              <a:rPr lang="fr-CA" sz="2400" dirty="0"/>
-              <a:t>Réduction de la taille</a:t>
-            </a:r>
-          </a:p>
-          <a:p>
-            <a:pPr lvl="2"/>
-            <a:r>
-              <a:rPr lang="fr-CA" sz="2000" dirty="0"/>
-              <a:t>Surfacique : 2.96x</a:t>
-            </a:r>
-          </a:p>
-          <a:p>
-            <a:pPr lvl="2"/>
-            <a:r>
-              <a:rPr lang="fr-CA" sz="2000" dirty="0"/>
-              <a:t>Volumique (incluant </a:t>
-            </a:r>
-            <a:r>
-              <a:rPr lang="fr-CA" sz="2000" dirty="0" err="1"/>
-              <a:t>heatsink</a:t>
-            </a:r>
-            <a:r>
-              <a:rPr lang="fr-CA" sz="2000" dirty="0"/>
-              <a:t> et fan) : 2.11x</a:t>
-            </a:r>
-          </a:p>
-        </p:txBody>
-      </p:sp>
-      <p:grpSp>
-        <p:nvGrpSpPr>
-          <p:cNvPr id="14" name="Groupe 13"/>
-          <p:cNvGrpSpPr/>
-          <p:nvPr/>
-        </p:nvGrpSpPr>
-        <p:grpSpPr>
-          <a:xfrm>
-            <a:off x="1711265" y="965889"/>
-            <a:ext cx="1967205" cy="1671023"/>
-            <a:chOff x="553132" y="1037897"/>
-            <a:chExt cx="1967205" cy="1671023"/>
-          </a:xfrm>
-        </p:grpSpPr>
-        <p:pic>
-          <p:nvPicPr>
-            <p:cNvPr id="1028" name="Picture 4" descr="http://media.digikey.com/Photos/Vicor%20Corporation/MFG_Mini%20Series.jpg"/>
-            <p:cNvPicPr>
-              <a:picLocks noChangeAspect="1" noChangeArrowheads="1"/>
-            </p:cNvPicPr>
-            <p:nvPr/>
-          </p:nvPicPr>
-          <p:blipFill rotWithShape="1">
-            <a:blip r:embed="rId6" cstate="print">
-              <a:extLst>
-                <a:ext uri="{28A0092B-C50C-407E-A947-70E740481C1C}">
-                  <a14:useLocalDpi xmlns:a14="http://schemas.microsoft.com/office/drawing/2010/main" val="0"/>
-                </a:ext>
-              </a:extLst>
-            </a:blip>
-            <a:srcRect l="6295" t="8505" r="6295" b="9838"/>
-            <a:stretch/>
-          </p:blipFill>
-          <p:spPr bwMode="auto">
-            <a:xfrm>
-              <a:off x="831204" y="1037897"/>
-              <a:ext cx="1440000" cy="1345201"/>
-            </a:xfrm>
-            <a:prstGeom prst="rect">
-              <a:avLst/>
-            </a:prstGeom>
-            <a:noFill/>
+              <a:rPr lang="en-US" sz="2800" dirty="0"/>
+              <a:t>5V </a:t>
+            </a:r>
+            <a:r>
+              <a:rPr lang="en-US" sz="2800" dirty="0">
+                <a:sym typeface="Wingdings" panose="05000000000000000000" pitchFamily="2" charset="2"/>
+              </a:rPr>
+              <a:t> </a:t>
+            </a:r>
+            <a:r>
+              <a:rPr lang="en-US" sz="2800" dirty="0" err="1">
+                <a:sym typeface="Wingdings" panose="05000000000000000000" pitchFamily="2" charset="2"/>
+              </a:rPr>
+              <a:t>même</a:t>
+            </a:r>
+            <a:r>
+              <a:rPr lang="en-US" sz="2800" dirty="0">
+                <a:sym typeface="Wingdings" panose="05000000000000000000" pitchFamily="2" charset="2"/>
+              </a:rPr>
+              <a:t> circuit que Slave/TCS</a:t>
+            </a:r>
+          </a:p>
+          <a:p>
+            <a:r>
+              <a:rPr lang="en-US" sz="2800" dirty="0">
+                <a:sym typeface="Wingdings" panose="05000000000000000000" pitchFamily="2" charset="2"/>
+              </a:rPr>
+              <a:t>3.3V  </a:t>
+            </a:r>
+            <a:r>
+              <a:rPr lang="en-US" sz="2800" dirty="0" err="1">
+                <a:sym typeface="Wingdings" panose="05000000000000000000" pitchFamily="2" charset="2"/>
+              </a:rPr>
+              <a:t>même</a:t>
+            </a:r>
+            <a:r>
+              <a:rPr lang="en-US" sz="2800" dirty="0">
+                <a:sym typeface="Wingdings" panose="05000000000000000000" pitchFamily="2" charset="2"/>
+              </a:rPr>
+              <a:t> circuit que Dash/Slave/TCS</a:t>
+            </a:r>
+            <a:endParaRPr lang="fr-CA" sz="2000" dirty="0"/>
+          </a:p>
+        </p:txBody>
+      </p:sp>
+      <p:pic>
+        <p:nvPicPr>
+          <p:cNvPr id="3" name="Picture 2">
             <a:extLst>
-              <a:ext uri="{909E8E84-426E-40DD-AFC4-6F175D3DCCD1}">
-                <a14:hiddenFill xmlns:a14="http://schemas.microsoft.com/office/drawing/2010/main">
-                  <a:solidFill>
-                    <a:srgbClr val="FFFFFF"/>
-                  </a:solidFill>
-                </a14:hiddenFill>
+              <a:ext uri="{FF2B5EF4-FFF2-40B4-BE49-F238E27FC236}">
+                <a16:creationId xmlns:a16="http://schemas.microsoft.com/office/drawing/2014/main" id="{3092F144-1494-4780-A85D-EEEDD68F3583}"/>
               </a:ext>
             </a:extLst>
-          </p:spPr>
-        </p:pic>
-        <p:sp>
-          <p:nvSpPr>
-            <p:cNvPr id="2" name="Rectangle 1"/>
-            <p:cNvSpPr/>
-            <p:nvPr/>
-          </p:nvSpPr>
-          <p:spPr>
-            <a:xfrm>
-              <a:off x="553132" y="2339588"/>
-              <a:ext cx="1967205" cy="369332"/>
-            </a:xfrm>
-            <a:prstGeom prst="rect">
-              <a:avLst/>
-            </a:prstGeom>
-          </p:spPr>
-          <p:txBody>
-            <a:bodyPr wrap="none">
-              <a:spAutoFit/>
-            </a:bodyPr>
-            <a:lstStyle/>
-            <a:p>
-              <a:r>
-                <a:rPr lang="en-CA" dirty="0">
-                  <a:solidFill>
-                    <a:srgbClr val="000000"/>
-                  </a:solidFill>
-                  <a:latin typeface="Arial" panose="020B0604020202020204" pitchFamily="34" charset="0"/>
-                </a:rPr>
-                <a:t>V300B24C250BL</a:t>
-              </a:r>
-              <a:endParaRPr lang="en-CA" b="0" i="0" dirty="0">
-                <a:solidFill>
-                  <a:srgbClr val="000000"/>
-                </a:solidFill>
-                <a:effectLst/>
-                <a:latin typeface="Arial" panose="020B0604020202020204" pitchFamily="34" charset="0"/>
-              </a:endParaRPr>
-            </a:p>
-          </p:txBody>
-        </p:sp>
-      </p:grpSp>
-      <p:cxnSp>
-        <p:nvCxnSpPr>
-          <p:cNvPr id="10" name="Connecteur droit avec flèche 9"/>
-          <p:cNvCxnSpPr/>
+          </p:cNvPr>
+          <p:cNvPicPr>
+            <a:picLocks noChangeAspect="1"/>
+          </p:cNvPicPr>
           <p:nvPr/>
-        </p:nvCxnSpPr>
+        </p:nvPicPr>
+        <p:blipFill rotWithShape="1">
+          <a:blip r:embed="rId6"/>
+          <a:srcRect l="26554" t="48972" r="51867" b="20022"/>
+          <a:stretch/>
+        </p:blipFill>
         <p:spPr>
           <a:xfrm>
-            <a:off x="3641901" y="1690685"/>
-            <a:ext cx="1368152" cy="0"/>
-          </a:xfrm>
-          <a:prstGeom prst="straightConnector1">
+            <a:off x="5178896" y="3444349"/>
+            <a:ext cx="3538736" cy="2858829"/>
+          </a:xfrm>
+          <a:prstGeom prst="rect">
             <a:avLst/>
           </a:prstGeom>
-          <a:ln w="44450">
-            <a:solidFill>
-              <a:schemeClr val="tx1"/>
-            </a:solidFill>
-            <a:tailEnd type="triangle"/>
-          </a:ln>
-        </p:spPr>
-        <p:style>
-          <a:lnRef idx="1">
-            <a:schemeClr val="accent1"/>
-          </a:lnRef>
-          <a:fillRef idx="0">
-            <a:schemeClr val="accent1"/>
-          </a:fillRef>
-          <a:effectRef idx="0">
-            <a:schemeClr val="accent1"/>
-          </a:effectRef>
-          <a:fontRef idx="minor">
-            <a:schemeClr val="tx1"/>
-          </a:fontRef>
-        </p:style>
-      </p:cxnSp>
-      <p:grpSp>
-        <p:nvGrpSpPr>
-          <p:cNvPr id="13" name="Groupe 12"/>
-          <p:cNvGrpSpPr/>
-          <p:nvPr/>
-        </p:nvGrpSpPr>
-        <p:grpSpPr>
-          <a:xfrm>
-            <a:off x="4666362" y="1153531"/>
-            <a:ext cx="2569934" cy="1408495"/>
-            <a:chOff x="3508229" y="1225539"/>
-            <a:chExt cx="2569934" cy="1408495"/>
-          </a:xfrm>
-        </p:grpSpPr>
-        <p:pic>
-          <p:nvPicPr>
-            <p:cNvPr id="1026" name="Picture 2" descr="http://media.digikey.com/Photos/Vicor%20Corporation/MFG_DCM4623.jpg"/>
-            <p:cNvPicPr>
-              <a:picLocks noChangeAspect="1" noChangeArrowheads="1"/>
-            </p:cNvPicPr>
-            <p:nvPr/>
-          </p:nvPicPr>
-          <p:blipFill rotWithShape="1">
-            <a:blip r:embed="rId7" cstate="print">
-              <a:extLst>
-                <a:ext uri="{28A0092B-C50C-407E-A947-70E740481C1C}">
-                  <a14:useLocalDpi xmlns:a14="http://schemas.microsoft.com/office/drawing/2010/main" val="0"/>
-                </a:ext>
-              </a:extLst>
-            </a:blip>
-            <a:srcRect l="1333" t="13298" r="1333" b="13369"/>
-            <a:stretch/>
-          </p:blipFill>
-          <p:spPr bwMode="auto">
-            <a:xfrm>
-              <a:off x="4064484" y="1225539"/>
-              <a:ext cx="1440000" cy="1084930"/>
-            </a:xfrm>
-            <a:prstGeom prst="rect">
-              <a:avLst/>
-            </a:prstGeom>
-            <a:noFill/>
+        </p:spPr>
+      </p:pic>
+      <p:pic>
+        <p:nvPicPr>
+          <p:cNvPr id="18" name="Picture 17">
             <a:extLst>
-              <a:ext uri="{909E8E84-426E-40DD-AFC4-6F175D3DCCD1}">
-                <a14:hiddenFill xmlns:a14="http://schemas.microsoft.com/office/drawing/2010/main">
-                  <a:solidFill>
-                    <a:srgbClr val="FFFFFF"/>
-                  </a:solidFill>
-                </a14:hiddenFill>
+              <a:ext uri="{FF2B5EF4-FFF2-40B4-BE49-F238E27FC236}">
+                <a16:creationId xmlns:a16="http://schemas.microsoft.com/office/drawing/2014/main" id="{F8E61DCF-3129-48CF-9A58-CAAFD9C25052}"/>
               </a:ext>
             </a:extLst>
-          </p:spPr>
-        </p:pic>
-        <p:sp>
-          <p:nvSpPr>
-            <p:cNvPr id="12" name="Rectangle 11"/>
-            <p:cNvSpPr/>
-            <p:nvPr/>
-          </p:nvSpPr>
-          <p:spPr>
-            <a:xfrm>
-              <a:off x="3508229" y="2264702"/>
-              <a:ext cx="2569934" cy="369332"/>
-            </a:xfrm>
-            <a:prstGeom prst="rect">
-              <a:avLst/>
-            </a:prstGeom>
-          </p:spPr>
-          <p:txBody>
-            <a:bodyPr wrap="none">
-              <a:spAutoFit/>
-            </a:bodyPr>
-            <a:lstStyle/>
-            <a:p>
-              <a:r>
-                <a:rPr lang="en-CA" dirty="0">
-                  <a:solidFill>
-                    <a:srgbClr val="000000"/>
-                  </a:solidFill>
-                  <a:latin typeface="Arial" panose="020B0604020202020204" pitchFamily="34" charset="0"/>
-                </a:rPr>
-                <a:t>DCM300P240T600A40</a:t>
-              </a:r>
-              <a:endParaRPr lang="en-CA" b="0" i="0" dirty="0">
-                <a:solidFill>
-                  <a:srgbClr val="000000"/>
-                </a:solidFill>
-                <a:effectLst/>
-                <a:latin typeface="Arial" panose="020B0604020202020204" pitchFamily="34" charset="0"/>
-              </a:endParaRPr>
-            </a:p>
-          </p:txBody>
-        </p:sp>
-      </p:grpSp>
+          </p:cNvPr>
+          <p:cNvPicPr>
+            <a:picLocks noChangeAspect="1"/>
+          </p:cNvPicPr>
+          <p:nvPr/>
+        </p:nvPicPr>
+        <p:blipFill rotWithShape="1">
+          <a:blip r:embed="rId6"/>
+          <a:srcRect l="26371" t="27828" r="51579" b="49761"/>
+          <a:stretch/>
+        </p:blipFill>
+        <p:spPr>
+          <a:xfrm>
+            <a:off x="338595" y="3293933"/>
+            <a:ext cx="4302009" cy="2458293"/>
+          </a:xfrm>
+          <a:prstGeom prst="rect">
+            <a:avLst/>
+          </a:prstGeom>
+        </p:spPr>
+      </p:pic>
     </p:spTree>
     <p:extLst>
       <p:ext uri="{BB962C8B-B14F-4D97-AF65-F5344CB8AC3E}">
@@ -11482,7 +6786,7 @@
         </p:nvSpPr>
         <p:spPr bwMode="auto">
           <a:xfrm>
-            <a:off x="1698625" y="283627"/>
+            <a:off x="1650281" y="283582"/>
             <a:ext cx="5746750" cy="553085"/>
           </a:xfrm>
           <a:prstGeom prst="rect">
@@ -11534,22 +6838,10 @@
                 <a:solidFill>
                   <a:srgbClr val="FFFFFF"/>
                 </a:solidFill>
-                <a:effectLst/>
                 <a:latin typeface="Arial"/>
                 <a:ea typeface="Times New Roman"/>
               </a:rPr>
-              <a:t>24V DCDC </a:t>
-            </a:r>
-            <a:r>
-              <a:rPr lang="fr-CA" sz="3200" b="1" kern="7200" cap="small" spc="-100" dirty="0" err="1">
-                <a:solidFill>
-                  <a:srgbClr val="FFFFFF"/>
-                </a:solidFill>
-                <a:effectLst/>
-                <a:latin typeface="Arial"/>
-                <a:ea typeface="Times New Roman"/>
-              </a:rPr>
-              <a:t>Converter</a:t>
+              <a:t>Power</a:t>
             </a:r>
             <a:endParaRPr lang="fr-CA" sz="3200" b="1" kern="7200" cap="small" spc="-100" dirty="0">
               <a:solidFill>
@@ -11657,180 +6949,88 @@
         </p:nvSpPr>
         <p:spPr>
           <a:xfrm>
-            <a:off x="35496" y="1600200"/>
-            <a:ext cx="9073008" cy="4525963"/>
+            <a:off x="457200" y="1484784"/>
+            <a:ext cx="8229600" cy="5112568"/>
           </a:xfrm>
         </p:spPr>
         <p:txBody>
           <a:bodyPr>
-            <a:normAutofit fontScale="92500" lnSpcReduction="10000"/>
+            <a:normAutofit/>
           </a:bodyPr>
           <a:lstStyle/>
           <a:p>
             <a:r>
-              <a:rPr lang="fr-CA" dirty="0"/>
-              <a:t>Sélection du </a:t>
-            </a:r>
-            <a:r>
-              <a:rPr lang="fr-CA" dirty="0" err="1"/>
-              <a:t>heatsink</a:t>
-            </a:r>
-            <a:r>
-              <a:rPr lang="fr-CA" dirty="0"/>
-              <a:t> et de la fan :</a:t>
-            </a:r>
-          </a:p>
-          <a:p>
-            <a:pPr lvl="1"/>
-            <a:r>
-              <a:rPr lang="fr-CA" dirty="0"/>
-              <a:t>Simulation thermique </a:t>
-            </a:r>
-            <a:r>
-              <a:rPr lang="fr-CA" dirty="0" err="1"/>
-              <a:t>Vicor</a:t>
-            </a:r>
-            <a:r>
-              <a:rPr lang="fr-CA" dirty="0"/>
-              <a:t> </a:t>
-            </a:r>
-            <a:r>
-              <a:rPr lang="fr-CA" dirty="0" err="1"/>
-              <a:t>PowerBench</a:t>
-            </a:r>
-            <a:r>
-              <a:rPr lang="fr-CA" dirty="0"/>
-              <a:t> :</a:t>
-            </a:r>
-          </a:p>
-          <a:p>
-            <a:pPr lvl="2"/>
-            <a:r>
-              <a:rPr lang="fr-CA" dirty="0" err="1"/>
-              <a:t>Worst</a:t>
-            </a:r>
-            <a:r>
-              <a:rPr lang="fr-CA" dirty="0"/>
-              <a:t> Case Scenario Utilisé :</a:t>
-            </a:r>
-          </a:p>
-          <a:p>
-            <a:pPr lvl="3"/>
-            <a:r>
-              <a:rPr lang="fr-CA" dirty="0"/>
-              <a:t>Température de l’air ambiant : 60C.</a:t>
-            </a:r>
-          </a:p>
-          <a:p>
-            <a:pPr lvl="3"/>
-            <a:r>
-              <a:rPr lang="fr-CA" dirty="0"/>
-              <a:t>Consommation Constante : 10A @ 25VDC.</a:t>
-            </a:r>
-          </a:p>
-          <a:p>
-            <a:pPr lvl="3"/>
-            <a:r>
-              <a:rPr lang="fr-CA" dirty="0"/>
-              <a:t>Tension d’entrée : 300VDC.</a:t>
-            </a:r>
-          </a:p>
-          <a:p>
-            <a:pPr lvl="2"/>
-            <a:r>
-              <a:rPr lang="fr-CA" dirty="0"/>
-              <a:t>Résultat :</a:t>
-            </a:r>
-          </a:p>
-          <a:p>
-            <a:pPr lvl="3"/>
-            <a:r>
-              <a:rPr lang="fr-CA" dirty="0"/>
-              <a:t>Avec le plus petit </a:t>
-            </a:r>
-            <a:r>
-              <a:rPr lang="fr-CA" dirty="0" err="1"/>
-              <a:t>heatsink</a:t>
-            </a:r>
-            <a:r>
-              <a:rPr lang="fr-CA" dirty="0"/>
-              <a:t> (Top, Transverse, 11mm) et une fan de 60x60x25mm @ </a:t>
-            </a:r>
-            <a:r>
-              <a:rPr lang="en-CA" dirty="0"/>
-              <a:t>33.0 CFM.</a:t>
-            </a:r>
-            <a:endParaRPr lang="fr-CA" dirty="0"/>
-          </a:p>
-          <a:p>
-            <a:pPr lvl="4"/>
-            <a:r>
-              <a:rPr lang="fr-CA" dirty="0"/>
-              <a:t>Température constante de : 119C &lt; 125C.</a:t>
-            </a:r>
-          </a:p>
-          <a:p>
-            <a:pPr lvl="3"/>
-            <a:r>
-              <a:rPr lang="fr-CA" dirty="0"/>
-              <a:t>Solution si Surchauffe trop : </a:t>
-            </a:r>
-          </a:p>
-          <a:p>
-            <a:pPr lvl="4"/>
-            <a:r>
-              <a:rPr lang="fr-CA" dirty="0" err="1"/>
-              <a:t>Heatsink</a:t>
-            </a:r>
-            <a:r>
-              <a:rPr lang="fr-CA" dirty="0"/>
-              <a:t> 19mm Top Transverse disponible : 107C avec même air flow.</a:t>
-            </a:r>
-          </a:p>
-          <a:p>
-            <a:pPr lvl="4"/>
-            <a:r>
-              <a:rPr lang="fr-CA" dirty="0"/>
-              <a:t>Fan de 60x60x38mm @ </a:t>
-            </a:r>
-            <a:r>
-              <a:rPr lang="en-CA" dirty="0"/>
-              <a:t>86.0 CFM : </a:t>
-            </a:r>
-            <a:r>
-              <a:rPr lang="en-CA" dirty="0" err="1"/>
-              <a:t>Dépasse</a:t>
-            </a:r>
-            <a:r>
-              <a:rPr lang="en-CA" dirty="0"/>
-              <a:t> la lim. air flow du sim.</a:t>
-            </a:r>
-            <a:endParaRPr lang="fr-CA" dirty="0"/>
-          </a:p>
-          <a:p>
-            <a:pPr lvl="4"/>
-            <a:endParaRPr lang="fr-CA" dirty="0"/>
-          </a:p>
-          <a:p>
-            <a:pPr lvl="3"/>
-            <a:endParaRPr lang="fr-CA" dirty="0"/>
-          </a:p>
-          <a:p>
-            <a:pPr marL="1371600" lvl="3" indent="0">
-              <a:buNone/>
-            </a:pPr>
-            <a:endParaRPr lang="fr-CA" dirty="0"/>
-          </a:p>
-          <a:p>
-            <a:pPr lvl="3"/>
-            <a:endParaRPr lang="fr-CA" dirty="0"/>
-          </a:p>
-        </p:txBody>
-      </p:sp>
+              <a:rPr lang="en-US" sz="2800" dirty="0" err="1"/>
+              <a:t>Besoin</a:t>
+            </a:r>
+            <a:r>
+              <a:rPr lang="en-US" sz="2800" dirty="0"/>
+              <a:t> de 1.8V pour </a:t>
+            </a:r>
+            <a:r>
+              <a:rPr lang="en-US" sz="2800" dirty="0" err="1"/>
+              <a:t>l’accéléromètre</a:t>
+            </a:r>
+            <a:endParaRPr lang="en-US" sz="2800" dirty="0"/>
+          </a:p>
+          <a:p>
+            <a:r>
+              <a:rPr lang="en-US" sz="2800" dirty="0"/>
+              <a:t>TLV70018QDDR-Q1 (automotive, TI)</a:t>
+            </a:r>
+          </a:p>
+          <a:p>
+            <a:r>
+              <a:rPr lang="en-US" sz="2800" dirty="0"/>
+              <a:t>Max: 200mA. </a:t>
+            </a:r>
+            <a:r>
+              <a:rPr lang="en-US" sz="2800" dirty="0" err="1"/>
+              <a:t>Besoin</a:t>
+            </a:r>
+            <a:r>
+              <a:rPr lang="en-US" sz="2800" dirty="0"/>
+              <a:t> de 5mA…</a:t>
+            </a:r>
+          </a:p>
+          <a:p>
+            <a:endParaRPr lang="en-US" sz="2800" dirty="0"/>
+          </a:p>
+        </p:txBody>
+      </p:sp>
+      <p:pic>
+        <p:nvPicPr>
+          <p:cNvPr id="18" name="Picture 17">
+            <a:extLst>
+              <a:ext uri="{FF2B5EF4-FFF2-40B4-BE49-F238E27FC236}">
+                <a16:creationId xmlns:a16="http://schemas.microsoft.com/office/drawing/2014/main" id="{F8E61DCF-3129-48CF-9A58-CAAFD9C25052}"/>
+              </a:ext>
+            </a:extLst>
+          </p:cNvPr>
+          <p:cNvPicPr>
+            <a:picLocks noChangeAspect="1"/>
+          </p:cNvPicPr>
+          <p:nvPr/>
+        </p:nvPicPr>
+        <p:blipFill rotWithShape="1">
+          <a:blip r:embed="rId6"/>
+          <a:srcRect l="48137" t="49235" r="25446" b="21881"/>
+          <a:stretch/>
+        </p:blipFill>
+        <p:spPr>
+          <a:xfrm>
+            <a:off x="1794297" y="3212976"/>
+            <a:ext cx="5153967" cy="3168351"/>
+          </a:xfrm>
+          <a:prstGeom prst="rect">
+            <a:avLst/>
+          </a:prstGeom>
+        </p:spPr>
+      </p:pic>
     </p:spTree>
     <p:extLst>
       <p:ext uri="{BB962C8B-B14F-4D97-AF65-F5344CB8AC3E}">
-        <p14:creationId xmlns:p14="http://schemas.microsoft.com/office/powerpoint/2010/main" val="3517008050"/>
+        <p14:creationId xmlns:p14="http://schemas.microsoft.com/office/powerpoint/2010/main" val="2566840748"/>
       </p:ext>
     </p:extLst>
   </p:cSld>
@@ -12100,27 +7300,8 @@
                 <a:latin typeface="Arial"/>
                 <a:ea typeface="Times New Roman"/>
               </a:rPr>
-              <a:t>24V DCDC </a:t>
-            </a:r>
-            <a:r>
-              <a:rPr lang="fr-CA" sz="3200" b="1" kern="7200" cap="small" spc="-100" dirty="0" err="1">
-                <a:solidFill>
-                  <a:srgbClr val="FFFFFF"/>
-                </a:solidFill>
-                <a:effectLst/>
-                <a:latin typeface="Arial"/>
-                <a:ea typeface="Times New Roman"/>
-              </a:rPr>
-              <a:t>Converter</a:t>
-            </a:r>
-            <a:endParaRPr lang="fr-CA" sz="3200" b="1" kern="7200" cap="small" spc="-100" dirty="0">
-              <a:solidFill>
-                <a:srgbClr val="FFFFFF"/>
-              </a:solidFill>
-              <a:effectLst/>
-              <a:latin typeface="Arial"/>
-              <a:ea typeface="Times New Roman"/>
-            </a:endParaRPr>
+              <a:t>CAN</a:t>
+            </a:r>
           </a:p>
           <a:p>
             <a:pPr algn="ctr">
@@ -12209,7 +7390,7 @@
       </p:pic>
       <p:sp>
         <p:nvSpPr>
-          <p:cNvPr id="2" name="Espace réservé du contenu 1"/>
+          <p:cNvPr id="4" name="Content Placeholder 3"/>
           <p:cNvSpPr>
             <a:spLocks noGrp="1"/>
           </p:cNvSpPr>
@@ -12217,18 +7398,99 @@
             <p:ph idx="1"/>
           </p:nvPr>
         </p:nvSpPr>
-        <p:spPr/>
-        <p:txBody>
-          <a:bodyPr/>
+        <p:spPr>
+          <a:xfrm>
+            <a:off x="395536" y="1600200"/>
+            <a:ext cx="8712968" cy="4525963"/>
+          </a:xfrm>
+        </p:spPr>
+        <p:txBody>
+          <a:bodyPr>
+            <a:normAutofit/>
+          </a:bodyPr>
           <a:lstStyle/>
           <a:p>
-            <a:endParaRPr lang="en-CA"/>
+            <a:r>
+              <a:rPr lang="en-US" dirty="0" err="1"/>
+              <a:t>Pareil</a:t>
+            </a:r>
+            <a:r>
+              <a:rPr lang="en-US" dirty="0"/>
+              <a:t> que le Dash v3, qui </a:t>
+            </a:r>
+            <a:r>
+              <a:rPr lang="en-US" dirty="0" err="1"/>
+              <a:t>fonctionnait</a:t>
+            </a:r>
+            <a:r>
+              <a:rPr lang="en-US" dirty="0"/>
+              <a:t> </a:t>
+            </a:r>
+            <a:r>
+              <a:rPr lang="en-US" dirty="0" err="1"/>
+              <a:t>très</a:t>
+            </a:r>
+            <a:r>
+              <a:rPr lang="en-US" dirty="0"/>
+              <a:t> bien</a:t>
+            </a:r>
+          </a:p>
+          <a:p>
+            <a:r>
+              <a:rPr lang="en-US" dirty="0" err="1"/>
+              <a:t>Besoin</a:t>
+            </a:r>
+            <a:r>
+              <a:rPr lang="en-US" dirty="0"/>
+              <a:t> des </a:t>
+            </a:r>
+            <a:r>
+              <a:rPr lang="en-US" dirty="0" err="1"/>
+              <a:t>résistances</a:t>
+            </a:r>
+            <a:r>
+              <a:rPr lang="en-US" dirty="0"/>
+              <a:t> de </a:t>
+            </a:r>
+            <a:r>
+              <a:rPr lang="en-US" dirty="0" err="1"/>
+              <a:t>terminaison</a:t>
+            </a:r>
+            <a:r>
+              <a:rPr lang="en-US" dirty="0"/>
+              <a:t>?</a:t>
+            </a:r>
+            <a:endParaRPr lang="fr-CA" dirty="0"/>
+          </a:p>
+          <a:p>
+            <a:pPr lvl="4"/>
+            <a:endParaRPr lang="fr-CA" dirty="0"/>
+          </a:p>
+          <a:p>
+            <a:pPr lvl="3"/>
+            <a:endParaRPr lang="fr-CA" dirty="0"/>
+          </a:p>
+          <a:p>
+            <a:pPr marL="1371600" lvl="3" indent="0">
+              <a:buNone/>
+            </a:pPr>
+            <a:endParaRPr lang="fr-CA" dirty="0"/>
+          </a:p>
+          <a:p>
+            <a:pPr lvl="3"/>
+            <a:endParaRPr lang="fr-CA" dirty="0"/>
           </a:p>
         </p:txBody>
       </p:sp>
       <p:pic>
         <p:nvPicPr>
-          <p:cNvPr id="3" name="Image 2"/>
+          <p:cNvPr id="2" name="Picture 1">
+            <a:extLst>
+              <a:ext uri="{FF2B5EF4-FFF2-40B4-BE49-F238E27FC236}">
+                <a16:creationId xmlns:a16="http://schemas.microsoft.com/office/drawing/2014/main" id="{057F562B-2086-4278-9E72-11C3601BE885}"/>
+              </a:ext>
+            </a:extLst>
+          </p:cNvPr>
           <p:cNvPicPr>
             <a:picLocks noChangeAspect="1"/>
           </p:cNvPicPr>
@@ -12236,13 +7498,13 @@
         </p:nvPicPr>
         <p:blipFill rotWithShape="1">
           <a:blip r:embed="rId6"/>
-          <a:srcRect l="3434" r="3643"/>
+          <a:srcRect l="29137" t="32215" r="29913" b="23701"/>
           <a:stretch/>
         </p:blipFill>
         <p:spPr>
           <a:xfrm>
-            <a:off x="323528" y="1232897"/>
-            <a:ext cx="8496944" cy="5099538"/>
+            <a:off x="1690308" y="2988188"/>
+            <a:ext cx="5473979" cy="3313137"/>
           </a:xfrm>
           <a:prstGeom prst="rect">
             <a:avLst/>
@@ -12252,7 +7514,7 @@
     </p:spTree>
     <p:extLst>
       <p:ext uri="{BB962C8B-B14F-4D97-AF65-F5344CB8AC3E}">
-        <p14:creationId xmlns:p14="http://schemas.microsoft.com/office/powerpoint/2010/main" val="3076039954"/>
+        <p14:creationId xmlns:p14="http://schemas.microsoft.com/office/powerpoint/2010/main" val="3517008050"/>
       </p:ext>
     </p:extLst>
   </p:cSld>
@@ -12522,27 +7784,8 @@
                 <a:latin typeface="Arial"/>
                 <a:ea typeface="Times New Roman"/>
               </a:rPr>
-              <a:t>24V DCDC </a:t>
-            </a:r>
-            <a:r>
-              <a:rPr lang="fr-CA" sz="3200" b="1" kern="7200" cap="small" spc="-100" dirty="0" err="1">
-                <a:solidFill>
-                  <a:srgbClr val="FFFFFF"/>
-                </a:solidFill>
-                <a:effectLst/>
-                <a:latin typeface="Arial"/>
-                <a:ea typeface="Times New Roman"/>
-              </a:rPr>
-              <a:t>Converter</a:t>
-            </a:r>
-            <a:endParaRPr lang="fr-CA" sz="3200" b="1" kern="7200" cap="small" spc="-100" dirty="0">
-              <a:solidFill>
-                <a:srgbClr val="FFFFFF"/>
-              </a:solidFill>
-              <a:effectLst/>
-              <a:latin typeface="Arial"/>
-              <a:ea typeface="Times New Roman"/>
-            </a:endParaRPr>
+              <a:t>Carte SD</a:t>
+            </a:r>
           </a:p>
           <a:p>
             <a:pPr algn="ctr">
@@ -12629,25 +7872,80 @@
           </a:ln>
         </p:spPr>
       </p:pic>
-      <p:pic>
-        <p:nvPicPr>
-          <p:cNvPr id="4" name="Espace réservé du contenu 3"/>
-          <p:cNvPicPr>
-            <a:picLocks noGrp="1" noChangeAspect="1"/>
-          </p:cNvPicPr>
+      <p:sp>
+        <p:nvSpPr>
+          <p:cNvPr id="4" name="Content Placeholder 3"/>
+          <p:cNvSpPr>
+            <a:spLocks noGrp="1"/>
+          </p:cNvSpPr>
           <p:nvPr>
             <p:ph idx="1"/>
           </p:nvPr>
+        </p:nvSpPr>
+        <p:spPr>
+          <a:xfrm>
+            <a:off x="467544" y="1600200"/>
+            <a:ext cx="8352928" cy="4525963"/>
+          </a:xfrm>
+        </p:spPr>
+        <p:txBody>
+          <a:bodyPr>
+            <a:normAutofit/>
+          </a:bodyPr>
+          <a:lstStyle/>
+          <a:p>
+            <a:r>
+              <a:rPr lang="en-US" dirty="0" err="1"/>
+              <a:t>Même</a:t>
+            </a:r>
+            <a:r>
+              <a:rPr lang="en-US" dirty="0"/>
+              <a:t> circuit que v2</a:t>
+            </a:r>
+          </a:p>
+          <a:p>
+            <a:pPr lvl="4"/>
+            <a:endParaRPr lang="fr-CA" dirty="0"/>
+          </a:p>
+          <a:p>
+            <a:pPr lvl="3"/>
+            <a:endParaRPr lang="fr-CA" dirty="0"/>
+          </a:p>
+          <a:p>
+            <a:pPr marL="1371600" lvl="3" indent="0">
+              <a:buNone/>
+            </a:pPr>
+            <a:endParaRPr lang="fr-CA" dirty="0"/>
+          </a:p>
+          <a:p>
+            <a:pPr lvl="3"/>
+            <a:endParaRPr lang="fr-CA" dirty="0"/>
+          </a:p>
+        </p:txBody>
+      </p:sp>
+      <p:pic>
+        <p:nvPicPr>
+          <p:cNvPr id="3" name="Picture 2">
+            <a:extLst>
+              <a:ext uri="{FF2B5EF4-FFF2-40B4-BE49-F238E27FC236}">
+                <a16:creationId xmlns:a16="http://schemas.microsoft.com/office/drawing/2014/main" id="{3ABE3ACA-1B5D-4E55-81D6-A7DA29BA4152}"/>
+              </a:ext>
+            </a:extLst>
+          </p:cNvPr>
+          <p:cNvPicPr>
+            <a:picLocks noChangeAspect="1"/>
+          </p:cNvPicPr>
+          <p:nvPr/>
         </p:nvPicPr>
         <p:blipFill rotWithShape="1">
           <a:blip r:embed="rId6"/>
-          <a:srcRect t="313"/>
+          <a:srcRect l="33747" t="33192" r="37400" b="28990"/>
           <a:stretch/>
         </p:blipFill>
         <p:spPr>
           <a:xfrm>
-            <a:off x="72000" y="1609722"/>
-            <a:ext cx="9000000" cy="3638557"/>
+            <a:off x="1376857" y="2688583"/>
+            <a:ext cx="5290259" cy="3898434"/>
           </a:xfrm>
           <a:prstGeom prst="rect">
             <a:avLst/>
@@ -12657,7 +7955,7 @@
     </p:spTree>
     <p:extLst>
       <p:ext uri="{BB962C8B-B14F-4D97-AF65-F5344CB8AC3E}">
-        <p14:creationId xmlns:p14="http://schemas.microsoft.com/office/powerpoint/2010/main" val="1757095028"/>
+        <p14:creationId xmlns:p14="http://schemas.microsoft.com/office/powerpoint/2010/main" val="779878951"/>
       </p:ext>
     </p:extLst>
   </p:cSld>
@@ -12927,7 +8225,7 @@
                 <a:latin typeface="Arial"/>
                 <a:ea typeface="Times New Roman"/>
               </a:rPr>
-              <a:t>LV </a:t>
+              <a:t>Module </a:t>
             </a:r>
             <a:r>
               <a:rPr lang="fr-CA" sz="3200" b="1" kern="7200" cap="small" spc="-100" dirty="0" err="1">
@@ -12938,19 +8236,16 @@
                 <a:latin typeface="Arial"/>
                 <a:ea typeface="Times New Roman"/>
               </a:rPr>
-              <a:t>Battery</a:t>
-            </a:r>
-            <a:r>
-              <a:rPr lang="fr-CA" sz="3200" b="1" kern="7200" cap="small" spc="-100" dirty="0">
-                <a:solidFill>
-                  <a:srgbClr val="FFFFFF"/>
-                </a:solidFill>
-                <a:effectLst/>
-                <a:latin typeface="Arial"/>
-                <a:ea typeface="Times New Roman"/>
-              </a:rPr>
-              <a:t> Charge Circuit</a:t>
-            </a:r>
+              <a:t>WiFi</a:t>
+            </a:r>
+            <a:endParaRPr lang="fr-CA" sz="3200" b="1" kern="7200" cap="small" spc="-100" dirty="0">
+              <a:solidFill>
+                <a:srgbClr val="FFFFFF"/>
+              </a:solidFill>
+              <a:effectLst/>
+              <a:latin typeface="Arial"/>
+              <a:ea typeface="Times New Roman"/>
+            </a:endParaRPr>
           </a:p>
           <a:p>
             <a:pPr algn="ctr">
@@ -13049,8 +8344,8 @@
         </p:nvSpPr>
         <p:spPr>
           <a:xfrm>
-            <a:off x="35496" y="1600200"/>
-            <a:ext cx="9073008" cy="4525963"/>
+            <a:off x="467544" y="1600200"/>
+            <a:ext cx="7056784" cy="4525963"/>
           </a:xfrm>
         </p:spPr>
         <p:txBody>
@@ -13060,117 +8355,128 @@
           <a:lstStyle/>
           <a:p>
             <a:r>
-              <a:rPr lang="fr-CA" sz="2800" dirty="0"/>
-              <a:t>Amélioration de la solution que l’année passée:</a:t>
-            </a:r>
-          </a:p>
-          <a:p>
-            <a:pPr lvl="1"/>
-            <a:r>
-              <a:rPr lang="fr-CA" sz="2400" dirty="0"/>
-              <a:t>Ajout d’une diode pour empêcher les fuites au travers du DCDC.</a:t>
-            </a:r>
+              <a:rPr lang="en-US" dirty="0"/>
+              <a:t>Digi </a:t>
+            </a:r>
+            <a:r>
+              <a:rPr lang="en-US" dirty="0" err="1"/>
+              <a:t>XBee</a:t>
+            </a:r>
+            <a:r>
+              <a:rPr lang="en-US" dirty="0"/>
+              <a:t> Wi-Fi</a:t>
+            </a:r>
+          </a:p>
+          <a:p>
+            <a:r>
+              <a:rPr lang="en-US" dirty="0" err="1"/>
+              <a:t>Investiguer</a:t>
+            </a:r>
+            <a:r>
+              <a:rPr lang="en-US" dirty="0"/>
+              <a:t> </a:t>
+            </a:r>
+            <a:r>
+              <a:rPr lang="en-US" dirty="0" err="1"/>
+              <a:t>pourquoi</a:t>
+            </a:r>
+            <a:r>
+              <a:rPr lang="en-US" dirty="0"/>
+              <a:t> v2 ne </a:t>
+            </a:r>
+            <a:r>
+              <a:rPr lang="en-US" dirty="0" err="1"/>
+              <a:t>fonctionnait</a:t>
+            </a:r>
+            <a:r>
+              <a:rPr lang="en-US" dirty="0"/>
+              <a:t> pas </a:t>
+            </a:r>
+            <a:r>
+              <a:rPr lang="en-US" dirty="0">
+                <a:sym typeface="Wingdings" panose="05000000000000000000" pitchFamily="2" charset="2"/>
+              </a:rPr>
+              <a:t> </a:t>
+            </a:r>
+            <a:r>
+              <a:rPr lang="en-US" dirty="0" err="1">
+                <a:sym typeface="Wingdings" panose="05000000000000000000" pitchFamily="2" charset="2"/>
+              </a:rPr>
+              <a:t>sûrement</a:t>
+            </a:r>
+            <a:r>
+              <a:rPr lang="en-US" dirty="0">
+                <a:sym typeface="Wingdings" panose="05000000000000000000" pitchFamily="2" charset="2"/>
+              </a:rPr>
+              <a:t> software</a:t>
+            </a:r>
+            <a:endParaRPr lang="fr-CA" dirty="0"/>
+          </a:p>
+          <a:p>
+            <a:pPr lvl="3"/>
+            <a:endParaRPr lang="fr-CA" dirty="0"/>
+          </a:p>
+          <a:p>
+            <a:pPr marL="1371600" lvl="3" indent="0">
+              <a:buNone/>
+            </a:pPr>
+            <a:endParaRPr lang="fr-CA" dirty="0"/>
+          </a:p>
+          <a:p>
+            <a:pPr lvl="3"/>
+            <a:endParaRPr lang="fr-CA" dirty="0"/>
           </a:p>
         </p:txBody>
       </p:sp>
       <p:pic>
         <p:nvPicPr>
-          <p:cNvPr id="2" name="Image 1"/>
+          <p:cNvPr id="1028" name="Picture 4" descr="XBee Wi-Fi">
+            <a:extLst>
+              <a:ext uri="{FF2B5EF4-FFF2-40B4-BE49-F238E27FC236}">
+                <a16:creationId xmlns:a16="http://schemas.microsoft.com/office/drawing/2014/main" id="{2D316D24-2D67-4033-AE5B-5C23887506DD}"/>
+              </a:ext>
+            </a:extLst>
+          </p:cNvPr>
           <p:cNvPicPr>
-            <a:picLocks noChangeAspect="1"/>
+            <a:picLocks noChangeAspect="1" noChangeArrowheads="1"/>
           </p:cNvPicPr>
           <p:nvPr/>
         </p:nvPicPr>
-        <p:blipFill>
-          <a:blip r:embed="rId6"/>
-          <a:stretch>
-            <a:fillRect/>
-          </a:stretch>
+        <p:blipFill rotWithShape="1">
+          <a:blip r:embed="rId6">
+            <a:extLst>
+              <a:ext uri="{28A0092B-C50C-407E-A947-70E740481C1C}">
+                <a14:useLocalDpi xmlns:a14="http://schemas.microsoft.com/office/drawing/2010/main" val="0"/>
+              </a:ext>
+            </a:extLst>
+          </a:blip>
+          <a:srcRect l="39605"/>
+          <a:stretch/>
         </p:blipFill>
-        <p:spPr>
+        <p:spPr bwMode="auto">
           <a:xfrm>
-            <a:off x="251520" y="3140968"/>
-            <a:ext cx="4711625" cy="2985195"/>
-          </a:xfrm>
-          <a:prstGeom prst="rect">
-            <a:avLst/>
-          </a:prstGeom>
-        </p:spPr>
-      </p:pic>
-      <p:pic>
-        <p:nvPicPr>
-          <p:cNvPr id="3" name="Image 2"/>
-          <p:cNvPicPr>
-            <a:picLocks noChangeAspect="1"/>
-          </p:cNvPicPr>
-          <p:nvPr/>
-        </p:nvPicPr>
-        <p:blipFill>
-          <a:blip r:embed="rId7"/>
-          <a:stretch>
-            <a:fillRect/>
-          </a:stretch>
-        </p:blipFill>
-        <p:spPr>
-          <a:xfrm>
-            <a:off x="5163010" y="3140968"/>
-            <a:ext cx="3737992" cy="1887686"/>
-          </a:xfrm>
-          <a:prstGeom prst="rect">
-            <a:avLst/>
-          </a:prstGeom>
-        </p:spPr>
-      </p:pic>
-      <p:sp>
-        <p:nvSpPr>
-          <p:cNvPr id="10" name="Rectangle 9"/>
-          <p:cNvSpPr/>
-          <p:nvPr/>
-        </p:nvSpPr>
-        <p:spPr>
-          <a:xfrm>
-            <a:off x="7308304" y="4437112"/>
-            <a:ext cx="1592698" cy="591542"/>
+            <a:off x="2483768" y="3620095"/>
+            <a:ext cx="3403903" cy="2958943"/>
           </a:xfrm>
           <a:prstGeom prst="rect">
             <a:avLst/>
           </a:prstGeom>
           <a:noFill/>
-          <a:ln>
-            <a:solidFill>
-              <a:srgbClr val="FF0000"/>
-            </a:solidFill>
-          </a:ln>
-        </p:spPr>
-        <p:style>
-          <a:lnRef idx="2">
-            <a:schemeClr val="accent1">
-              <a:shade val="50000"/>
-            </a:schemeClr>
-          </a:lnRef>
-          <a:fillRef idx="1">
-            <a:schemeClr val="accent1"/>
-          </a:fillRef>
-          <a:effectRef idx="0">
-            <a:schemeClr val="accent1"/>
-          </a:effectRef>
-          <a:fontRef idx="minor">
-            <a:schemeClr val="lt1"/>
-          </a:fontRef>
-        </p:style>
-        <p:txBody>
-          <a:bodyPr rtlCol="0" anchor="ctr"/>
-          <a:lstStyle/>
-          <a:p>
-            <a:pPr algn="ctr"/>
-            <a:endParaRPr lang="en-CA"/>
-          </a:p>
-        </p:txBody>
-      </p:sp>
+          <a:extLst>
+            <a:ext uri="{909E8E84-426E-40DD-AFC4-6F175D3DCCD1}">
+              <a14:hiddenFill xmlns:a14="http://schemas.microsoft.com/office/drawing/2010/main">
+                <a:solidFill>
+                  <a:srgbClr val="FFFFFF"/>
+                </a:solidFill>
+              </a14:hiddenFill>
+            </a:ext>
+          </a:extLst>
+        </p:spPr>
+      </p:pic>
     </p:spTree>
     <p:extLst>
       <p:ext uri="{BB962C8B-B14F-4D97-AF65-F5344CB8AC3E}">
-        <p14:creationId xmlns:p14="http://schemas.microsoft.com/office/powerpoint/2010/main" val="1563820090"/>
+        <p14:creationId xmlns:p14="http://schemas.microsoft.com/office/powerpoint/2010/main" val="232303826"/>
       </p:ext>
     </p:extLst>
   </p:cSld>
@@ -13432,17 +8738,6 @@
               </a:spcAft>
             </a:pPr>
             <a:r>
-              <a:rPr lang="fr-CA" sz="3200" b="1" kern="7200" cap="small" spc="-100" dirty="0" err="1">
-                <a:solidFill>
-                  <a:srgbClr val="FFFFFF"/>
-                </a:solidFill>
-                <a:effectLst/>
-                <a:latin typeface="Arial"/>
-                <a:ea typeface="Times New Roman"/>
-              </a:rPr>
-              <a:t>Other</a:t>
-            </a:r>
-            <a:r>
               <a:rPr lang="fr-CA" sz="3200" b="1" kern="7200" cap="small" spc="-100" dirty="0">
                 <a:solidFill>
                   <a:srgbClr val="FFFFFF"/>
@@ -13451,7 +8746,29 @@
                 <a:latin typeface="Arial"/>
                 <a:ea typeface="Times New Roman"/>
               </a:rPr>
-              <a:t> LV Power Supplies</a:t>
+              <a:t>GPS</a:t>
+            </a:r>
+          </a:p>
+          <a:p>
+            <a:pPr algn="ctr">
+              <a:lnSpc>
+                <a:spcPct val="115000"/>
+              </a:lnSpc>
+              <a:spcBef>
+                <a:spcPts val="300"/>
+              </a:spcBef>
+              <a:spcAft>
+                <a:spcPts val="1000"/>
+              </a:spcAft>
+            </a:pPr>
+            <a:r>
+              <a:rPr lang="fr-CA" sz="2600" b="1" cap="small" dirty="0">
+                <a:effectLst/>
+                <a:latin typeface="Arial"/>
+                <a:ea typeface="Times New Roman"/>
+                <a:cs typeface="Arial"/>
+              </a:rPr>
+              <a:t> </a:t>
             </a:r>
             <a:endParaRPr lang="fr-CA" sz="1100" dirty="0">
               <a:effectLst/>
@@ -13459,6 +8776,28 @@
               <a:ea typeface="Times New Roman"/>
               <a:cs typeface="Times New Roman"/>
             </a:endParaRPr>
+          </a:p>
+          <a:p>
+            <a:pPr>
+              <a:lnSpc>
+                <a:spcPct val="115000"/>
+              </a:lnSpc>
+              <a:spcBef>
+                <a:spcPts val="300"/>
+              </a:spcBef>
+              <a:spcAft>
+                <a:spcPts val="1000"/>
+              </a:spcAft>
+            </a:pPr>
+            <a:r>
+              <a:rPr lang="fr-CA" sz="1100" dirty="0">
+                <a:effectLst/>
+                <a:latin typeface="Arial"/>
+                <a:ea typeface="Times New Roman"/>
+                <a:cs typeface="Times New Roman"/>
+              </a:rPr>
+              <a:t> </a:t>
+            </a:r>
           </a:p>
         </p:txBody>
       </p:sp>
@@ -13507,135 +8846,220 @@
         </p:nvSpPr>
         <p:spPr>
           <a:xfrm>
-            <a:off x="35496" y="1600200"/>
-            <a:ext cx="9073008" cy="4525963"/>
+            <a:off x="467544" y="1600200"/>
+            <a:ext cx="8352928" cy="4525963"/>
           </a:xfrm>
         </p:spPr>
         <p:txBody>
           <a:bodyPr>
-            <a:normAutofit/>
+            <a:normAutofit fontScale="92500" lnSpcReduction="10000"/>
           </a:bodyPr>
           <a:lstStyle/>
           <a:p>
             <a:r>
-              <a:rPr lang="fr-CA" sz="2400" dirty="0"/>
-              <a:t>5VDC </a:t>
-            </a:r>
-            <a:r>
-              <a:rPr lang="fr-CA" sz="2400" dirty="0" err="1"/>
-              <a:t>Supply</a:t>
-            </a:r>
-            <a:r>
-              <a:rPr lang="fr-CA" sz="2400" dirty="0"/>
-              <a:t>: 5W </a:t>
-            </a:r>
-            <a:r>
-              <a:rPr lang="fr-CA" sz="2400" dirty="0" err="1"/>
-              <a:t>Switching</a:t>
-            </a:r>
-            <a:r>
-              <a:rPr lang="fr-CA" sz="2400" dirty="0"/>
-              <a:t> DCDC.</a:t>
-            </a:r>
-          </a:p>
-          <a:p>
-            <a:r>
-              <a:rPr lang="fr-CA" sz="2400" dirty="0"/>
-              <a:t>3.3VDC </a:t>
-            </a:r>
-            <a:r>
-              <a:rPr lang="fr-CA" sz="2400" dirty="0" err="1"/>
-              <a:t>Supply</a:t>
-            </a:r>
-            <a:r>
-              <a:rPr lang="fr-CA" sz="2400" dirty="0"/>
-              <a:t>: 3.3W LDO.</a:t>
-            </a:r>
-          </a:p>
-          <a:p>
-            <a:r>
-              <a:rPr lang="fr-CA" sz="2400" dirty="0"/>
-              <a:t>3V Reference for MCU/ADC.</a:t>
-            </a:r>
-          </a:p>
-        </p:txBody>
-      </p:sp>
-      <p:pic>
-        <p:nvPicPr>
-          <p:cNvPr id="12" name="Image 11"/>
-          <p:cNvPicPr>
-            <a:picLocks noChangeAspect="1"/>
-          </p:cNvPicPr>
-          <p:nvPr/>
-        </p:nvPicPr>
-        <p:blipFill>
-          <a:blip r:embed="rId6"/>
-          <a:stretch>
-            <a:fillRect/>
-          </a:stretch>
-        </p:blipFill>
-        <p:spPr>
-          <a:xfrm>
-            <a:off x="208894" y="2996952"/>
-            <a:ext cx="3289950" cy="2221215"/>
-          </a:xfrm>
-          <a:prstGeom prst="rect">
-            <a:avLst/>
-          </a:prstGeom>
-        </p:spPr>
-      </p:pic>
-      <p:pic>
-        <p:nvPicPr>
-          <p:cNvPr id="13" name="Image 12"/>
-          <p:cNvPicPr>
-            <a:picLocks noChangeAspect="1"/>
-          </p:cNvPicPr>
-          <p:nvPr/>
-        </p:nvPicPr>
-        <p:blipFill>
-          <a:blip r:embed="rId7"/>
-          <a:stretch>
-            <a:fillRect/>
-          </a:stretch>
-        </p:blipFill>
-        <p:spPr>
-          <a:xfrm>
-            <a:off x="3844225" y="2996952"/>
-            <a:ext cx="4427984" cy="1543574"/>
-          </a:xfrm>
-          <a:prstGeom prst="rect">
-            <a:avLst/>
-          </a:prstGeom>
-        </p:spPr>
-      </p:pic>
-      <p:pic>
-        <p:nvPicPr>
-          <p:cNvPr id="14" name="Image 13"/>
-          <p:cNvPicPr>
-            <a:picLocks noChangeAspect="1"/>
-          </p:cNvPicPr>
-          <p:nvPr/>
-        </p:nvPicPr>
-        <p:blipFill>
-          <a:blip r:embed="rId8"/>
-          <a:stretch>
-            <a:fillRect/>
-          </a:stretch>
-        </p:blipFill>
-        <p:spPr>
-          <a:xfrm>
-            <a:off x="3782907" y="4797152"/>
-            <a:ext cx="2649091" cy="1485707"/>
-          </a:xfrm>
-          <a:prstGeom prst="rect">
-            <a:avLst/>
-          </a:prstGeom>
-        </p:spPr>
-      </p:pic>
+              <a:rPr lang="en-US" dirty="0"/>
+              <a:t>Granularisation des </a:t>
+            </a:r>
+            <a:r>
+              <a:rPr lang="en-US" dirty="0" err="1"/>
+              <a:t>systèmes</a:t>
+            </a:r>
+            <a:endParaRPr lang="en-US" dirty="0"/>
+          </a:p>
+          <a:p>
+            <a:r>
+              <a:rPr lang="en-US" dirty="0"/>
+              <a:t>Migration du Dash </a:t>
+            </a:r>
+            <a:r>
+              <a:rPr lang="en-US" dirty="0" err="1"/>
+              <a:t>vers</a:t>
+            </a:r>
+            <a:r>
+              <a:rPr lang="en-US" dirty="0"/>
+              <a:t> le DAQ</a:t>
+            </a:r>
+          </a:p>
+          <a:p>
+            <a:r>
+              <a:rPr lang="en-US" dirty="0"/>
+              <a:t>Option avec le development board pour </a:t>
+            </a:r>
+            <a:r>
+              <a:rPr lang="en-US" dirty="0" err="1"/>
+              <a:t>réduire</a:t>
+            </a:r>
+            <a:r>
+              <a:rPr lang="en-US" dirty="0"/>
+              <a:t> les sources de bruit </a:t>
+            </a:r>
+            <a:r>
+              <a:rPr lang="en-US" dirty="0">
+                <a:sym typeface="Wingdings" panose="05000000000000000000" pitchFamily="2" charset="2"/>
+              </a:rPr>
+              <a:t> pas down</a:t>
+            </a:r>
+          </a:p>
+          <a:p>
+            <a:pPr lvl="1"/>
+            <a:r>
+              <a:rPr lang="en-US" dirty="0">
+                <a:sym typeface="Wingdings" panose="05000000000000000000" pitchFamily="2" charset="2"/>
+              </a:rPr>
+              <a:t>Discussion avec Olivier </a:t>
+            </a:r>
+            <a:r>
+              <a:rPr lang="en-US" dirty="0" err="1">
+                <a:sym typeface="Wingdings" panose="05000000000000000000" pitchFamily="2" charset="2"/>
+              </a:rPr>
+              <a:t>confirme</a:t>
+            </a:r>
+            <a:r>
+              <a:rPr lang="en-US" dirty="0">
+                <a:sym typeface="Wingdings" panose="05000000000000000000" pitchFamily="2" charset="2"/>
+              </a:rPr>
+              <a:t> que le GPS sur le PCB du dash v2 </a:t>
+            </a:r>
+            <a:r>
+              <a:rPr lang="en-US" dirty="0" err="1">
+                <a:sym typeface="Wingdings" panose="05000000000000000000" pitchFamily="2" charset="2"/>
+              </a:rPr>
+              <a:t>fonctionnait</a:t>
+            </a:r>
+            <a:r>
+              <a:rPr lang="en-US" dirty="0">
+                <a:sym typeface="Wingdings" panose="05000000000000000000" pitchFamily="2" charset="2"/>
+              </a:rPr>
+              <a:t> </a:t>
+            </a:r>
+            <a:r>
+              <a:rPr lang="en-US" dirty="0" err="1">
+                <a:sym typeface="Wingdings" panose="05000000000000000000" pitchFamily="2" charset="2"/>
+              </a:rPr>
+              <a:t>très</a:t>
+            </a:r>
+            <a:r>
+              <a:rPr lang="en-US" dirty="0">
+                <a:sym typeface="Wingdings" panose="05000000000000000000" pitchFamily="2" charset="2"/>
+              </a:rPr>
+              <a:t> bien</a:t>
+            </a:r>
+          </a:p>
+          <a:p>
+            <a:pPr lvl="1"/>
+            <a:r>
+              <a:rPr lang="en-US" dirty="0">
+                <a:sym typeface="Wingdings" panose="05000000000000000000" pitchFamily="2" charset="2"/>
+              </a:rPr>
+              <a:t>On </a:t>
+            </a:r>
+            <a:r>
+              <a:rPr lang="en-US" dirty="0" err="1">
+                <a:sym typeface="Wingdings" panose="05000000000000000000" pitchFamily="2" charset="2"/>
+              </a:rPr>
+              <a:t>est</a:t>
+            </a:r>
+            <a:r>
+              <a:rPr lang="en-US" dirty="0">
+                <a:sym typeface="Wingdings" panose="05000000000000000000" pitchFamily="2" charset="2"/>
+              </a:rPr>
+              <a:t> capable de </a:t>
+            </a:r>
+            <a:r>
+              <a:rPr lang="en-US" dirty="0" err="1">
+                <a:sym typeface="Wingdings" panose="05000000000000000000" pitchFamily="2" charset="2"/>
+              </a:rPr>
+              <a:t>souder</a:t>
+            </a:r>
+            <a:r>
+              <a:rPr lang="en-US" dirty="0">
+                <a:sym typeface="Wingdings" panose="05000000000000000000" pitchFamily="2" charset="2"/>
+              </a:rPr>
+              <a:t> sans </a:t>
+            </a:r>
+            <a:r>
+              <a:rPr lang="en-US" dirty="0" err="1">
+                <a:sym typeface="Wingdings" panose="05000000000000000000" pitchFamily="2" charset="2"/>
+              </a:rPr>
+              <a:t>créer</a:t>
+            </a:r>
+            <a:r>
+              <a:rPr lang="en-US" dirty="0">
+                <a:sym typeface="Wingdings" panose="05000000000000000000" pitchFamily="2" charset="2"/>
+              </a:rPr>
+              <a:t> </a:t>
+            </a:r>
+            <a:r>
+              <a:rPr lang="en-US" dirty="0" err="1">
+                <a:sym typeface="Wingdings" panose="05000000000000000000" pitchFamily="2" charset="2"/>
+              </a:rPr>
+              <a:t>mille</a:t>
+            </a:r>
+            <a:r>
+              <a:rPr lang="en-US" dirty="0">
+                <a:sym typeface="Wingdings" panose="05000000000000000000" pitchFamily="2" charset="2"/>
+              </a:rPr>
+              <a:t> </a:t>
+            </a:r>
+            <a:r>
+              <a:rPr lang="en-US" dirty="0" err="1">
+                <a:sym typeface="Wingdings" panose="05000000000000000000" pitchFamily="2" charset="2"/>
+              </a:rPr>
+              <a:t>impédance</a:t>
+            </a:r>
+            <a:r>
+              <a:rPr lang="en-US" dirty="0">
+                <a:sym typeface="Wingdings" panose="05000000000000000000" pitchFamily="2" charset="2"/>
+              </a:rPr>
+              <a:t> </a:t>
+            </a:r>
+            <a:r>
+              <a:rPr lang="en-US" dirty="0" err="1">
+                <a:sym typeface="Wingdings" panose="05000000000000000000" pitchFamily="2" charset="2"/>
+              </a:rPr>
+              <a:t>d’extra</a:t>
+            </a:r>
+            <a:endParaRPr lang="en-US" dirty="0">
+              <a:sym typeface="Wingdings" panose="05000000000000000000" pitchFamily="2" charset="2"/>
+            </a:endParaRPr>
+          </a:p>
+          <a:p>
+            <a:pPr lvl="1"/>
+            <a:r>
+              <a:rPr lang="en-US" dirty="0" err="1"/>
+              <a:t>Bref</a:t>
+            </a:r>
+            <a:r>
+              <a:rPr lang="en-US" dirty="0"/>
+              <a:t>, je </a:t>
+            </a:r>
+            <a:r>
+              <a:rPr lang="en-US" dirty="0" err="1"/>
+              <a:t>vais</a:t>
+            </a:r>
+            <a:r>
+              <a:rPr lang="en-US" dirty="0"/>
+              <a:t> tester le dash v2 </a:t>
+            </a:r>
+            <a:r>
+              <a:rPr lang="en-US" dirty="0" err="1"/>
+              <a:t>avant</a:t>
+            </a:r>
+            <a:endParaRPr lang="en-US" dirty="0"/>
+          </a:p>
+          <a:p>
+            <a:r>
+              <a:rPr lang="en-US" dirty="0"/>
+              <a:t>RTC avec batterie sur le board</a:t>
+            </a:r>
+            <a:endParaRPr lang="fr-CA" dirty="0"/>
+          </a:p>
+        </p:txBody>
+      </p:sp>
     </p:spTree>
     <p:extLst>
       <p:ext uri="{BB962C8B-B14F-4D97-AF65-F5344CB8AC3E}">
-        <p14:creationId xmlns:p14="http://schemas.microsoft.com/office/powerpoint/2010/main" val="74096129"/>
+        <p14:creationId xmlns:p14="http://schemas.microsoft.com/office/powerpoint/2010/main" val="1552549263"/>
       </p:ext>
     </p:extLst>
   </p:cSld>
@@ -13849,8 +9273,8 @@
         </p:nvSpPr>
         <p:spPr bwMode="auto">
           <a:xfrm>
-            <a:off x="1092200" y="283627"/>
-            <a:ext cx="6432128" cy="553085"/>
+            <a:off x="1698625" y="283627"/>
+            <a:ext cx="5746750" cy="553085"/>
           </a:xfrm>
           <a:prstGeom prst="rect">
             <a:avLst/>
@@ -13897,7 +9321,7 @@
               </a:spcAft>
             </a:pPr>
             <a:r>
-              <a:rPr lang="fr-CA" sz="2800" b="1" kern="7200" cap="small" spc="-100" dirty="0">
+              <a:rPr lang="fr-CA" sz="3200" b="1" kern="7200" cap="small" spc="-100" dirty="0" err="1">
                 <a:solidFill>
                   <a:srgbClr val="FFFFFF"/>
                 </a:solidFill>
@@ -13905,47 +9329,66 @@
                 <a:latin typeface="Arial"/>
                 <a:ea typeface="Times New Roman"/>
               </a:rPr>
-              <a:t>Voltage And </a:t>
-            </a:r>
-            <a:r>
-              <a:rPr lang="fr-CA" sz="2800" b="1" kern="7200" cap="small" spc="-100" dirty="0" err="1">
-                <a:solidFill>
-                  <a:srgbClr val="FFFFFF"/>
-                </a:solidFill>
+              <a:t>Accelerometre</a:t>
+            </a:r>
+            <a:endParaRPr lang="fr-CA" sz="3200" b="1" kern="7200" cap="small" spc="-100" dirty="0">
+              <a:solidFill>
+                <a:srgbClr val="FFFFFF"/>
+              </a:solidFill>
+              <a:effectLst/>
+              <a:latin typeface="Arial"/>
+              <a:ea typeface="Times New Roman"/>
+            </a:endParaRPr>
+          </a:p>
+          <a:p>
+            <a:pPr algn="ctr">
+              <a:lnSpc>
+                <a:spcPct val="115000"/>
+              </a:lnSpc>
+              <a:spcBef>
+                <a:spcPts val="300"/>
+              </a:spcBef>
+              <a:spcAft>
+                <a:spcPts val="1000"/>
+              </a:spcAft>
+            </a:pPr>
+            <a:r>
+              <a:rPr lang="fr-CA" sz="2600" b="1" cap="small" dirty="0">
                 <a:effectLst/>
                 <a:latin typeface="Arial"/>
                 <a:ea typeface="Times New Roman"/>
+                <a:cs typeface="Arial"/>
               </a:rPr>
-              <a:t>Current</a:t>
-            </a:r>
-            <a:r>
-              <a:rPr lang="fr-CA" sz="2800" b="1" kern="7200" cap="small" spc="-100" dirty="0">
-                <a:solidFill>
-                  <a:srgbClr val="FFFFFF"/>
-                </a:solidFill>
-                <a:effectLst/>
-                <a:latin typeface="Arial"/>
-                <a:ea typeface="Times New Roman"/>
-              </a:rPr>
-              <a:t> </a:t>
-            </a:r>
-            <a:r>
-              <a:rPr lang="fr-CA" sz="2800" b="1" kern="7200" cap="small" spc="-100" dirty="0" err="1">
-                <a:solidFill>
-                  <a:srgbClr val="FFFFFF"/>
-                </a:solidFill>
-                <a:effectLst/>
-                <a:latin typeface="Arial"/>
-                <a:ea typeface="Times New Roman"/>
-              </a:rPr>
-              <a:t>Measurments</a:t>
-            </a:r>
-            <a:endParaRPr lang="fr-CA" sz="1050" dirty="0">
+              <a:t> </a:t>
+            </a:r>
+            <a:endParaRPr lang="fr-CA" sz="1100" dirty="0">
               <a:effectLst/>
               <a:latin typeface="Arial"/>
               <a:ea typeface="Times New Roman"/>
               <a:cs typeface="Times New Roman"/>
             </a:endParaRPr>
+          </a:p>
+          <a:p>
+            <a:pPr>
+              <a:lnSpc>
+                <a:spcPct val="115000"/>
+              </a:lnSpc>
+              <a:spcBef>
+                <a:spcPts val="300"/>
+              </a:spcBef>
+              <a:spcAft>
+                <a:spcPts val="1000"/>
+              </a:spcAft>
+            </a:pPr>
+            <a:r>
+              <a:rPr lang="fr-CA" sz="1100" dirty="0">
+                <a:effectLst/>
+                <a:latin typeface="Arial"/>
+                <a:ea typeface="Times New Roman"/>
+                <a:cs typeface="Times New Roman"/>
+              </a:rPr>
+              <a:t> </a:t>
+            </a:r>
           </a:p>
         </p:txBody>
       </p:sp>
@@ -13994,8 +9437,8 @@
         </p:nvSpPr>
         <p:spPr>
           <a:xfrm>
-            <a:off x="35496" y="1600200"/>
-            <a:ext cx="9073008" cy="4525963"/>
+            <a:off x="467544" y="1600200"/>
+            <a:ext cx="8352928" cy="4525963"/>
           </a:xfrm>
         </p:spPr>
         <p:txBody>
@@ -14005,163 +9448,76 @@
           <a:lstStyle/>
           <a:p>
             <a:r>
-              <a:rPr lang="fr-CA" sz="2400" dirty="0"/>
-              <a:t>LV </a:t>
-            </a:r>
-            <a:r>
-              <a:rPr lang="fr-CA" sz="2400" dirty="0" err="1"/>
-              <a:t>Battery</a:t>
-            </a:r>
-            <a:r>
-              <a:rPr lang="fr-CA" sz="2400" dirty="0"/>
-              <a:t> Voltage and </a:t>
-            </a:r>
-            <a:r>
-              <a:rPr lang="fr-CA" sz="2400" dirty="0" err="1"/>
-              <a:t>Current</a:t>
-            </a:r>
-            <a:r>
-              <a:rPr lang="fr-CA" sz="2400" dirty="0"/>
-              <a:t> </a:t>
-            </a:r>
-            <a:r>
-              <a:rPr lang="fr-CA" sz="2400" dirty="0" err="1"/>
-              <a:t>Measurement</a:t>
-            </a:r>
-            <a:r>
-              <a:rPr lang="fr-CA" sz="2400" dirty="0"/>
-              <a:t> for charge </a:t>
-            </a:r>
-            <a:r>
-              <a:rPr lang="fr-CA" sz="2400" dirty="0" err="1"/>
-              <a:t>algorithm</a:t>
-            </a:r>
-            <a:r>
-              <a:rPr lang="fr-CA" sz="2400" dirty="0"/>
-              <a:t>.</a:t>
-            </a:r>
-          </a:p>
-          <a:p>
-            <a:r>
-              <a:rPr lang="fr-CA" sz="2400" dirty="0"/>
-              <a:t>DCDC </a:t>
-            </a:r>
-            <a:r>
-              <a:rPr lang="fr-CA" sz="2400" dirty="0" err="1"/>
-              <a:t>Current</a:t>
-            </a:r>
-            <a:r>
-              <a:rPr lang="fr-CA" sz="2400" dirty="0"/>
-              <a:t> and LV Bus Voltage </a:t>
-            </a:r>
-            <a:r>
-              <a:rPr lang="fr-CA" sz="2400" dirty="0" err="1"/>
-              <a:t>Measurement</a:t>
-            </a:r>
-            <a:r>
-              <a:rPr lang="fr-CA" sz="2400" dirty="0"/>
-              <a:t> for data acquisition.</a:t>
-            </a:r>
-          </a:p>
-          <a:p>
-            <a:r>
-              <a:rPr lang="fr-CA" sz="2400" dirty="0" err="1"/>
-              <a:t>Current</a:t>
-            </a:r>
-            <a:r>
-              <a:rPr lang="fr-CA" sz="2400" dirty="0"/>
-              <a:t> </a:t>
-            </a:r>
-            <a:r>
-              <a:rPr lang="fr-CA" sz="2400" dirty="0" err="1"/>
-              <a:t>Sensors</a:t>
-            </a:r>
-            <a:r>
-              <a:rPr lang="fr-CA" sz="2400" dirty="0"/>
-              <a:t>: </a:t>
-            </a:r>
-            <a:r>
-              <a:rPr lang="fr-CA" sz="2400" dirty="0">
-                <a:hlinkClick r:id="rId6"/>
-              </a:rPr>
-              <a:t>Allegro MicroSystems ACS725 Hall </a:t>
-            </a:r>
-            <a:r>
-              <a:rPr lang="fr-CA" sz="2400" dirty="0" err="1">
-                <a:hlinkClick r:id="rId6"/>
-              </a:rPr>
-              <a:t>Sensor</a:t>
-            </a:r>
-            <a:endParaRPr lang="fr-CA" sz="2400" dirty="0"/>
+              <a:rPr lang="en-US" dirty="0"/>
+              <a:t>Pour </a:t>
+            </a:r>
+            <a:r>
+              <a:rPr lang="en-US" dirty="0" err="1"/>
+              <a:t>avoir</a:t>
+            </a:r>
+            <a:r>
+              <a:rPr lang="en-US" dirty="0"/>
+              <a:t> un </a:t>
+            </a:r>
+            <a:r>
+              <a:rPr lang="en-US" dirty="0" err="1"/>
+              <a:t>acceleromètre</a:t>
+            </a:r>
+            <a:r>
+              <a:rPr lang="en-US" dirty="0"/>
+              <a:t> à </a:t>
+            </a:r>
+            <a:r>
+              <a:rPr lang="en-US" dirty="0" err="1"/>
+              <a:t>l’arrière</a:t>
+            </a:r>
+            <a:r>
+              <a:rPr lang="en-US" dirty="0"/>
+              <a:t> de la </a:t>
+            </a:r>
+            <a:r>
+              <a:rPr lang="en-US" dirty="0" err="1"/>
+              <a:t>voiture</a:t>
+            </a:r>
+            <a:endParaRPr lang="en-US" dirty="0"/>
+          </a:p>
+          <a:p>
+            <a:r>
+              <a:rPr lang="fr-CA" dirty="0"/>
+              <a:t>Nouvelle itération du MPU-9250</a:t>
+            </a:r>
+          </a:p>
+          <a:p>
+            <a:r>
+              <a:rPr lang="fr-CA" dirty="0"/>
+              <a:t>1.8V</a:t>
+            </a:r>
           </a:p>
         </p:txBody>
       </p:sp>
       <p:pic>
         <p:nvPicPr>
-          <p:cNvPr id="2" name="Image 1"/>
+          <p:cNvPr id="2" name="Picture 1">
+            <a:extLst>
+              <a:ext uri="{FF2B5EF4-FFF2-40B4-BE49-F238E27FC236}">
+                <a16:creationId xmlns:a16="http://schemas.microsoft.com/office/drawing/2014/main" id="{05360187-F701-44E8-80C8-87B361C3D944}"/>
+              </a:ext>
+            </a:extLst>
+          </p:cNvPr>
           <p:cNvPicPr>
             <a:picLocks noChangeAspect="1"/>
           </p:cNvPicPr>
           <p:nvPr/>
         </p:nvPicPr>
-        <p:blipFill>
-          <a:blip r:embed="rId7"/>
-          <a:stretch>
-            <a:fillRect/>
-          </a:stretch>
+        <p:blipFill rotWithShape="1">
+          <a:blip r:embed="rId6"/>
+          <a:srcRect l="35825" t="26851" r="35825" b="17785"/>
+          <a:stretch/>
         </p:blipFill>
         <p:spPr>
           <a:xfrm>
-            <a:off x="201930" y="3041679"/>
-            <a:ext cx="4968043" cy="1806561"/>
-          </a:xfrm>
-          <a:prstGeom prst="rect">
-            <a:avLst/>
-          </a:prstGeom>
-        </p:spPr>
-      </p:pic>
-      <p:pic>
-        <p:nvPicPr>
-          <p:cNvPr id="3" name="Image 2"/>
-          <p:cNvPicPr>
-            <a:picLocks noChangeAspect="1"/>
-          </p:cNvPicPr>
-          <p:nvPr/>
-        </p:nvPicPr>
-        <p:blipFill>
-          <a:blip r:embed="rId8"/>
-          <a:stretch>
-            <a:fillRect/>
-          </a:stretch>
-        </p:blipFill>
-        <p:spPr>
-          <a:xfrm>
-            <a:off x="5336407" y="3071444"/>
-            <a:ext cx="3596457" cy="1357548"/>
-          </a:xfrm>
-          <a:prstGeom prst="rect">
-            <a:avLst/>
-          </a:prstGeom>
-        </p:spPr>
-      </p:pic>
-      <p:pic>
-        <p:nvPicPr>
-          <p:cNvPr id="10" name="Image 9"/>
-          <p:cNvPicPr>
-            <a:picLocks noChangeAspect="1"/>
-          </p:cNvPicPr>
-          <p:nvPr/>
-        </p:nvPicPr>
-        <p:blipFill>
-          <a:blip r:embed="rId9"/>
-          <a:stretch>
-            <a:fillRect/>
-          </a:stretch>
-        </p:blipFill>
-        <p:spPr>
-          <a:xfrm>
-            <a:off x="395536" y="5013176"/>
-            <a:ext cx="4608512" cy="1458110"/>
+            <a:off x="2483768" y="3198289"/>
+            <a:ext cx="3381381" cy="3712653"/>
           </a:xfrm>
           <a:prstGeom prst="rect">
             <a:avLst/>
@@ -14171,7 +9527,7 @@
     </p:spTree>
     <p:extLst>
       <p:ext uri="{BB962C8B-B14F-4D97-AF65-F5344CB8AC3E}">
-        <p14:creationId xmlns:p14="http://schemas.microsoft.com/office/powerpoint/2010/main" val="2586810954"/>
+        <p14:creationId xmlns:p14="http://schemas.microsoft.com/office/powerpoint/2010/main" val="3956268626"/>
       </p:ext>
     </p:extLst>
   </p:cSld>

--- a/doc/DAQ_v3_DR1.pptx
+++ b/doc/DAQ_v3_DR1.pptx
@@ -5,10 +5,10 @@
     <p:sldMasterId id="2147483648" r:id="rId1"/>
   </p:sldMasterIdLst>
   <p:notesMasterIdLst>
-    <p:notesMasterId r:id="rId12"/>
+    <p:notesMasterId r:id="rId14"/>
   </p:notesMasterIdLst>
   <p:handoutMasterIdLst>
-    <p:handoutMasterId r:id="rId13"/>
+    <p:handoutMasterId r:id="rId15"/>
   </p:handoutMasterIdLst>
   <p:sldIdLst>
     <p:sldId id="256" r:id="rId2"/>
@@ -20,7 +20,9 @@
     <p:sldId id="270" r:id="rId8"/>
     <p:sldId id="271" r:id="rId9"/>
     <p:sldId id="272" r:id="rId10"/>
-    <p:sldId id="260" r:id="rId11"/>
+    <p:sldId id="273" r:id="rId11"/>
+    <p:sldId id="274" r:id="rId12"/>
+    <p:sldId id="260" r:id="rId13"/>
   </p:sldIdLst>
   <p:sldSz cx="9144000" cy="6858000" type="screen4x3"/>
   <p:notesSz cx="6858000" cy="9144000"/>
@@ -235,7 +237,7 @@
           <a:p>
             <a:fld id="{ACBCFFA3-0001-4B11-A9CE-4D3E04BF40C6}" type="datetimeFigureOut">
               <a:rPr lang="fr-CA" smtClean="0"/>
-              <a:t>2018-11-15</a:t>
+              <a:t>2019-01-09</a:t>
             </a:fld>
             <a:endParaRPr lang="fr-CA"/>
           </a:p>
@@ -401,7 +403,7 @@
           <a:p>
             <a:fld id="{88D10A91-1903-44FB-B749-46827FD3092D}" type="datetimeFigureOut">
               <a:rPr lang="fr-CA" smtClean="0"/>
-              <a:t>2018-11-15</a:t>
+              <a:t>2019-01-09</a:t>
             </a:fld>
             <a:endParaRPr lang="fr-CA"/>
           </a:p>
@@ -781,6 +783,136 @@
           <a:p>
             <a:r>
               <a:rPr lang="en-CA" dirty="0"/>
+              <a:t>Content Slide</a:t>
+            </a:r>
+            <a:endParaRPr lang="fr-CA" dirty="0"/>
+          </a:p>
+        </p:txBody>
+      </p:sp>
+    </p:spTree>
+    <p:extLst>
+      <p:ext uri="{BB962C8B-B14F-4D97-AF65-F5344CB8AC3E}">
+        <p14:creationId xmlns:p14="http://schemas.microsoft.com/office/powerpoint/2010/main" val="3885570748"/>
+      </p:ext>
+    </p:extLst>
+  </p:cSld>
+  <p:clrMapOvr>
+    <a:masterClrMapping/>
+  </p:clrMapOvr>
+</p:notes>
+</file>
+
+<file path=ppt/notesSlides/notesSlide11.xml><?xml version="1.0" encoding="utf-8"?>
+<p:notes xmlns:a="http://schemas.openxmlformats.org/drawingml/2006/main" xmlns:r="http://schemas.openxmlformats.org/officeDocument/2006/relationships" xmlns:p="http://schemas.openxmlformats.org/presentationml/2006/main">
+  <p:cSld>
+    <p:spTree>
+      <p:nvGrpSpPr>
+        <p:cNvPr id="1" name=""/>
+        <p:cNvGrpSpPr/>
+        <p:nvPr/>
+      </p:nvGrpSpPr>
+      <p:grpSpPr>
+        <a:xfrm>
+          <a:off x="0" y="0"/>
+          <a:ext cx="0" cy="0"/>
+          <a:chOff x="0" y="0"/>
+          <a:chExt cx="0" cy="0"/>
+        </a:xfrm>
+      </p:grpSpPr>
+      <p:sp>
+        <p:nvSpPr>
+          <p:cNvPr id="2" name="Slide Image Placeholder 1"/>
+          <p:cNvSpPr>
+            <a:spLocks noGrp="1" noRot="1" noChangeAspect="1"/>
+          </p:cNvSpPr>
+          <p:nvPr>
+            <p:ph type="sldImg"/>
+          </p:nvPr>
+        </p:nvSpPr>
+        <p:spPr/>
+      </p:sp>
+      <p:sp>
+        <p:nvSpPr>
+          <p:cNvPr id="3" name="Notes Placeholder 2"/>
+          <p:cNvSpPr>
+            <a:spLocks noGrp="1"/>
+          </p:cNvSpPr>
+          <p:nvPr>
+            <p:ph type="body" idx="1"/>
+          </p:nvPr>
+        </p:nvSpPr>
+        <p:spPr/>
+        <p:txBody>
+          <a:bodyPr/>
+          <a:lstStyle/>
+          <a:p>
+            <a:r>
+              <a:rPr lang="en-CA" dirty="0"/>
+              <a:t>Content Slide</a:t>
+            </a:r>
+            <a:endParaRPr lang="fr-CA" dirty="0"/>
+          </a:p>
+        </p:txBody>
+      </p:sp>
+    </p:spTree>
+    <p:extLst>
+      <p:ext uri="{BB962C8B-B14F-4D97-AF65-F5344CB8AC3E}">
+        <p14:creationId xmlns:p14="http://schemas.microsoft.com/office/powerpoint/2010/main" val="1464609474"/>
+      </p:ext>
+    </p:extLst>
+  </p:cSld>
+  <p:clrMapOvr>
+    <a:masterClrMapping/>
+  </p:clrMapOvr>
+</p:notes>
+</file>
+
+<file path=ppt/notesSlides/notesSlide12.xml><?xml version="1.0" encoding="utf-8"?>
+<p:notes xmlns:a="http://schemas.openxmlformats.org/drawingml/2006/main" xmlns:r="http://schemas.openxmlformats.org/officeDocument/2006/relationships" xmlns:p="http://schemas.openxmlformats.org/presentationml/2006/main">
+  <p:cSld>
+    <p:spTree>
+      <p:nvGrpSpPr>
+        <p:cNvPr id="1" name=""/>
+        <p:cNvGrpSpPr/>
+        <p:nvPr/>
+      </p:nvGrpSpPr>
+      <p:grpSpPr>
+        <a:xfrm>
+          <a:off x="0" y="0"/>
+          <a:ext cx="0" cy="0"/>
+          <a:chOff x="0" y="0"/>
+          <a:chExt cx="0" cy="0"/>
+        </a:xfrm>
+      </p:grpSpPr>
+      <p:sp>
+        <p:nvSpPr>
+          <p:cNvPr id="2" name="Slide Image Placeholder 1"/>
+          <p:cNvSpPr>
+            <a:spLocks noGrp="1" noRot="1" noChangeAspect="1"/>
+          </p:cNvSpPr>
+          <p:nvPr>
+            <p:ph type="sldImg"/>
+          </p:nvPr>
+        </p:nvSpPr>
+        <p:spPr/>
+      </p:sp>
+      <p:sp>
+        <p:nvSpPr>
+          <p:cNvPr id="3" name="Notes Placeholder 2"/>
+          <p:cNvSpPr>
+            <a:spLocks noGrp="1"/>
+          </p:cNvSpPr>
+          <p:nvPr>
+            <p:ph type="body" idx="1"/>
+          </p:nvPr>
+        </p:nvSpPr>
+        <p:spPr/>
+        <p:txBody>
+          <a:bodyPr/>
+          <a:lstStyle/>
+          <a:p>
+            <a:r>
+              <a:rPr lang="en-CA" dirty="0"/>
               <a:t>Final Slide</a:t>
             </a:r>
             <a:endParaRPr lang="fr-CA" dirty="0"/>
@@ -1501,7 +1633,7 @@
           <a:p>
             <a:fld id="{2AA6F41F-4984-4CC5-89AF-DF93759D9236}" type="datetime1">
               <a:rPr lang="fr-CA" smtClean="0"/>
-              <a:t>2018-11-15</a:t>
+              <a:t>2019-01-09</a:t>
             </a:fld>
             <a:endParaRPr lang="fr-CA"/>
           </a:p>
@@ -1674,7 +1806,7 @@
           <a:p>
             <a:fld id="{6D5F43C6-CA9A-4AB2-9359-AF2A07302FDF}" type="datetime1">
               <a:rPr lang="fr-CA" smtClean="0"/>
-              <a:t>2018-11-15</a:t>
+              <a:t>2019-01-09</a:t>
             </a:fld>
             <a:endParaRPr lang="fr-CA"/>
           </a:p>
@@ -1857,7 +1989,7 @@
           <a:p>
             <a:fld id="{6ADF4743-4D35-4CD1-A856-8576735073EF}" type="datetime1">
               <a:rPr lang="fr-CA" smtClean="0"/>
-              <a:t>2018-11-15</a:t>
+              <a:t>2019-01-09</a:t>
             </a:fld>
             <a:endParaRPr lang="fr-CA"/>
           </a:p>
@@ -2030,7 +2162,7 @@
           <a:p>
             <a:fld id="{D5B56666-723A-4B69-B6C1-172B8DDDEBCC}" type="datetime1">
               <a:rPr lang="fr-CA" smtClean="0"/>
-              <a:t>2018-11-15</a:t>
+              <a:t>2019-01-09</a:t>
             </a:fld>
             <a:endParaRPr lang="fr-CA"/>
           </a:p>
@@ -2353,7 +2485,7 @@
           <a:p>
             <a:fld id="{DE5CEA1D-AB57-4B13-A60A-BFF50B98751A}" type="datetime1">
               <a:rPr lang="fr-CA" smtClean="0"/>
-              <a:t>2018-11-15</a:t>
+              <a:t>2019-01-09</a:t>
             </a:fld>
             <a:endParaRPr lang="fr-CA"/>
           </a:p>
@@ -2644,7 +2776,7 @@
           <a:p>
             <a:fld id="{F70A0F43-B0EA-4E0B-A54E-0A0B873A67C9}" type="datetime1">
               <a:rPr lang="fr-CA" smtClean="0"/>
-              <a:t>2018-11-15</a:t>
+              <a:t>2019-01-09</a:t>
             </a:fld>
             <a:endParaRPr lang="fr-CA"/>
           </a:p>
@@ -3069,7 +3201,7 @@
           <a:p>
             <a:fld id="{260C196C-CFB1-48C9-A50F-584A0FA21464}" type="datetime1">
               <a:rPr lang="fr-CA" smtClean="0"/>
-              <a:t>2018-11-15</a:t>
+              <a:t>2019-01-09</a:t>
             </a:fld>
             <a:endParaRPr lang="fr-CA"/>
           </a:p>
@@ -3190,7 +3322,7 @@
           <a:p>
             <a:fld id="{718DA222-5F96-40B5-A96A-E9AFF1AED241}" type="datetime1">
               <a:rPr lang="fr-CA" smtClean="0"/>
-              <a:t>2018-11-15</a:t>
+              <a:t>2019-01-09</a:t>
             </a:fld>
             <a:endParaRPr lang="fr-CA"/>
           </a:p>
@@ -3288,7 +3420,7 @@
           <a:p>
             <a:fld id="{B61CCD4E-78E9-4A98-87D5-AB4FBE12CBE0}" type="datetime1">
               <a:rPr lang="fr-CA" smtClean="0"/>
-              <a:t>2018-11-15</a:t>
+              <a:t>2019-01-09</a:t>
             </a:fld>
             <a:endParaRPr lang="fr-CA"/>
           </a:p>
@@ -3568,7 +3700,7 @@
           <a:p>
             <a:fld id="{690A6A50-F256-4EF4-B925-DDA2F40AA5D3}" type="datetime1">
               <a:rPr lang="fr-CA" smtClean="0"/>
-              <a:t>2018-11-15</a:t>
+              <a:t>2019-01-09</a:t>
             </a:fld>
             <a:endParaRPr lang="fr-CA"/>
           </a:p>
@@ -3828,7 +3960,7 @@
           <a:p>
             <a:fld id="{A73C4DF0-1F1C-4831-8967-AABB5661D2F5}" type="datetime1">
               <a:rPr lang="fr-CA" smtClean="0"/>
-              <a:t>2018-11-15</a:t>
+              <a:t>2019-01-09</a:t>
             </a:fld>
             <a:endParaRPr lang="fr-CA"/>
           </a:p>
@@ -4044,7 +4176,7 @@
           <a:p>
             <a:fld id="{20BA8A37-B5AA-408C-AC2A-2FE79162EB10}" type="datetime1">
               <a:rPr lang="fr-CA" smtClean="0"/>
-              <a:t>2018-11-15</a:t>
+              <a:t>2019-01-09</a:t>
             </a:fld>
             <a:endParaRPr lang="fr-CA"/>
           </a:p>
@@ -4760,6 +4892,813 @@
 </file>
 
 <file path=ppt/slides/slide10.xml><?xml version="1.0" encoding="utf-8"?>
+<p:sld xmlns:a="http://schemas.openxmlformats.org/drawingml/2006/main" xmlns:r="http://schemas.openxmlformats.org/officeDocument/2006/relationships" xmlns:p="http://schemas.openxmlformats.org/presentationml/2006/main">
+  <p:cSld>
+    <p:spTree>
+      <p:nvGrpSpPr>
+        <p:cNvPr id="1" name=""/>
+        <p:cNvGrpSpPr/>
+        <p:nvPr/>
+      </p:nvGrpSpPr>
+      <p:grpSpPr>
+        <a:xfrm>
+          <a:off x="0" y="0"/>
+          <a:ext cx="0" cy="0"/>
+          <a:chOff x="0" y="0"/>
+          <a:chExt cx="0" cy="0"/>
+        </a:xfrm>
+      </p:grpSpPr>
+      <p:sp>
+        <p:nvSpPr>
+          <p:cNvPr id="7" name="AutoShape 12"/>
+          <p:cNvSpPr>
+            <a:spLocks noChangeArrowheads="1"/>
+          </p:cNvSpPr>
+          <p:nvPr/>
+        </p:nvSpPr>
+        <p:spPr bwMode="auto">
+          <a:xfrm rot="5400000">
+            <a:off x="6916208" y="68772"/>
+            <a:ext cx="581614" cy="1079797"/>
+          </a:xfrm>
+          <a:prstGeom prst="flowChartManualInput">
+            <a:avLst/>
+          </a:prstGeom>
+          <a:solidFill>
+            <a:srgbClr val="12A3DD"/>
+          </a:solidFill>
+          <a:ln>
+            <a:noFill/>
+          </a:ln>
+          <a:extLst>
+            <a:ext uri="{91240B29-F687-4F45-9708-019B960494DF}">
+              <a14:hiddenLine xmlns:a14="http://schemas.microsoft.com/office/drawing/2010/main" w="9525">
+                <a:solidFill>
+                  <a:srgbClr val="000000"/>
+                </a:solidFill>
+                <a:miter lim="800000"/>
+                <a:headEnd/>
+                <a:tailEnd/>
+              </a14:hiddenLine>
+            </a:ext>
+          </a:extLst>
+        </p:spPr>
+        <p:txBody>
+          <a:bodyPr rot="0" vert="horz" wrap="square" lIns="91440" tIns="45720" rIns="91440" bIns="45720" anchor="t" anchorCtr="0" upright="1">
+            <a:noAutofit/>
+          </a:bodyPr>
+          <a:lstStyle/>
+          <a:p>
+            <a:endParaRPr lang="fr-CA"/>
+          </a:p>
+        </p:txBody>
+      </p:sp>
+      <p:sp>
+        <p:nvSpPr>
+          <p:cNvPr id="8" name="Rectangle 7"/>
+          <p:cNvSpPr>
+            <a:spLocks noChangeArrowheads="1"/>
+          </p:cNvSpPr>
+          <p:nvPr/>
+        </p:nvSpPr>
+        <p:spPr bwMode="auto">
+          <a:xfrm>
+            <a:off x="617550" y="317862"/>
+            <a:ext cx="6330714" cy="581614"/>
+          </a:xfrm>
+          <a:prstGeom prst="rect">
+            <a:avLst/>
+          </a:prstGeom>
+          <a:solidFill>
+            <a:srgbClr val="12A3DD"/>
+          </a:solidFill>
+          <a:ln>
+            <a:noFill/>
+          </a:ln>
+          <a:extLst>
+            <a:ext uri="{91240B29-F687-4F45-9708-019B960494DF}">
+              <a14:hiddenLine xmlns:a14="http://schemas.microsoft.com/office/drawing/2010/main" w="9525">
+                <a:solidFill>
+                  <a:srgbClr val="000000"/>
+                </a:solidFill>
+                <a:miter lim="800000"/>
+                <a:headEnd/>
+                <a:tailEnd/>
+              </a14:hiddenLine>
+            </a:ext>
+          </a:extLst>
+        </p:spPr>
+        <p:txBody>
+          <a:bodyPr rot="0" vert="horz" wrap="square" lIns="91440" tIns="45720" rIns="91440" bIns="45720" anchor="t" anchorCtr="0" upright="1">
+            <a:noAutofit/>
+          </a:bodyPr>
+          <a:lstStyle/>
+          <a:p>
+            <a:endParaRPr lang="fr-CA"/>
+          </a:p>
+        </p:txBody>
+      </p:sp>
+      <p:sp>
+        <p:nvSpPr>
+          <p:cNvPr id="9" name="Oval 8"/>
+          <p:cNvSpPr/>
+          <p:nvPr/>
+        </p:nvSpPr>
+        <p:spPr>
+          <a:xfrm>
+            <a:off x="201930" y="234742"/>
+            <a:ext cx="735995" cy="735965"/>
+          </a:xfrm>
+          <a:prstGeom prst="ellipse">
+            <a:avLst/>
+          </a:prstGeom>
+          <a:solidFill>
+            <a:schemeClr val="bg1"/>
+          </a:solidFill>
+          <a:ln>
+            <a:noFill/>
+          </a:ln>
+        </p:spPr>
+        <p:style>
+          <a:lnRef idx="2">
+            <a:schemeClr val="accent1">
+              <a:shade val="50000"/>
+            </a:schemeClr>
+          </a:lnRef>
+          <a:fillRef idx="1">
+            <a:schemeClr val="accent1"/>
+          </a:fillRef>
+          <a:effectRef idx="0">
+            <a:schemeClr val="accent1"/>
+          </a:effectRef>
+          <a:fontRef idx="minor">
+            <a:schemeClr val="lt1"/>
+          </a:fontRef>
+        </p:style>
+        <p:txBody>
+          <a:bodyPr rot="0" spcFirstLastPara="0" vert="horz" wrap="square" lIns="91440" tIns="45720" rIns="91440" bIns="45720" numCol="1" spcCol="0" rtlCol="0" fromWordArt="0" anchor="ctr" anchorCtr="0" forceAA="0" compatLnSpc="1">
+            <a:prstTxWarp prst="textNoShape">
+              <a:avLst/>
+            </a:prstTxWarp>
+            <a:noAutofit/>
+          </a:bodyPr>
+          <a:lstStyle/>
+          <a:p>
+            <a:endParaRPr lang="fr-CA"/>
+          </a:p>
+        </p:txBody>
+      </p:sp>
+      <p:pic>
+        <p:nvPicPr>
+          <p:cNvPr id="5" name="Picture 4">
+            <a:hlinkClick r:id="rId3"/>
+          </p:cNvPr>
+          <p:cNvPicPr/>
+          <p:nvPr/>
+        </p:nvPicPr>
+        <p:blipFill rotWithShape="1">
+          <a:blip r:embed="rId4" cstate="print">
+            <a:extLst>
+              <a:ext uri="{28A0092B-C50C-407E-A947-70E740481C1C}">
+                <a14:useLocalDpi xmlns:a14="http://schemas.microsoft.com/office/drawing/2010/main" val="0"/>
+              </a:ext>
+            </a:extLst>
+          </a:blip>
+          <a:srcRect r="61984"/>
+          <a:stretch/>
+        </p:blipFill>
+        <p:spPr bwMode="auto">
+          <a:xfrm>
+            <a:off x="0" y="116632"/>
+            <a:ext cx="1092200" cy="1033145"/>
+          </a:xfrm>
+          <a:prstGeom prst="rect">
+            <a:avLst/>
+          </a:prstGeom>
+          <a:ln>
+            <a:noFill/>
+          </a:ln>
+          <a:extLst>
+            <a:ext uri="{53640926-AAD7-44D8-BBD7-CCE9431645EC}">
+              <a14:shadowObscured xmlns:a14="http://schemas.microsoft.com/office/drawing/2010/main"/>
+            </a:ext>
+          </a:extLst>
+        </p:spPr>
+      </p:pic>
+      <p:sp>
+        <p:nvSpPr>
+          <p:cNvPr id="6" name="Text Box 2"/>
+          <p:cNvSpPr txBox="1">
+            <a:spLocks noChangeArrowheads="1"/>
+          </p:cNvSpPr>
+          <p:nvPr/>
+        </p:nvSpPr>
+        <p:spPr bwMode="auto">
+          <a:xfrm>
+            <a:off x="1698625" y="283627"/>
+            <a:ext cx="5746750" cy="553085"/>
+          </a:xfrm>
+          <a:prstGeom prst="rect">
+            <a:avLst/>
+          </a:prstGeom>
+          <a:noFill/>
+          <a:ln>
+            <a:noFill/>
+          </a:ln>
+          <a:extLst>
+            <a:ext uri="{909E8E84-426E-40DD-AFC4-6F175D3DCCD1}">
+              <a14:hiddenFill xmlns:a14="http://schemas.microsoft.com/office/drawing/2010/main">
+                <a:solidFill>
+                  <a:srgbClr val="FFFFFF"/>
+                </a:solidFill>
+              </a14:hiddenFill>
+            </a:ext>
+            <a:ext uri="{91240B29-F687-4F45-9708-019B960494DF}">
+              <a14:hiddenLine xmlns:a14="http://schemas.microsoft.com/office/drawing/2010/main" w="9525">
+                <a:solidFill>
+                  <a:srgbClr val="000000"/>
+                </a:solidFill>
+                <a:miter lim="800000"/>
+                <a:headEnd/>
+                <a:tailEnd/>
+              </a14:hiddenLine>
+            </a:ext>
+          </a:extLst>
+        </p:spPr>
+        <p:txBody>
+          <a:bodyPr rot="0" vert="horz" wrap="square" lIns="91440" tIns="45720" rIns="91440" bIns="45720" anchor="t" anchorCtr="0" upright="1">
+            <a:noAutofit/>
+          </a:bodyPr>
+          <a:lstStyle/>
+          <a:p>
+            <a:pPr algn="ctr">
+              <a:lnSpc>
+                <a:spcPct val="115000"/>
+              </a:lnSpc>
+              <a:spcBef>
+                <a:spcPts val="300"/>
+              </a:spcBef>
+              <a:spcAft>
+                <a:spcPts val="1000"/>
+              </a:spcAft>
+            </a:pPr>
+            <a:r>
+              <a:rPr lang="fr-CA" sz="3200" b="1" kern="7200" cap="small" spc="-100" dirty="0" err="1">
+                <a:solidFill>
+                  <a:srgbClr val="FFFFFF"/>
+                </a:solidFill>
+                <a:effectLst/>
+                <a:latin typeface="Arial"/>
+                <a:ea typeface="Times New Roman"/>
+              </a:rPr>
+              <a:t>Layout</a:t>
+            </a:r>
+            <a:endParaRPr lang="fr-CA" sz="3200" b="1" kern="7200" cap="small" spc="-100" dirty="0">
+              <a:solidFill>
+                <a:srgbClr val="FFFFFF"/>
+              </a:solidFill>
+              <a:effectLst/>
+              <a:latin typeface="Arial"/>
+              <a:ea typeface="Times New Roman"/>
+            </a:endParaRPr>
+          </a:p>
+          <a:p>
+            <a:pPr algn="ctr">
+              <a:lnSpc>
+                <a:spcPct val="115000"/>
+              </a:lnSpc>
+              <a:spcBef>
+                <a:spcPts val="300"/>
+              </a:spcBef>
+              <a:spcAft>
+                <a:spcPts val="1000"/>
+              </a:spcAft>
+            </a:pPr>
+            <a:r>
+              <a:rPr lang="fr-CA" sz="2600" b="1" cap="small" dirty="0">
+                <a:effectLst/>
+                <a:latin typeface="Arial"/>
+                <a:ea typeface="Times New Roman"/>
+                <a:cs typeface="Arial"/>
+              </a:rPr>
+              <a:t> </a:t>
+            </a:r>
+            <a:endParaRPr lang="fr-CA" sz="1100" dirty="0">
+              <a:effectLst/>
+              <a:latin typeface="Arial"/>
+              <a:ea typeface="Times New Roman"/>
+              <a:cs typeface="Times New Roman"/>
+            </a:endParaRPr>
+          </a:p>
+          <a:p>
+            <a:pPr>
+              <a:lnSpc>
+                <a:spcPct val="115000"/>
+              </a:lnSpc>
+              <a:spcBef>
+                <a:spcPts val="300"/>
+              </a:spcBef>
+              <a:spcAft>
+                <a:spcPts val="1000"/>
+              </a:spcAft>
+            </a:pPr>
+            <a:r>
+              <a:rPr lang="fr-CA" sz="1100" dirty="0">
+                <a:effectLst/>
+                <a:latin typeface="Arial"/>
+                <a:ea typeface="Times New Roman"/>
+                <a:cs typeface="Times New Roman"/>
+              </a:rPr>
+              <a:t> </a:t>
+            </a:r>
+          </a:p>
+        </p:txBody>
+      </p:sp>
+      <p:pic>
+        <p:nvPicPr>
+          <p:cNvPr id="11" name="Picture 10"/>
+          <p:cNvPicPr/>
+          <p:nvPr/>
+        </p:nvPicPr>
+        <p:blipFill>
+          <a:blip r:embed="rId5">
+            <a:extLst>
+              <a:ext uri="{28A0092B-C50C-407E-A947-70E740481C1C}">
+                <a14:useLocalDpi xmlns:a14="http://schemas.microsoft.com/office/drawing/2010/main" val="0"/>
+              </a:ext>
+            </a:extLst>
+          </a:blip>
+          <a:srcRect/>
+          <a:stretch>
+            <a:fillRect/>
+          </a:stretch>
+        </p:blipFill>
+        <p:spPr bwMode="auto">
+          <a:xfrm>
+            <a:off x="6058217" y="4619069"/>
+            <a:ext cx="3122295" cy="2266315"/>
+          </a:xfrm>
+          <a:prstGeom prst="rect">
+            <a:avLst/>
+          </a:prstGeom>
+          <a:noFill/>
+          <a:ln>
+            <a:noFill/>
+          </a:ln>
+        </p:spPr>
+      </p:pic>
+      <p:pic>
+        <p:nvPicPr>
+          <p:cNvPr id="15" name="Content Placeholder 14">
+            <a:extLst>
+              <a:ext uri="{FF2B5EF4-FFF2-40B4-BE49-F238E27FC236}">
+                <a16:creationId xmlns:a16="http://schemas.microsoft.com/office/drawing/2014/main" id="{21B380E4-E3A1-47A6-906B-6DFF171717B1}"/>
+              </a:ext>
+            </a:extLst>
+          </p:cNvPr>
+          <p:cNvPicPr>
+            <a:picLocks noGrp="1" noChangeAspect="1"/>
+          </p:cNvPicPr>
+          <p:nvPr>
+            <p:ph idx="1"/>
+          </p:nvPr>
+        </p:nvPicPr>
+        <p:blipFill rotWithShape="1">
+          <a:blip r:embed="rId6">
+            <a:extLst>
+              <a:ext uri="{28A0092B-C50C-407E-A947-70E740481C1C}">
+                <a14:useLocalDpi xmlns:a14="http://schemas.microsoft.com/office/drawing/2010/main" val="0"/>
+              </a:ext>
+            </a:extLst>
+          </a:blip>
+          <a:srcRect l="23456" t="21315" r="23974" b="13454"/>
+          <a:stretch/>
+        </p:blipFill>
+        <p:spPr>
+          <a:xfrm>
+            <a:off x="747784" y="1232897"/>
+            <a:ext cx="7648432" cy="5335784"/>
+          </a:xfrm>
+        </p:spPr>
+      </p:pic>
+    </p:spTree>
+    <p:extLst>
+      <p:ext uri="{BB962C8B-B14F-4D97-AF65-F5344CB8AC3E}">
+        <p14:creationId xmlns:p14="http://schemas.microsoft.com/office/powerpoint/2010/main" val="1422277949"/>
+      </p:ext>
+    </p:extLst>
+  </p:cSld>
+  <p:clrMapOvr>
+    <a:masterClrMapping/>
+  </p:clrMapOvr>
+</p:sld>
+</file>
+
+<file path=ppt/slides/slide11.xml><?xml version="1.0" encoding="utf-8"?>
+<p:sld xmlns:a="http://schemas.openxmlformats.org/drawingml/2006/main" xmlns:r="http://schemas.openxmlformats.org/officeDocument/2006/relationships" xmlns:p="http://schemas.openxmlformats.org/presentationml/2006/main">
+  <p:cSld>
+    <p:spTree>
+      <p:nvGrpSpPr>
+        <p:cNvPr id="1" name=""/>
+        <p:cNvGrpSpPr/>
+        <p:nvPr/>
+      </p:nvGrpSpPr>
+      <p:grpSpPr>
+        <a:xfrm>
+          <a:off x="0" y="0"/>
+          <a:ext cx="0" cy="0"/>
+          <a:chOff x="0" y="0"/>
+          <a:chExt cx="0" cy="0"/>
+        </a:xfrm>
+      </p:grpSpPr>
+      <p:sp>
+        <p:nvSpPr>
+          <p:cNvPr id="7" name="AutoShape 12"/>
+          <p:cNvSpPr>
+            <a:spLocks noChangeArrowheads="1"/>
+          </p:cNvSpPr>
+          <p:nvPr/>
+        </p:nvSpPr>
+        <p:spPr bwMode="auto">
+          <a:xfrm rot="5400000">
+            <a:off x="6916208" y="68772"/>
+            <a:ext cx="581614" cy="1079797"/>
+          </a:xfrm>
+          <a:prstGeom prst="flowChartManualInput">
+            <a:avLst/>
+          </a:prstGeom>
+          <a:solidFill>
+            <a:srgbClr val="12A3DD"/>
+          </a:solidFill>
+          <a:ln>
+            <a:noFill/>
+          </a:ln>
+          <a:extLst>
+            <a:ext uri="{91240B29-F687-4F45-9708-019B960494DF}">
+              <a14:hiddenLine xmlns:a14="http://schemas.microsoft.com/office/drawing/2010/main" w="9525">
+                <a:solidFill>
+                  <a:srgbClr val="000000"/>
+                </a:solidFill>
+                <a:miter lim="800000"/>
+                <a:headEnd/>
+                <a:tailEnd/>
+              </a14:hiddenLine>
+            </a:ext>
+          </a:extLst>
+        </p:spPr>
+        <p:txBody>
+          <a:bodyPr rot="0" vert="horz" wrap="square" lIns="91440" tIns="45720" rIns="91440" bIns="45720" anchor="t" anchorCtr="0" upright="1">
+            <a:noAutofit/>
+          </a:bodyPr>
+          <a:lstStyle/>
+          <a:p>
+            <a:endParaRPr lang="fr-CA"/>
+          </a:p>
+        </p:txBody>
+      </p:sp>
+      <p:sp>
+        <p:nvSpPr>
+          <p:cNvPr id="8" name="Rectangle 7"/>
+          <p:cNvSpPr>
+            <a:spLocks noChangeArrowheads="1"/>
+          </p:cNvSpPr>
+          <p:nvPr/>
+        </p:nvSpPr>
+        <p:spPr bwMode="auto">
+          <a:xfrm>
+            <a:off x="617550" y="317862"/>
+            <a:ext cx="6330714" cy="581614"/>
+          </a:xfrm>
+          <a:prstGeom prst="rect">
+            <a:avLst/>
+          </a:prstGeom>
+          <a:solidFill>
+            <a:srgbClr val="12A3DD"/>
+          </a:solidFill>
+          <a:ln>
+            <a:noFill/>
+          </a:ln>
+          <a:extLst>
+            <a:ext uri="{91240B29-F687-4F45-9708-019B960494DF}">
+              <a14:hiddenLine xmlns:a14="http://schemas.microsoft.com/office/drawing/2010/main" w="9525">
+                <a:solidFill>
+                  <a:srgbClr val="000000"/>
+                </a:solidFill>
+                <a:miter lim="800000"/>
+                <a:headEnd/>
+                <a:tailEnd/>
+              </a14:hiddenLine>
+            </a:ext>
+          </a:extLst>
+        </p:spPr>
+        <p:txBody>
+          <a:bodyPr rot="0" vert="horz" wrap="square" lIns="91440" tIns="45720" rIns="91440" bIns="45720" anchor="t" anchorCtr="0" upright="1">
+            <a:noAutofit/>
+          </a:bodyPr>
+          <a:lstStyle/>
+          <a:p>
+            <a:endParaRPr lang="fr-CA"/>
+          </a:p>
+        </p:txBody>
+      </p:sp>
+      <p:sp>
+        <p:nvSpPr>
+          <p:cNvPr id="9" name="Oval 8"/>
+          <p:cNvSpPr/>
+          <p:nvPr/>
+        </p:nvSpPr>
+        <p:spPr>
+          <a:xfrm>
+            <a:off x="201930" y="234742"/>
+            <a:ext cx="735995" cy="735965"/>
+          </a:xfrm>
+          <a:prstGeom prst="ellipse">
+            <a:avLst/>
+          </a:prstGeom>
+          <a:solidFill>
+            <a:schemeClr val="bg1"/>
+          </a:solidFill>
+          <a:ln>
+            <a:noFill/>
+          </a:ln>
+        </p:spPr>
+        <p:style>
+          <a:lnRef idx="2">
+            <a:schemeClr val="accent1">
+              <a:shade val="50000"/>
+            </a:schemeClr>
+          </a:lnRef>
+          <a:fillRef idx="1">
+            <a:schemeClr val="accent1"/>
+          </a:fillRef>
+          <a:effectRef idx="0">
+            <a:schemeClr val="accent1"/>
+          </a:effectRef>
+          <a:fontRef idx="minor">
+            <a:schemeClr val="lt1"/>
+          </a:fontRef>
+        </p:style>
+        <p:txBody>
+          <a:bodyPr rot="0" spcFirstLastPara="0" vert="horz" wrap="square" lIns="91440" tIns="45720" rIns="91440" bIns="45720" numCol="1" spcCol="0" rtlCol="0" fromWordArt="0" anchor="ctr" anchorCtr="0" forceAA="0" compatLnSpc="1">
+            <a:prstTxWarp prst="textNoShape">
+              <a:avLst/>
+            </a:prstTxWarp>
+            <a:noAutofit/>
+          </a:bodyPr>
+          <a:lstStyle/>
+          <a:p>
+            <a:endParaRPr lang="fr-CA"/>
+          </a:p>
+        </p:txBody>
+      </p:sp>
+      <p:pic>
+        <p:nvPicPr>
+          <p:cNvPr id="5" name="Picture 4">
+            <a:hlinkClick r:id="rId3"/>
+          </p:cNvPr>
+          <p:cNvPicPr/>
+          <p:nvPr/>
+        </p:nvPicPr>
+        <p:blipFill rotWithShape="1">
+          <a:blip r:embed="rId4" cstate="print">
+            <a:extLst>
+              <a:ext uri="{28A0092B-C50C-407E-A947-70E740481C1C}">
+                <a14:useLocalDpi xmlns:a14="http://schemas.microsoft.com/office/drawing/2010/main" val="0"/>
+              </a:ext>
+            </a:extLst>
+          </a:blip>
+          <a:srcRect r="61984"/>
+          <a:stretch/>
+        </p:blipFill>
+        <p:spPr bwMode="auto">
+          <a:xfrm>
+            <a:off x="0" y="116632"/>
+            <a:ext cx="1092200" cy="1033145"/>
+          </a:xfrm>
+          <a:prstGeom prst="rect">
+            <a:avLst/>
+          </a:prstGeom>
+          <a:ln>
+            <a:noFill/>
+          </a:ln>
+          <a:extLst>
+            <a:ext uri="{53640926-AAD7-44D8-BBD7-CCE9431645EC}">
+              <a14:shadowObscured xmlns:a14="http://schemas.microsoft.com/office/drawing/2010/main"/>
+            </a:ext>
+          </a:extLst>
+        </p:spPr>
+      </p:pic>
+      <p:sp>
+        <p:nvSpPr>
+          <p:cNvPr id="6" name="Text Box 2"/>
+          <p:cNvSpPr txBox="1">
+            <a:spLocks noChangeArrowheads="1"/>
+          </p:cNvSpPr>
+          <p:nvPr/>
+        </p:nvSpPr>
+        <p:spPr bwMode="auto">
+          <a:xfrm>
+            <a:off x="1698625" y="283627"/>
+            <a:ext cx="5746750" cy="553085"/>
+          </a:xfrm>
+          <a:prstGeom prst="rect">
+            <a:avLst/>
+          </a:prstGeom>
+          <a:noFill/>
+          <a:ln>
+            <a:noFill/>
+          </a:ln>
+          <a:extLst>
+            <a:ext uri="{909E8E84-426E-40DD-AFC4-6F175D3DCCD1}">
+              <a14:hiddenFill xmlns:a14="http://schemas.microsoft.com/office/drawing/2010/main">
+                <a:solidFill>
+                  <a:srgbClr val="FFFFFF"/>
+                </a:solidFill>
+              </a14:hiddenFill>
+            </a:ext>
+            <a:ext uri="{91240B29-F687-4F45-9708-019B960494DF}">
+              <a14:hiddenLine xmlns:a14="http://schemas.microsoft.com/office/drawing/2010/main" w="9525">
+                <a:solidFill>
+                  <a:srgbClr val="000000"/>
+                </a:solidFill>
+                <a:miter lim="800000"/>
+                <a:headEnd/>
+                <a:tailEnd/>
+              </a14:hiddenLine>
+            </a:ext>
+          </a:extLst>
+        </p:spPr>
+        <p:txBody>
+          <a:bodyPr rot="0" vert="horz" wrap="square" lIns="91440" tIns="45720" rIns="91440" bIns="45720" anchor="t" anchorCtr="0" upright="1">
+            <a:noAutofit/>
+          </a:bodyPr>
+          <a:lstStyle/>
+          <a:p>
+            <a:pPr algn="ctr">
+              <a:lnSpc>
+                <a:spcPct val="115000"/>
+              </a:lnSpc>
+              <a:spcBef>
+                <a:spcPts val="300"/>
+              </a:spcBef>
+              <a:spcAft>
+                <a:spcPts val="1000"/>
+              </a:spcAft>
+            </a:pPr>
+            <a:r>
+              <a:rPr lang="fr-CA" sz="3200" b="1" kern="7200" cap="small" spc="-100" dirty="0" err="1">
+                <a:solidFill>
+                  <a:srgbClr val="FFFFFF"/>
+                </a:solidFill>
+                <a:effectLst/>
+                <a:latin typeface="Arial"/>
+                <a:ea typeface="Times New Roman"/>
+              </a:rPr>
+              <a:t>Layout</a:t>
+            </a:r>
+            <a:endParaRPr lang="fr-CA" sz="3200" b="1" kern="7200" cap="small" spc="-100" dirty="0">
+              <a:solidFill>
+                <a:srgbClr val="FFFFFF"/>
+              </a:solidFill>
+              <a:effectLst/>
+              <a:latin typeface="Arial"/>
+              <a:ea typeface="Times New Roman"/>
+            </a:endParaRPr>
+          </a:p>
+          <a:p>
+            <a:pPr algn="ctr">
+              <a:lnSpc>
+                <a:spcPct val="115000"/>
+              </a:lnSpc>
+              <a:spcBef>
+                <a:spcPts val="300"/>
+              </a:spcBef>
+              <a:spcAft>
+                <a:spcPts val="1000"/>
+              </a:spcAft>
+            </a:pPr>
+            <a:r>
+              <a:rPr lang="fr-CA" sz="2600" b="1" cap="small" dirty="0">
+                <a:effectLst/>
+                <a:latin typeface="Arial"/>
+                <a:ea typeface="Times New Roman"/>
+                <a:cs typeface="Arial"/>
+              </a:rPr>
+              <a:t> </a:t>
+            </a:r>
+            <a:endParaRPr lang="fr-CA" sz="1100" dirty="0">
+              <a:effectLst/>
+              <a:latin typeface="Arial"/>
+              <a:ea typeface="Times New Roman"/>
+              <a:cs typeface="Times New Roman"/>
+            </a:endParaRPr>
+          </a:p>
+          <a:p>
+            <a:pPr>
+              <a:lnSpc>
+                <a:spcPct val="115000"/>
+              </a:lnSpc>
+              <a:spcBef>
+                <a:spcPts val="300"/>
+              </a:spcBef>
+              <a:spcAft>
+                <a:spcPts val="1000"/>
+              </a:spcAft>
+            </a:pPr>
+            <a:r>
+              <a:rPr lang="fr-CA" sz="1100" dirty="0">
+                <a:effectLst/>
+                <a:latin typeface="Arial"/>
+                <a:ea typeface="Times New Roman"/>
+                <a:cs typeface="Times New Roman"/>
+              </a:rPr>
+              <a:t> </a:t>
+            </a:r>
+          </a:p>
+        </p:txBody>
+      </p:sp>
+      <p:pic>
+        <p:nvPicPr>
+          <p:cNvPr id="11" name="Picture 10"/>
+          <p:cNvPicPr/>
+          <p:nvPr/>
+        </p:nvPicPr>
+        <p:blipFill>
+          <a:blip r:embed="rId5">
+            <a:extLst>
+              <a:ext uri="{28A0092B-C50C-407E-A947-70E740481C1C}">
+                <a14:useLocalDpi xmlns:a14="http://schemas.microsoft.com/office/drawing/2010/main" val="0"/>
+              </a:ext>
+            </a:extLst>
+          </a:blip>
+          <a:srcRect/>
+          <a:stretch>
+            <a:fillRect/>
+          </a:stretch>
+        </p:blipFill>
+        <p:spPr bwMode="auto">
+          <a:xfrm>
+            <a:off x="6058217" y="4619069"/>
+            <a:ext cx="3122295" cy="2266315"/>
+          </a:xfrm>
+          <a:prstGeom prst="rect">
+            <a:avLst/>
+          </a:prstGeom>
+          <a:noFill/>
+          <a:ln>
+            <a:noFill/>
+          </a:ln>
+        </p:spPr>
+      </p:pic>
+      <p:pic>
+        <p:nvPicPr>
+          <p:cNvPr id="17" name="Picture 16">
+            <a:extLst>
+              <a:ext uri="{FF2B5EF4-FFF2-40B4-BE49-F238E27FC236}">
+                <a16:creationId xmlns:a16="http://schemas.microsoft.com/office/drawing/2014/main" id="{CB6BE974-7C4B-4F2D-8861-B48BC97EA44B}"/>
+              </a:ext>
+            </a:extLst>
+          </p:cNvPr>
+          <p:cNvPicPr>
+            <a:picLocks noChangeAspect="1"/>
+          </p:cNvPicPr>
+          <p:nvPr/>
+        </p:nvPicPr>
+        <p:blipFill rotWithShape="1">
+          <a:blip r:embed="rId6">
+            <a:extLst>
+              <a:ext uri="{28A0092B-C50C-407E-A947-70E740481C1C}">
+                <a14:useLocalDpi xmlns:a14="http://schemas.microsoft.com/office/drawing/2010/main" val="0"/>
+              </a:ext>
+            </a:extLst>
+          </a:blip>
+          <a:srcRect l="26631" t="28990" r="27087" b="19185"/>
+          <a:stretch/>
+        </p:blipFill>
+        <p:spPr>
+          <a:xfrm>
+            <a:off x="702978" y="1635640"/>
+            <a:ext cx="7738044" cy="4871637"/>
+          </a:xfrm>
+          <a:prstGeom prst="rect">
+            <a:avLst/>
+          </a:prstGeom>
+        </p:spPr>
+      </p:pic>
+    </p:spTree>
+    <p:extLst>
+      <p:ext uri="{BB962C8B-B14F-4D97-AF65-F5344CB8AC3E}">
+        <p14:creationId xmlns:p14="http://schemas.microsoft.com/office/powerpoint/2010/main" val="174058301"/>
+      </p:ext>
+    </p:extLst>
+  </p:cSld>
+  <p:clrMapOvr>
+    <a:masterClrMapping/>
+  </p:clrMapOvr>
+</p:sld>
+</file>
+
+<file path=ppt/slides/slide12.xml><?xml version="1.0" encoding="utf-8"?>
 <p:sld xmlns:a="http://schemas.openxmlformats.org/drawingml/2006/main" xmlns:r="http://schemas.openxmlformats.org/officeDocument/2006/relationships" xmlns:p="http://schemas.openxmlformats.org/presentationml/2006/main">
   <p:cSld>
     <p:spTree>
@@ -6990,7 +7929,7 @@
             </a:r>
             <a:r>
               <a:rPr lang="en-US" sz="2800" dirty="0"/>
-              <a:t> de 5mA…</a:t>
+              <a:t> de 5mA</a:t>
             </a:r>
           </a:p>
           <a:p>
@@ -7416,51 +8355,13 @@
             </a:r>
             <a:r>
               <a:rPr lang="en-US" dirty="0"/>
-              <a:t> que le Dash v3, qui </a:t>
+              <a:t> que </a:t>
             </a:r>
             <a:r>
               <a:rPr lang="en-US" dirty="0" err="1"/>
-              <a:t>fonctionnait</a:t>
-            </a:r>
-            <a:r>
-              <a:rPr lang="en-US" dirty="0"/>
-              <a:t> </a:t>
-            </a:r>
-            <a:r>
-              <a:rPr lang="en-US" dirty="0" err="1"/>
-              <a:t>très</a:t>
-            </a:r>
-            <a:r>
-              <a:rPr lang="en-US" dirty="0"/>
-              <a:t> bien</a:t>
-            </a:r>
-          </a:p>
-          <a:p>
-            <a:r>
-              <a:rPr lang="en-US" dirty="0" err="1"/>
-              <a:t>Besoin</a:t>
-            </a:r>
-            <a:r>
-              <a:rPr lang="en-US" dirty="0"/>
-              <a:t> des </a:t>
-            </a:r>
-            <a:r>
-              <a:rPr lang="en-US" dirty="0" err="1"/>
-              <a:t>résistances</a:t>
-            </a:r>
-            <a:r>
-              <a:rPr lang="en-US" dirty="0"/>
-              <a:t> de </a:t>
-            </a:r>
-            <a:r>
-              <a:rPr lang="en-US" dirty="0" err="1"/>
-              <a:t>terminaison</a:t>
-            </a:r>
-            <a:r>
-              <a:rPr lang="en-US" dirty="0"/>
-              <a:t>?</a:t>
-            </a:r>
-            <a:endParaRPr lang="fr-CA" dirty="0"/>
+              <a:t>tous</a:t>
+            </a:r>
+            <a:endParaRPr lang="en-US" dirty="0"/>
           </a:p>
           <a:p>
             <a:pPr lvl="4"/>
@@ -7503,8 +8404,8 @@
         </p:blipFill>
         <p:spPr>
           <a:xfrm>
-            <a:off x="1690308" y="2988188"/>
-            <a:ext cx="5473979" cy="3313137"/>
+            <a:off x="1216047" y="2247885"/>
+            <a:ext cx="6711905" cy="4062394"/>
           </a:xfrm>
           <a:prstGeom prst="rect">
             <a:avLst/>
@@ -8852,7 +9753,7 @@
         </p:spPr>
         <p:txBody>
           <a:bodyPr>
-            <a:normAutofit fontScale="92500" lnSpcReduction="10000"/>
+            <a:normAutofit/>
           </a:bodyPr>
           <a:lstStyle/>
           <a:p>
@@ -8946,111 +9847,33 @@
             </a:r>
           </a:p>
           <a:p>
-            <a:pPr lvl="1"/>
-            <a:r>
-              <a:rPr lang="en-US" dirty="0">
-                <a:sym typeface="Wingdings" panose="05000000000000000000" pitchFamily="2" charset="2"/>
-              </a:rPr>
-              <a:t>On </a:t>
-            </a:r>
-            <a:r>
-              <a:rPr lang="en-US" dirty="0" err="1">
-                <a:sym typeface="Wingdings" panose="05000000000000000000" pitchFamily="2" charset="2"/>
-              </a:rPr>
-              <a:t>est</a:t>
-            </a:r>
-            <a:r>
-              <a:rPr lang="en-US" dirty="0">
-                <a:sym typeface="Wingdings" panose="05000000000000000000" pitchFamily="2" charset="2"/>
-              </a:rPr>
-              <a:t> capable de </a:t>
-            </a:r>
-            <a:r>
-              <a:rPr lang="en-US" dirty="0" err="1">
-                <a:sym typeface="Wingdings" panose="05000000000000000000" pitchFamily="2" charset="2"/>
-              </a:rPr>
-              <a:t>souder</a:t>
-            </a:r>
-            <a:r>
-              <a:rPr lang="en-US" dirty="0">
-                <a:sym typeface="Wingdings" panose="05000000000000000000" pitchFamily="2" charset="2"/>
-              </a:rPr>
-              <a:t> sans </a:t>
-            </a:r>
-            <a:r>
-              <a:rPr lang="en-US" dirty="0" err="1">
-                <a:sym typeface="Wingdings" panose="05000000000000000000" pitchFamily="2" charset="2"/>
-              </a:rPr>
-              <a:t>créer</a:t>
-            </a:r>
-            <a:r>
-              <a:rPr lang="en-US" dirty="0">
-                <a:sym typeface="Wingdings" panose="05000000000000000000" pitchFamily="2" charset="2"/>
-              </a:rPr>
+            <a:r>
+              <a:rPr lang="en-US" dirty="0" err="1"/>
+              <a:t>Ajout</a:t>
+            </a:r>
+            <a:r>
+              <a:rPr lang="en-US" dirty="0"/>
+              <a:t> batterie dans pin du GPS pour </a:t>
+            </a:r>
+            <a:r>
+              <a:rPr lang="en-US" dirty="0" err="1"/>
+              <a:t>qu’il</a:t>
+            </a:r>
+            <a:r>
+              <a:rPr lang="en-US" dirty="0"/>
+              <a:t> ne cold-restart pas à </a:t>
+            </a:r>
+            <a:r>
+              <a:rPr lang="en-US" dirty="0" err="1"/>
+              <a:t>chaque</a:t>
+            </a:r>
+            <a:r>
+              <a:rPr lang="en-US" dirty="0"/>
               <a:t> </a:t>
             </a:r>
             <a:r>
-              <a:rPr lang="en-US" dirty="0" err="1">
-                <a:sym typeface="Wingdings" panose="05000000000000000000" pitchFamily="2" charset="2"/>
-              </a:rPr>
-              <a:t>mille</a:t>
-            </a:r>
-            <a:r>
-              <a:rPr lang="en-US" dirty="0">
-                <a:sym typeface="Wingdings" panose="05000000000000000000" pitchFamily="2" charset="2"/>
-              </a:rPr>
-              <a:t> </a:t>
-            </a:r>
-            <a:r>
-              <a:rPr lang="en-US" dirty="0" err="1">
-                <a:sym typeface="Wingdings" panose="05000000000000000000" pitchFamily="2" charset="2"/>
-              </a:rPr>
-              <a:t>impédance</a:t>
-            </a:r>
-            <a:r>
-              <a:rPr lang="en-US" dirty="0">
-                <a:sym typeface="Wingdings" panose="05000000000000000000" pitchFamily="2" charset="2"/>
-              </a:rPr>
-              <a:t> </a:t>
-            </a:r>
-            <a:r>
-              <a:rPr lang="en-US" dirty="0" err="1">
-                <a:sym typeface="Wingdings" panose="05000000000000000000" pitchFamily="2" charset="2"/>
-              </a:rPr>
-              <a:t>d’extra</a:t>
-            </a:r>
-            <a:endParaRPr lang="en-US" dirty="0">
-              <a:sym typeface="Wingdings" panose="05000000000000000000" pitchFamily="2" charset="2"/>
-            </a:endParaRPr>
-          </a:p>
-          <a:p>
-            <a:pPr lvl="1"/>
-            <a:r>
               <a:rPr lang="en-US" dirty="0" err="1"/>
-              <a:t>Bref</a:t>
-            </a:r>
-            <a:r>
-              <a:rPr lang="en-US" dirty="0"/>
-              <a:t>, je </a:t>
-            </a:r>
-            <a:r>
-              <a:rPr lang="en-US" dirty="0" err="1"/>
-              <a:t>vais</a:t>
-            </a:r>
-            <a:r>
-              <a:rPr lang="en-US" dirty="0"/>
-              <a:t> tester le dash v2 </a:t>
-            </a:r>
-            <a:r>
-              <a:rPr lang="en-US" dirty="0" err="1"/>
-              <a:t>avant</a:t>
-            </a:r>
-            <a:endParaRPr lang="en-US" dirty="0"/>
-          </a:p>
-          <a:p>
-            <a:r>
-              <a:rPr lang="en-US" dirty="0"/>
-              <a:t>RTC avec batterie sur le board</a:t>
+              <a:t>fois</a:t>
             </a:r>
             <a:endParaRPr lang="fr-CA" dirty="0"/>
           </a:p>
